--- a/documents/ArraysInMemory.pptx
+++ b/documents/ArraysInMemory.pptx
@@ -8,6 +8,10 @@
     <p:sldId id="256" r:id="rId2"/>
     <p:sldId id="257" r:id="rId3"/>
     <p:sldId id="258" r:id="rId4"/>
+    <p:sldId id="260" r:id="rId5"/>
+    <p:sldId id="261" r:id="rId6"/>
+    <p:sldId id="263" r:id="rId7"/>
+    <p:sldId id="262" r:id="rId8"/>
   </p:sldIdLst>
   <p:sldSz cx="9144000" cy="6858000" type="screen4x3"/>
   <p:notesSz cx="6858000" cy="9144000"/>
@@ -290,7 +294,7 @@
           <a:p>
             <a:fld id="{CF3CC921-F3A1-4A25-AD62-AC8C16D29168}" type="datetimeFigureOut">
               <a:rPr lang="ko-KR" altLang="en-US" smtClean="0"/>
-              <a:t>2019-10-30</a:t>
+              <a:t>2019-11-04</a:t>
             </a:fld>
             <a:endParaRPr lang="ko-KR" altLang="en-US"/>
           </a:p>
@@ -460,7 +464,7 @@
           <a:p>
             <a:fld id="{CF3CC921-F3A1-4A25-AD62-AC8C16D29168}" type="datetimeFigureOut">
               <a:rPr lang="ko-KR" altLang="en-US" smtClean="0"/>
-              <a:t>2019-10-30</a:t>
+              <a:t>2019-11-04</a:t>
             </a:fld>
             <a:endParaRPr lang="ko-KR" altLang="en-US"/>
           </a:p>
@@ -640,7 +644,7 @@
           <a:p>
             <a:fld id="{CF3CC921-F3A1-4A25-AD62-AC8C16D29168}" type="datetimeFigureOut">
               <a:rPr lang="ko-KR" altLang="en-US" smtClean="0"/>
-              <a:t>2019-10-30</a:t>
+              <a:t>2019-11-04</a:t>
             </a:fld>
             <a:endParaRPr lang="ko-KR" altLang="en-US"/>
           </a:p>
@@ -810,7 +814,7 @@
           <a:p>
             <a:fld id="{CF3CC921-F3A1-4A25-AD62-AC8C16D29168}" type="datetimeFigureOut">
               <a:rPr lang="ko-KR" altLang="en-US" smtClean="0"/>
-              <a:t>2019-10-30</a:t>
+              <a:t>2019-11-04</a:t>
             </a:fld>
             <a:endParaRPr lang="ko-KR" altLang="en-US"/>
           </a:p>
@@ -1056,7 +1060,7 @@
           <a:p>
             <a:fld id="{CF3CC921-F3A1-4A25-AD62-AC8C16D29168}" type="datetimeFigureOut">
               <a:rPr lang="ko-KR" altLang="en-US" smtClean="0"/>
-              <a:t>2019-10-30</a:t>
+              <a:t>2019-11-04</a:t>
             </a:fld>
             <a:endParaRPr lang="ko-KR" altLang="en-US"/>
           </a:p>
@@ -1344,7 +1348,7 @@
           <a:p>
             <a:fld id="{CF3CC921-F3A1-4A25-AD62-AC8C16D29168}" type="datetimeFigureOut">
               <a:rPr lang="ko-KR" altLang="en-US" smtClean="0"/>
-              <a:t>2019-10-30</a:t>
+              <a:t>2019-11-04</a:t>
             </a:fld>
             <a:endParaRPr lang="ko-KR" altLang="en-US"/>
           </a:p>
@@ -1766,7 +1770,7 @@
           <a:p>
             <a:fld id="{CF3CC921-F3A1-4A25-AD62-AC8C16D29168}" type="datetimeFigureOut">
               <a:rPr lang="ko-KR" altLang="en-US" smtClean="0"/>
-              <a:t>2019-10-30</a:t>
+              <a:t>2019-11-04</a:t>
             </a:fld>
             <a:endParaRPr lang="ko-KR" altLang="en-US"/>
           </a:p>
@@ -1884,7 +1888,7 @@
           <a:p>
             <a:fld id="{CF3CC921-F3A1-4A25-AD62-AC8C16D29168}" type="datetimeFigureOut">
               <a:rPr lang="ko-KR" altLang="en-US" smtClean="0"/>
-              <a:t>2019-10-30</a:t>
+              <a:t>2019-11-04</a:t>
             </a:fld>
             <a:endParaRPr lang="ko-KR" altLang="en-US"/>
           </a:p>
@@ -1979,7 +1983,7 @@
           <a:p>
             <a:fld id="{CF3CC921-F3A1-4A25-AD62-AC8C16D29168}" type="datetimeFigureOut">
               <a:rPr lang="ko-KR" altLang="en-US" smtClean="0"/>
-              <a:t>2019-10-30</a:t>
+              <a:t>2019-11-04</a:t>
             </a:fld>
             <a:endParaRPr lang="ko-KR" altLang="en-US"/>
           </a:p>
@@ -2256,7 +2260,7 @@
           <a:p>
             <a:fld id="{CF3CC921-F3A1-4A25-AD62-AC8C16D29168}" type="datetimeFigureOut">
               <a:rPr lang="ko-KR" altLang="en-US" smtClean="0"/>
-              <a:t>2019-10-30</a:t>
+              <a:t>2019-11-04</a:t>
             </a:fld>
             <a:endParaRPr lang="ko-KR" altLang="en-US"/>
           </a:p>
@@ -2509,7 +2513,7 @@
           <a:p>
             <a:fld id="{CF3CC921-F3A1-4A25-AD62-AC8C16D29168}" type="datetimeFigureOut">
               <a:rPr lang="ko-KR" altLang="en-US" smtClean="0"/>
-              <a:t>2019-10-30</a:t>
+              <a:t>2019-11-04</a:t>
             </a:fld>
             <a:endParaRPr lang="ko-KR" altLang="en-US"/>
           </a:p>
@@ -2722,7 +2726,7 @@
           <a:p>
             <a:fld id="{CF3CC921-F3A1-4A25-AD62-AC8C16D29168}" type="datetimeFigureOut">
               <a:rPr lang="ko-KR" altLang="en-US" smtClean="0"/>
-              <a:t>2019-10-30</a:t>
+              <a:t>2019-11-04</a:t>
             </a:fld>
             <a:endParaRPr lang="ko-KR" altLang="en-US"/>
           </a:p>
@@ -5537,11 +5541,7 @@
           <a:p>
             <a:r>
               <a:rPr lang="ko-KR" altLang="en-US" dirty="0" smtClean="0"/>
-              <a:t>비정방형 </a:t>
-            </a:r>
-            <a:r>
-              <a:rPr lang="ko-KR" altLang="en-US" dirty="0" smtClean="0"/>
-              <a:t>배열</a:t>
+              <a:t>비정방형 배열</a:t>
             </a:r>
             <a:endParaRPr lang="ko-KR" altLang="en-US" dirty="0"/>
           </a:p>
@@ -6621,11 +6621,7 @@
             </a:r>
             <a:r>
               <a:rPr lang="ko-KR" altLang="en-US" dirty="0" smtClean="0"/>
-              <a:t>차원 </a:t>
-            </a:r>
-            <a:r>
-              <a:rPr lang="ko-KR" altLang="en-US" dirty="0" smtClean="0"/>
-              <a:t>배열</a:t>
+              <a:t>차원 배열</a:t>
             </a:r>
             <a:endParaRPr lang="ko-KR" altLang="en-US" dirty="0"/>
           </a:p>
@@ -8184,6 +8180,6319 @@
     <p:extLst>
       <p:ext uri="{BB962C8B-B14F-4D97-AF65-F5344CB8AC3E}">
         <p14:creationId xmlns:p14="http://schemas.microsoft.com/office/powerpoint/2010/main" val="1694208911"/>
+      </p:ext>
+    </p:extLst>
+  </p:cSld>
+  <p:clrMapOvr>
+    <a:masterClrMapping/>
+  </p:clrMapOvr>
+</p:sld>
+</file>
+
+<file path=ppt/slides/slide4.xml><?xml version="1.0" encoding="utf-8"?>
+<p:sld xmlns:a="http://schemas.openxmlformats.org/drawingml/2006/main" xmlns:r="http://schemas.openxmlformats.org/officeDocument/2006/relationships" xmlns:p="http://schemas.openxmlformats.org/presentationml/2006/main">
+  <p:cSld>
+    <p:spTree>
+      <p:nvGrpSpPr>
+        <p:cNvPr id="1" name=""/>
+        <p:cNvGrpSpPr/>
+        <p:nvPr/>
+      </p:nvGrpSpPr>
+      <p:grpSpPr>
+        <a:xfrm>
+          <a:off x="0" y="0"/>
+          <a:ext cx="0" cy="0"/>
+          <a:chOff x="0" y="0"/>
+          <a:chExt cx="0" cy="0"/>
+        </a:xfrm>
+      </p:grpSpPr>
+      <p:sp>
+        <p:nvSpPr>
+          <p:cNvPr id="50" name="직사각형 49"/>
+          <p:cNvSpPr/>
+          <p:nvPr/>
+        </p:nvSpPr>
+        <p:spPr>
+          <a:xfrm>
+            <a:off x="734148" y="1052736"/>
+            <a:ext cx="8136904" cy="4495854"/>
+          </a:xfrm>
+          <a:prstGeom prst="rect">
+            <a:avLst/>
+          </a:prstGeom>
+          <a:noFill/>
+          <a:ln w="12700">
+            <a:solidFill>
+              <a:schemeClr val="tx1"/>
+            </a:solidFill>
+          </a:ln>
+        </p:spPr>
+        <p:style>
+          <a:lnRef idx="2">
+            <a:schemeClr val="accent1">
+              <a:shade val="50000"/>
+            </a:schemeClr>
+          </a:lnRef>
+          <a:fillRef idx="1">
+            <a:schemeClr val="accent1"/>
+          </a:fillRef>
+          <a:effectRef idx="0">
+            <a:schemeClr val="accent1"/>
+          </a:effectRef>
+          <a:fontRef idx="minor">
+            <a:schemeClr val="lt1"/>
+          </a:fontRef>
+        </p:style>
+        <p:txBody>
+          <a:bodyPr rtlCol="0" anchor="ctr"/>
+          <a:lstStyle/>
+          <a:p>
+            <a:pPr algn="ctr"/>
+            <a:endParaRPr lang="ko-KR" altLang="en-US"/>
+          </a:p>
+        </p:txBody>
+      </p:sp>
+      <p:grpSp>
+        <p:nvGrpSpPr>
+          <p:cNvPr id="11" name="그룹 10"/>
+          <p:cNvGrpSpPr/>
+          <p:nvPr/>
+        </p:nvGrpSpPr>
+        <p:grpSpPr>
+          <a:xfrm>
+            <a:off x="1907704" y="1916832"/>
+            <a:ext cx="2088232" cy="2520280"/>
+            <a:chOff x="2627784" y="2204864"/>
+            <a:chExt cx="2088232" cy="2520280"/>
+          </a:xfrm>
+        </p:grpSpPr>
+        <p:cxnSp>
+          <p:nvCxnSpPr>
+            <p:cNvPr id="7" name="직선 연결선 6"/>
+            <p:cNvCxnSpPr/>
+            <p:nvPr/>
+          </p:nvCxnSpPr>
+          <p:spPr>
+            <a:xfrm>
+              <a:off x="2627784" y="2204864"/>
+              <a:ext cx="0" cy="2520280"/>
+            </a:xfrm>
+            <a:prstGeom prst="line">
+              <a:avLst/>
+            </a:prstGeom>
+            <a:ln w="38100"/>
+          </p:spPr>
+          <p:style>
+            <a:lnRef idx="1">
+              <a:schemeClr val="accent1"/>
+            </a:lnRef>
+            <a:fillRef idx="0">
+              <a:schemeClr val="accent1"/>
+            </a:fillRef>
+            <a:effectRef idx="0">
+              <a:schemeClr val="accent1"/>
+            </a:effectRef>
+            <a:fontRef idx="minor">
+              <a:schemeClr val="tx1"/>
+            </a:fontRef>
+          </p:style>
+        </p:cxnSp>
+        <p:cxnSp>
+          <p:nvCxnSpPr>
+            <p:cNvPr id="8" name="직선 연결선 7"/>
+            <p:cNvCxnSpPr/>
+            <p:nvPr/>
+          </p:nvCxnSpPr>
+          <p:spPr>
+            <a:xfrm>
+              <a:off x="4716016" y="2204864"/>
+              <a:ext cx="0" cy="2520280"/>
+            </a:xfrm>
+            <a:prstGeom prst="line">
+              <a:avLst/>
+            </a:prstGeom>
+            <a:ln w="38100"/>
+          </p:spPr>
+          <p:style>
+            <a:lnRef idx="1">
+              <a:schemeClr val="accent1"/>
+            </a:lnRef>
+            <a:fillRef idx="0">
+              <a:schemeClr val="accent1"/>
+            </a:fillRef>
+            <a:effectRef idx="0">
+              <a:schemeClr val="accent1"/>
+            </a:effectRef>
+            <a:fontRef idx="minor">
+              <a:schemeClr val="tx1"/>
+            </a:fontRef>
+          </p:style>
+        </p:cxnSp>
+        <p:cxnSp>
+          <p:nvCxnSpPr>
+            <p:cNvPr id="10" name="직선 연결선 9"/>
+            <p:cNvCxnSpPr/>
+            <p:nvPr/>
+          </p:nvCxnSpPr>
+          <p:spPr>
+            <a:xfrm>
+              <a:off x="2627784" y="4725144"/>
+              <a:ext cx="2088232" cy="0"/>
+            </a:xfrm>
+            <a:prstGeom prst="line">
+              <a:avLst/>
+            </a:prstGeom>
+            <a:ln w="38100"/>
+          </p:spPr>
+          <p:style>
+            <a:lnRef idx="1">
+              <a:schemeClr val="accent1"/>
+            </a:lnRef>
+            <a:fillRef idx="0">
+              <a:schemeClr val="accent1"/>
+            </a:fillRef>
+            <a:effectRef idx="0">
+              <a:schemeClr val="accent1"/>
+            </a:effectRef>
+            <a:fontRef idx="minor">
+              <a:schemeClr val="tx1"/>
+            </a:fontRef>
+          </p:style>
+        </p:cxnSp>
+      </p:grpSp>
+      <p:sp>
+        <p:nvSpPr>
+          <p:cNvPr id="12" name="TextBox 11"/>
+          <p:cNvSpPr txBox="1"/>
+          <p:nvPr/>
+        </p:nvSpPr>
+        <p:spPr>
+          <a:xfrm>
+            <a:off x="2587778" y="4653136"/>
+            <a:ext cx="728084" cy="369332"/>
+          </a:xfrm>
+          <a:prstGeom prst="rect">
+            <a:avLst/>
+          </a:prstGeom>
+          <a:noFill/>
+        </p:spPr>
+        <p:txBody>
+          <a:bodyPr wrap="none" rtlCol="0">
+            <a:spAutoFit/>
+          </a:bodyPr>
+          <a:lstStyle/>
+          <a:p>
+            <a:r>
+              <a:rPr lang="en-US" altLang="ko-KR" dirty="0" smtClean="0"/>
+              <a:t>Stack</a:t>
+            </a:r>
+            <a:endParaRPr lang="ko-KR" altLang="en-US" dirty="0"/>
+          </a:p>
+        </p:txBody>
+      </p:sp>
+      <p:sp>
+        <p:nvSpPr>
+          <p:cNvPr id="13" name="직사각형 12"/>
+          <p:cNvSpPr/>
+          <p:nvPr/>
+        </p:nvSpPr>
+        <p:spPr>
+          <a:xfrm>
+            <a:off x="4499992" y="1916832"/>
+            <a:ext cx="4032448" cy="2520280"/>
+          </a:xfrm>
+          <a:prstGeom prst="rect">
+            <a:avLst/>
+          </a:prstGeom>
+          <a:noFill/>
+        </p:spPr>
+        <p:style>
+          <a:lnRef idx="2">
+            <a:schemeClr val="accent1">
+              <a:shade val="50000"/>
+            </a:schemeClr>
+          </a:lnRef>
+          <a:fillRef idx="1">
+            <a:schemeClr val="accent1"/>
+          </a:fillRef>
+          <a:effectRef idx="0">
+            <a:schemeClr val="accent1"/>
+          </a:effectRef>
+          <a:fontRef idx="minor">
+            <a:schemeClr val="lt1"/>
+          </a:fontRef>
+        </p:style>
+        <p:txBody>
+          <a:bodyPr rtlCol="0" anchor="ctr"/>
+          <a:lstStyle/>
+          <a:p>
+            <a:pPr algn="ctr"/>
+            <a:endParaRPr lang="ko-KR" altLang="en-US"/>
+          </a:p>
+        </p:txBody>
+      </p:sp>
+      <p:sp>
+        <p:nvSpPr>
+          <p:cNvPr id="14" name="TextBox 13"/>
+          <p:cNvSpPr txBox="1"/>
+          <p:nvPr/>
+        </p:nvSpPr>
+        <p:spPr>
+          <a:xfrm>
+            <a:off x="5972154" y="4653136"/>
+            <a:ext cx="732893" cy="369332"/>
+          </a:xfrm>
+          <a:prstGeom prst="rect">
+            <a:avLst/>
+          </a:prstGeom>
+          <a:noFill/>
+        </p:spPr>
+        <p:txBody>
+          <a:bodyPr wrap="none" rtlCol="0">
+            <a:spAutoFit/>
+          </a:bodyPr>
+          <a:lstStyle/>
+          <a:p>
+            <a:r>
+              <a:rPr lang="en-US" altLang="ko-KR" dirty="0" smtClean="0"/>
+              <a:t>Heap</a:t>
+            </a:r>
+            <a:endParaRPr lang="ko-KR" altLang="en-US" dirty="0"/>
+          </a:p>
+        </p:txBody>
+      </p:sp>
+      <p:sp>
+        <p:nvSpPr>
+          <p:cNvPr id="40" name="직사각형 39"/>
+          <p:cNvSpPr/>
+          <p:nvPr/>
+        </p:nvSpPr>
+        <p:spPr>
+          <a:xfrm>
+            <a:off x="1979712" y="4042809"/>
+            <a:ext cx="1944216" cy="322295"/>
+          </a:xfrm>
+          <a:prstGeom prst="rect">
+            <a:avLst/>
+          </a:prstGeom>
+          <a:solidFill>
+            <a:schemeClr val="tx2">
+              <a:lumMod val="20000"/>
+              <a:lumOff val="80000"/>
+            </a:schemeClr>
+          </a:solidFill>
+        </p:spPr>
+        <p:style>
+          <a:lnRef idx="2">
+            <a:schemeClr val="accent1">
+              <a:shade val="50000"/>
+            </a:schemeClr>
+          </a:lnRef>
+          <a:fillRef idx="1">
+            <a:schemeClr val="accent1"/>
+          </a:fillRef>
+          <a:effectRef idx="0">
+            <a:schemeClr val="accent1"/>
+          </a:effectRef>
+          <a:fontRef idx="minor">
+            <a:schemeClr val="lt1"/>
+          </a:fontRef>
+        </p:style>
+        <p:txBody>
+          <a:bodyPr rtlCol="0" anchor="ctr"/>
+          <a:lstStyle/>
+          <a:p>
+            <a:pPr algn="ctr"/>
+            <a:r>
+              <a:rPr lang="en-US" altLang="ko-KR" dirty="0" smtClean="0">
+                <a:solidFill>
+                  <a:schemeClr val="tx1"/>
+                </a:solidFill>
+              </a:rPr>
+              <a:t>0x100</a:t>
+            </a:r>
+            <a:endParaRPr lang="ko-KR" altLang="en-US" dirty="0">
+              <a:solidFill>
+                <a:schemeClr val="tx1"/>
+              </a:solidFill>
+            </a:endParaRPr>
+          </a:p>
+        </p:txBody>
+      </p:sp>
+      <p:cxnSp>
+        <p:nvCxnSpPr>
+          <p:cNvPr id="48" name="꺾인 연결선 47"/>
+          <p:cNvCxnSpPr>
+            <a:stCxn id="40" idx="3"/>
+            <a:endCxn id="27" idx="1"/>
+          </p:cNvCxnSpPr>
+          <p:nvPr/>
+        </p:nvCxnSpPr>
+        <p:spPr>
+          <a:xfrm flipV="1">
+            <a:off x="3923928" y="3159576"/>
+            <a:ext cx="2503430" cy="1044381"/>
+          </a:xfrm>
+          <a:prstGeom prst="bentConnector3">
+            <a:avLst/>
+          </a:prstGeom>
+          <a:ln w="19050">
+            <a:solidFill>
+              <a:srgbClr val="FF0000"/>
+            </a:solidFill>
+            <a:prstDash val="dash"/>
+            <a:tailEnd type="arrow"/>
+          </a:ln>
+        </p:spPr>
+        <p:style>
+          <a:lnRef idx="1">
+            <a:schemeClr val="accent1"/>
+          </a:lnRef>
+          <a:fillRef idx="0">
+            <a:schemeClr val="accent1"/>
+          </a:fillRef>
+          <a:effectRef idx="0">
+            <a:schemeClr val="accent1"/>
+          </a:effectRef>
+          <a:fontRef idx="minor">
+            <a:schemeClr val="tx1"/>
+          </a:fontRef>
+        </p:style>
+      </p:cxnSp>
+      <p:sp>
+        <p:nvSpPr>
+          <p:cNvPr id="49" name="TextBox 48"/>
+          <p:cNvSpPr txBox="1"/>
+          <p:nvPr/>
+        </p:nvSpPr>
+        <p:spPr>
+          <a:xfrm>
+            <a:off x="4012491" y="868070"/>
+            <a:ext cx="1316386" cy="369332"/>
+          </a:xfrm>
+          <a:prstGeom prst="rect">
+            <a:avLst/>
+          </a:prstGeom>
+          <a:solidFill>
+            <a:schemeClr val="bg1"/>
+          </a:solidFill>
+        </p:spPr>
+        <p:txBody>
+          <a:bodyPr wrap="none" rtlCol="0">
+            <a:spAutoFit/>
+          </a:bodyPr>
+          <a:lstStyle/>
+          <a:p>
+            <a:r>
+              <a:rPr lang="en-US" altLang="ko-KR" dirty="0" smtClean="0"/>
+              <a:t>1</a:t>
+            </a:r>
+            <a:r>
+              <a:rPr lang="ko-KR" altLang="en-US" dirty="0" smtClean="0"/>
+              <a:t>차원 </a:t>
+            </a:r>
+            <a:r>
+              <a:rPr lang="ko-KR" altLang="en-US" dirty="0" smtClean="0"/>
+              <a:t>배열</a:t>
+            </a:r>
+            <a:endParaRPr lang="ko-KR" altLang="en-US" dirty="0"/>
+          </a:p>
+        </p:txBody>
+      </p:sp>
+      <p:sp>
+        <p:nvSpPr>
+          <p:cNvPr id="41" name="TextBox 40"/>
+          <p:cNvSpPr txBox="1"/>
+          <p:nvPr/>
+        </p:nvSpPr>
+        <p:spPr>
+          <a:xfrm>
+            <a:off x="943162" y="1258643"/>
+            <a:ext cx="2771913" cy="369332"/>
+          </a:xfrm>
+          <a:prstGeom prst="rect">
+            <a:avLst/>
+          </a:prstGeom>
+          <a:solidFill>
+            <a:schemeClr val="tx2">
+              <a:lumMod val="20000"/>
+              <a:lumOff val="80000"/>
+            </a:schemeClr>
+          </a:solidFill>
+          <a:ln>
+            <a:solidFill>
+              <a:schemeClr val="tx2">
+                <a:lumMod val="75000"/>
+              </a:schemeClr>
+            </a:solidFill>
+          </a:ln>
+        </p:spPr>
+        <p:txBody>
+          <a:bodyPr wrap="none" rtlCol="0">
+            <a:spAutoFit/>
+          </a:bodyPr>
+          <a:lstStyle/>
+          <a:p>
+            <a:r>
+              <a:rPr lang="en-US" altLang="ko-KR" b="1" dirty="0" err="1" smtClean="0">
+                <a:solidFill>
+                  <a:srgbClr val="FF3399"/>
+                </a:solidFill>
+              </a:rPr>
+              <a:t>int</a:t>
+            </a:r>
+            <a:r>
+              <a:rPr lang="en-US" altLang="ko-KR" dirty="0" smtClean="0"/>
+              <a:t> </a:t>
+            </a:r>
+            <a:r>
+              <a:rPr lang="en-US" altLang="ko-KR" dirty="0" smtClean="0"/>
+              <a:t>[] array </a:t>
+            </a:r>
+            <a:r>
+              <a:rPr lang="en-US" altLang="ko-KR" dirty="0" smtClean="0"/>
+              <a:t>= </a:t>
+            </a:r>
+            <a:r>
+              <a:rPr lang="en-US" altLang="ko-KR" b="1" dirty="0" smtClean="0">
+                <a:solidFill>
+                  <a:srgbClr val="FF0000"/>
+                </a:solidFill>
+              </a:rPr>
+              <a:t>new</a:t>
+            </a:r>
+            <a:r>
+              <a:rPr lang="en-US" altLang="ko-KR" dirty="0" smtClean="0"/>
+              <a:t> </a:t>
+            </a:r>
+            <a:r>
+              <a:rPr lang="en-US" altLang="ko-KR" b="1" dirty="0" err="1" smtClean="0">
+                <a:solidFill>
+                  <a:srgbClr val="FF3399"/>
+                </a:solidFill>
+              </a:rPr>
+              <a:t>int</a:t>
+            </a:r>
+            <a:r>
+              <a:rPr lang="en-US" altLang="ko-KR" dirty="0" smtClean="0"/>
+              <a:t>[2];</a:t>
+            </a:r>
+            <a:endParaRPr lang="ko-KR" altLang="en-US" dirty="0"/>
+          </a:p>
+        </p:txBody>
+      </p:sp>
+      <p:sp>
+        <p:nvSpPr>
+          <p:cNvPr id="2" name="TextBox 1"/>
+          <p:cNvSpPr txBox="1"/>
+          <p:nvPr/>
+        </p:nvSpPr>
+        <p:spPr>
+          <a:xfrm>
+            <a:off x="827584" y="3933056"/>
+            <a:ext cx="875561" cy="461665"/>
+          </a:xfrm>
+          <a:prstGeom prst="rect">
+            <a:avLst/>
+          </a:prstGeom>
+          <a:noFill/>
+        </p:spPr>
+        <p:txBody>
+          <a:bodyPr wrap="none" rtlCol="0">
+            <a:spAutoFit/>
+          </a:bodyPr>
+          <a:lstStyle/>
+          <a:p>
+            <a:r>
+              <a:rPr lang="en-US" altLang="ko-KR" sz="2400" dirty="0" smtClean="0"/>
+              <a:t>array</a:t>
+            </a:r>
+            <a:endParaRPr lang="ko-KR" altLang="en-US" sz="2400" dirty="0"/>
+          </a:p>
+        </p:txBody>
+      </p:sp>
+      <p:cxnSp>
+        <p:nvCxnSpPr>
+          <p:cNvPr id="6" name="직선 화살표 연결선 5"/>
+          <p:cNvCxnSpPr/>
+          <p:nvPr/>
+        </p:nvCxnSpPr>
+        <p:spPr>
+          <a:xfrm>
+            <a:off x="1620174" y="4201634"/>
+            <a:ext cx="215522" cy="2323"/>
+          </a:xfrm>
+          <a:prstGeom prst="straightConnector1">
+            <a:avLst/>
+          </a:prstGeom>
+          <a:ln w="25400">
+            <a:solidFill>
+              <a:schemeClr val="accent3">
+                <a:lumMod val="75000"/>
+              </a:schemeClr>
+            </a:solidFill>
+            <a:headEnd type="none"/>
+            <a:tailEnd type="triangle"/>
+          </a:ln>
+        </p:spPr>
+        <p:style>
+          <a:lnRef idx="1">
+            <a:schemeClr val="accent1"/>
+          </a:lnRef>
+          <a:fillRef idx="0">
+            <a:schemeClr val="accent1"/>
+          </a:fillRef>
+          <a:effectRef idx="0">
+            <a:schemeClr val="accent1"/>
+          </a:effectRef>
+          <a:fontRef idx="minor">
+            <a:schemeClr val="tx1"/>
+          </a:fontRef>
+        </p:style>
+      </p:cxnSp>
+      <p:grpSp>
+        <p:nvGrpSpPr>
+          <p:cNvPr id="17" name="그룹 16"/>
+          <p:cNvGrpSpPr/>
+          <p:nvPr/>
+        </p:nvGrpSpPr>
+        <p:grpSpPr>
+          <a:xfrm>
+            <a:off x="5844453" y="2650293"/>
+            <a:ext cx="1391843" cy="683542"/>
+            <a:chOff x="4792068" y="1938318"/>
+            <a:chExt cx="1391843" cy="683542"/>
+          </a:xfrm>
+        </p:grpSpPr>
+        <p:sp>
+          <p:nvSpPr>
+            <p:cNvPr id="39" name="TextBox 38"/>
+            <p:cNvSpPr txBox="1"/>
+            <p:nvPr/>
+          </p:nvSpPr>
+          <p:spPr>
+            <a:xfrm>
+              <a:off x="4792068" y="2204864"/>
+              <a:ext cx="627095" cy="276999"/>
+            </a:xfrm>
+            <a:prstGeom prst="rect">
+              <a:avLst/>
+            </a:prstGeom>
+            <a:noFill/>
+          </p:spPr>
+          <p:txBody>
+            <a:bodyPr wrap="none" rtlCol="0">
+              <a:spAutoFit/>
+            </a:bodyPr>
+            <a:lstStyle/>
+            <a:p>
+              <a:r>
+                <a:rPr lang="en-US" altLang="ko-KR" sz="1200" b="1" dirty="0" smtClean="0"/>
+                <a:t>0x100</a:t>
+              </a:r>
+              <a:endParaRPr lang="ko-KR" altLang="en-US" sz="1200" b="1" dirty="0"/>
+            </a:p>
+          </p:txBody>
+        </p:sp>
+        <p:grpSp>
+          <p:nvGrpSpPr>
+            <p:cNvPr id="16" name="그룹 15"/>
+            <p:cNvGrpSpPr/>
+            <p:nvPr/>
+          </p:nvGrpSpPr>
+          <p:grpSpPr>
+            <a:xfrm>
+              <a:off x="5372622" y="1938318"/>
+              <a:ext cx="423514" cy="683542"/>
+              <a:chOff x="5372622" y="1938318"/>
+              <a:chExt cx="423514" cy="683542"/>
+            </a:xfrm>
+          </p:grpSpPr>
+          <p:sp>
+            <p:nvSpPr>
+              <p:cNvPr id="27" name="직사각형 26"/>
+              <p:cNvSpPr/>
+              <p:nvPr/>
+            </p:nvSpPr>
+            <p:spPr>
+              <a:xfrm>
+                <a:off x="5374973" y="2273341"/>
+                <a:ext cx="395620" cy="348519"/>
+              </a:xfrm>
+              <a:prstGeom prst="rect">
+                <a:avLst/>
+              </a:prstGeom>
+              <a:solidFill>
+                <a:schemeClr val="tx2">
+                  <a:lumMod val="40000"/>
+                  <a:lumOff val="60000"/>
+                </a:schemeClr>
+              </a:solidFill>
+            </p:spPr>
+            <p:style>
+              <a:lnRef idx="2">
+                <a:schemeClr val="accent1">
+                  <a:shade val="50000"/>
+                </a:schemeClr>
+              </a:lnRef>
+              <a:fillRef idx="1">
+                <a:schemeClr val="accent1"/>
+              </a:fillRef>
+              <a:effectRef idx="0">
+                <a:schemeClr val="accent1"/>
+              </a:effectRef>
+              <a:fontRef idx="minor">
+                <a:schemeClr val="lt1"/>
+              </a:fontRef>
+            </p:style>
+            <p:txBody>
+              <a:bodyPr rtlCol="0" anchor="ctr"/>
+              <a:lstStyle/>
+              <a:p>
+                <a:pPr algn="ctr"/>
+                <a:r>
+                  <a:rPr lang="en-US" altLang="ko-KR" dirty="0" smtClean="0">
+                    <a:solidFill>
+                      <a:schemeClr val="tx1"/>
+                    </a:solidFill>
+                  </a:rPr>
+                  <a:t>0</a:t>
+                </a:r>
+                <a:endParaRPr lang="ko-KR" altLang="en-US" dirty="0">
+                  <a:solidFill>
+                    <a:schemeClr val="tx1"/>
+                  </a:solidFill>
+                </a:endParaRPr>
+              </a:p>
+            </p:txBody>
+          </p:sp>
+          <p:sp>
+            <p:nvSpPr>
+              <p:cNvPr id="47" name="TextBox 46"/>
+              <p:cNvSpPr txBox="1"/>
+              <p:nvPr/>
+            </p:nvSpPr>
+            <p:spPr>
+              <a:xfrm>
+                <a:off x="5372622" y="1938318"/>
+                <a:ext cx="423514" cy="338554"/>
+              </a:xfrm>
+              <a:prstGeom prst="rect">
+                <a:avLst/>
+              </a:prstGeom>
+              <a:noFill/>
+            </p:spPr>
+            <p:txBody>
+              <a:bodyPr wrap="none" rtlCol="0">
+                <a:spAutoFit/>
+              </a:bodyPr>
+              <a:lstStyle/>
+              <a:p>
+                <a:r>
+                  <a:rPr lang="en-US" altLang="ko-KR" sz="1600" dirty="0" smtClean="0"/>
+                  <a:t>[0]</a:t>
+                </a:r>
+                <a:endParaRPr lang="ko-KR" altLang="en-US" sz="1600" dirty="0"/>
+              </a:p>
+            </p:txBody>
+          </p:sp>
+        </p:grpSp>
+        <p:grpSp>
+          <p:nvGrpSpPr>
+            <p:cNvPr id="53" name="그룹 52"/>
+            <p:cNvGrpSpPr/>
+            <p:nvPr/>
+          </p:nvGrpSpPr>
+          <p:grpSpPr>
+            <a:xfrm>
+              <a:off x="5760397" y="1938318"/>
+              <a:ext cx="423514" cy="683542"/>
+              <a:chOff x="5372622" y="1938318"/>
+              <a:chExt cx="423514" cy="683542"/>
+            </a:xfrm>
+          </p:grpSpPr>
+          <p:sp>
+            <p:nvSpPr>
+              <p:cNvPr id="54" name="직사각형 53"/>
+              <p:cNvSpPr/>
+              <p:nvPr/>
+            </p:nvSpPr>
+            <p:spPr>
+              <a:xfrm>
+                <a:off x="5374973" y="2273341"/>
+                <a:ext cx="395620" cy="348519"/>
+              </a:xfrm>
+              <a:prstGeom prst="rect">
+                <a:avLst/>
+              </a:prstGeom>
+              <a:solidFill>
+                <a:schemeClr val="tx2">
+                  <a:lumMod val="40000"/>
+                  <a:lumOff val="60000"/>
+                </a:schemeClr>
+              </a:solidFill>
+            </p:spPr>
+            <p:style>
+              <a:lnRef idx="2">
+                <a:schemeClr val="accent1">
+                  <a:shade val="50000"/>
+                </a:schemeClr>
+              </a:lnRef>
+              <a:fillRef idx="1">
+                <a:schemeClr val="accent1"/>
+              </a:fillRef>
+              <a:effectRef idx="0">
+                <a:schemeClr val="accent1"/>
+              </a:effectRef>
+              <a:fontRef idx="minor">
+                <a:schemeClr val="lt1"/>
+              </a:fontRef>
+            </p:style>
+            <p:txBody>
+              <a:bodyPr rtlCol="0" anchor="ctr"/>
+              <a:lstStyle/>
+              <a:p>
+                <a:pPr algn="ctr"/>
+                <a:r>
+                  <a:rPr lang="en-US" altLang="ko-KR" dirty="0" smtClean="0">
+                    <a:solidFill>
+                      <a:schemeClr val="tx1"/>
+                    </a:solidFill>
+                  </a:rPr>
+                  <a:t>0</a:t>
+                </a:r>
+                <a:endParaRPr lang="ko-KR" altLang="en-US" dirty="0">
+                  <a:solidFill>
+                    <a:schemeClr val="tx1"/>
+                  </a:solidFill>
+                </a:endParaRPr>
+              </a:p>
+            </p:txBody>
+          </p:sp>
+          <p:sp>
+            <p:nvSpPr>
+              <p:cNvPr id="55" name="TextBox 54"/>
+              <p:cNvSpPr txBox="1"/>
+              <p:nvPr/>
+            </p:nvSpPr>
+            <p:spPr>
+              <a:xfrm>
+                <a:off x="5372622" y="1938318"/>
+                <a:ext cx="423514" cy="338554"/>
+              </a:xfrm>
+              <a:prstGeom prst="rect">
+                <a:avLst/>
+              </a:prstGeom>
+              <a:noFill/>
+            </p:spPr>
+            <p:txBody>
+              <a:bodyPr wrap="none" rtlCol="0">
+                <a:spAutoFit/>
+              </a:bodyPr>
+              <a:lstStyle/>
+              <a:p>
+                <a:r>
+                  <a:rPr lang="en-US" altLang="ko-KR" sz="1600" dirty="0" smtClean="0"/>
+                  <a:t>[1]</a:t>
+                </a:r>
+                <a:endParaRPr lang="ko-KR" altLang="en-US" sz="1600" dirty="0"/>
+              </a:p>
+            </p:txBody>
+          </p:sp>
+        </p:grpSp>
+      </p:grpSp>
+      <p:cxnSp>
+        <p:nvCxnSpPr>
+          <p:cNvPr id="24" name="구부러진 연결선 23"/>
+          <p:cNvCxnSpPr>
+            <a:endCxn id="40" idx="0"/>
+          </p:cNvCxnSpPr>
+          <p:nvPr/>
+        </p:nvCxnSpPr>
+        <p:spPr>
+          <a:xfrm rot="16200000" flipH="1">
+            <a:off x="1186342" y="2277330"/>
+            <a:ext cx="2414833" cy="1116124"/>
+          </a:xfrm>
+          <a:prstGeom prst="curvedConnector3">
+            <a:avLst>
+              <a:gd name="adj1" fmla="val 50000"/>
+            </a:avLst>
+          </a:prstGeom>
+          <a:ln w="25400">
+            <a:solidFill>
+              <a:srgbClr val="00B050"/>
+            </a:solidFill>
+            <a:prstDash val="sysDot"/>
+            <a:tailEnd type="arrow"/>
+          </a:ln>
+        </p:spPr>
+        <p:style>
+          <a:lnRef idx="1">
+            <a:schemeClr val="accent1"/>
+          </a:lnRef>
+          <a:fillRef idx="0">
+            <a:schemeClr val="accent1"/>
+          </a:fillRef>
+          <a:effectRef idx="0">
+            <a:schemeClr val="accent1"/>
+          </a:effectRef>
+          <a:fontRef idx="minor">
+            <a:schemeClr val="tx1"/>
+          </a:fontRef>
+        </p:style>
+      </p:cxnSp>
+      <p:cxnSp>
+        <p:nvCxnSpPr>
+          <p:cNvPr id="28" name="구부러진 연결선 27"/>
+          <p:cNvCxnSpPr>
+            <a:stCxn id="41" idx="3"/>
+            <a:endCxn id="39" idx="0"/>
+          </p:cNvCxnSpPr>
+          <p:nvPr/>
+        </p:nvCxnSpPr>
+        <p:spPr>
+          <a:xfrm>
+            <a:off x="3715075" y="1443309"/>
+            <a:ext cx="2442926" cy="1473530"/>
+          </a:xfrm>
+          <a:prstGeom prst="curvedConnector2">
+            <a:avLst/>
+          </a:prstGeom>
+          <a:ln w="25400">
+            <a:solidFill>
+              <a:srgbClr val="00B050"/>
+            </a:solidFill>
+            <a:prstDash val="sysDot"/>
+            <a:tailEnd type="arrow"/>
+          </a:ln>
+        </p:spPr>
+        <p:style>
+          <a:lnRef idx="1">
+            <a:schemeClr val="accent1"/>
+          </a:lnRef>
+          <a:fillRef idx="0">
+            <a:schemeClr val="accent1"/>
+          </a:fillRef>
+          <a:effectRef idx="0">
+            <a:schemeClr val="accent1"/>
+          </a:effectRef>
+          <a:fontRef idx="minor">
+            <a:schemeClr val="tx1"/>
+          </a:fontRef>
+        </p:style>
+      </p:cxnSp>
+    </p:spTree>
+    <p:extLst>
+      <p:ext uri="{BB962C8B-B14F-4D97-AF65-F5344CB8AC3E}">
+        <p14:creationId xmlns:p14="http://schemas.microsoft.com/office/powerpoint/2010/main" val="4240326159"/>
+      </p:ext>
+    </p:extLst>
+  </p:cSld>
+  <p:clrMapOvr>
+    <a:masterClrMapping/>
+  </p:clrMapOvr>
+</p:sld>
+</file>
+
+<file path=ppt/slides/slide5.xml><?xml version="1.0" encoding="utf-8"?>
+<p:sld xmlns:a="http://schemas.openxmlformats.org/drawingml/2006/main" xmlns:r="http://schemas.openxmlformats.org/officeDocument/2006/relationships" xmlns:p="http://schemas.openxmlformats.org/presentationml/2006/main">
+  <p:cSld>
+    <p:spTree>
+      <p:nvGrpSpPr>
+        <p:cNvPr id="1" name=""/>
+        <p:cNvGrpSpPr/>
+        <p:nvPr/>
+      </p:nvGrpSpPr>
+      <p:grpSpPr>
+        <a:xfrm>
+          <a:off x="0" y="0"/>
+          <a:ext cx="0" cy="0"/>
+          <a:chOff x="0" y="0"/>
+          <a:chExt cx="0" cy="0"/>
+        </a:xfrm>
+      </p:grpSpPr>
+      <p:sp>
+        <p:nvSpPr>
+          <p:cNvPr id="89" name="직사각형 88"/>
+          <p:cNvSpPr/>
+          <p:nvPr/>
+        </p:nvSpPr>
+        <p:spPr>
+          <a:xfrm>
+            <a:off x="4670684" y="2956305"/>
+            <a:ext cx="1357217" cy="808008"/>
+          </a:xfrm>
+          <a:prstGeom prst="rect">
+            <a:avLst/>
+          </a:prstGeom>
+        </p:spPr>
+        <p:style>
+          <a:lnRef idx="2">
+            <a:schemeClr val="accent1">
+              <a:shade val="50000"/>
+            </a:schemeClr>
+          </a:lnRef>
+          <a:fillRef idx="1">
+            <a:schemeClr val="accent1"/>
+          </a:fillRef>
+          <a:effectRef idx="0">
+            <a:schemeClr val="accent1"/>
+          </a:effectRef>
+          <a:fontRef idx="minor">
+            <a:schemeClr val="lt1"/>
+          </a:fontRef>
+        </p:style>
+        <p:txBody>
+          <a:bodyPr rtlCol="0" anchor="ctr"/>
+          <a:lstStyle/>
+          <a:p>
+            <a:pPr algn="ctr"/>
+            <a:endParaRPr lang="ko-KR" altLang="en-US"/>
+          </a:p>
+        </p:txBody>
+      </p:sp>
+      <p:sp>
+        <p:nvSpPr>
+          <p:cNvPr id="90" name="TextBox 89"/>
+          <p:cNvSpPr txBox="1"/>
+          <p:nvPr/>
+        </p:nvSpPr>
+        <p:spPr>
+          <a:xfrm>
+            <a:off x="4590843" y="3007282"/>
+            <a:ext cx="423514" cy="338554"/>
+          </a:xfrm>
+          <a:prstGeom prst="rect">
+            <a:avLst/>
+          </a:prstGeom>
+          <a:noFill/>
+        </p:spPr>
+        <p:txBody>
+          <a:bodyPr wrap="none" rtlCol="0">
+            <a:spAutoFit/>
+          </a:bodyPr>
+          <a:lstStyle/>
+          <a:p>
+            <a:r>
+              <a:rPr lang="en-US" altLang="ko-KR" sz="1600" dirty="0" smtClean="0"/>
+              <a:t>[0]</a:t>
+            </a:r>
+            <a:endParaRPr lang="ko-KR" altLang="en-US" sz="1600" dirty="0"/>
+          </a:p>
+        </p:txBody>
+      </p:sp>
+      <p:sp>
+        <p:nvSpPr>
+          <p:cNvPr id="91" name="TextBox 90"/>
+          <p:cNvSpPr txBox="1"/>
+          <p:nvPr/>
+        </p:nvSpPr>
+        <p:spPr>
+          <a:xfrm>
+            <a:off x="4590843" y="3333449"/>
+            <a:ext cx="423514" cy="338554"/>
+          </a:xfrm>
+          <a:prstGeom prst="rect">
+            <a:avLst/>
+          </a:prstGeom>
+          <a:noFill/>
+        </p:spPr>
+        <p:txBody>
+          <a:bodyPr wrap="none" rtlCol="0">
+            <a:spAutoFit/>
+          </a:bodyPr>
+          <a:lstStyle/>
+          <a:p>
+            <a:r>
+              <a:rPr lang="en-US" altLang="ko-KR" sz="1600" dirty="0" smtClean="0"/>
+              <a:t>[1]</a:t>
+            </a:r>
+            <a:endParaRPr lang="ko-KR" altLang="en-US" sz="1600" dirty="0"/>
+          </a:p>
+        </p:txBody>
+      </p:sp>
+      <p:sp>
+        <p:nvSpPr>
+          <p:cNvPr id="50" name="직사각형 49"/>
+          <p:cNvSpPr/>
+          <p:nvPr/>
+        </p:nvSpPr>
+        <p:spPr>
+          <a:xfrm>
+            <a:off x="734148" y="1052736"/>
+            <a:ext cx="8136904" cy="4495854"/>
+          </a:xfrm>
+          <a:prstGeom prst="rect">
+            <a:avLst/>
+          </a:prstGeom>
+          <a:noFill/>
+          <a:ln w="12700">
+            <a:solidFill>
+              <a:schemeClr val="tx1"/>
+            </a:solidFill>
+          </a:ln>
+        </p:spPr>
+        <p:style>
+          <a:lnRef idx="2">
+            <a:schemeClr val="accent1">
+              <a:shade val="50000"/>
+            </a:schemeClr>
+          </a:lnRef>
+          <a:fillRef idx="1">
+            <a:schemeClr val="accent1"/>
+          </a:fillRef>
+          <a:effectRef idx="0">
+            <a:schemeClr val="accent1"/>
+          </a:effectRef>
+          <a:fontRef idx="minor">
+            <a:schemeClr val="lt1"/>
+          </a:fontRef>
+        </p:style>
+        <p:txBody>
+          <a:bodyPr rtlCol="0" anchor="ctr"/>
+          <a:lstStyle/>
+          <a:p>
+            <a:pPr algn="ctr"/>
+            <a:endParaRPr lang="ko-KR" altLang="en-US"/>
+          </a:p>
+        </p:txBody>
+      </p:sp>
+      <p:grpSp>
+        <p:nvGrpSpPr>
+          <p:cNvPr id="11" name="그룹 10"/>
+          <p:cNvGrpSpPr/>
+          <p:nvPr/>
+        </p:nvGrpSpPr>
+        <p:grpSpPr>
+          <a:xfrm>
+            <a:off x="1907704" y="1916832"/>
+            <a:ext cx="2088232" cy="2520280"/>
+            <a:chOff x="2627784" y="2204864"/>
+            <a:chExt cx="2088232" cy="2520280"/>
+          </a:xfrm>
+        </p:grpSpPr>
+        <p:cxnSp>
+          <p:nvCxnSpPr>
+            <p:cNvPr id="7" name="직선 연결선 6"/>
+            <p:cNvCxnSpPr/>
+            <p:nvPr/>
+          </p:nvCxnSpPr>
+          <p:spPr>
+            <a:xfrm>
+              <a:off x="2627784" y="2204864"/>
+              <a:ext cx="0" cy="2520280"/>
+            </a:xfrm>
+            <a:prstGeom prst="line">
+              <a:avLst/>
+            </a:prstGeom>
+            <a:ln w="38100"/>
+          </p:spPr>
+          <p:style>
+            <a:lnRef idx="1">
+              <a:schemeClr val="accent1"/>
+            </a:lnRef>
+            <a:fillRef idx="0">
+              <a:schemeClr val="accent1"/>
+            </a:fillRef>
+            <a:effectRef idx="0">
+              <a:schemeClr val="accent1"/>
+            </a:effectRef>
+            <a:fontRef idx="minor">
+              <a:schemeClr val="tx1"/>
+            </a:fontRef>
+          </p:style>
+        </p:cxnSp>
+        <p:cxnSp>
+          <p:nvCxnSpPr>
+            <p:cNvPr id="8" name="직선 연결선 7"/>
+            <p:cNvCxnSpPr/>
+            <p:nvPr/>
+          </p:nvCxnSpPr>
+          <p:spPr>
+            <a:xfrm>
+              <a:off x="4716016" y="2204864"/>
+              <a:ext cx="0" cy="2520280"/>
+            </a:xfrm>
+            <a:prstGeom prst="line">
+              <a:avLst/>
+            </a:prstGeom>
+            <a:ln w="38100"/>
+          </p:spPr>
+          <p:style>
+            <a:lnRef idx="1">
+              <a:schemeClr val="accent1"/>
+            </a:lnRef>
+            <a:fillRef idx="0">
+              <a:schemeClr val="accent1"/>
+            </a:fillRef>
+            <a:effectRef idx="0">
+              <a:schemeClr val="accent1"/>
+            </a:effectRef>
+            <a:fontRef idx="minor">
+              <a:schemeClr val="tx1"/>
+            </a:fontRef>
+          </p:style>
+        </p:cxnSp>
+        <p:cxnSp>
+          <p:nvCxnSpPr>
+            <p:cNvPr id="10" name="직선 연결선 9"/>
+            <p:cNvCxnSpPr/>
+            <p:nvPr/>
+          </p:nvCxnSpPr>
+          <p:spPr>
+            <a:xfrm>
+              <a:off x="2627784" y="4725144"/>
+              <a:ext cx="2088232" cy="0"/>
+            </a:xfrm>
+            <a:prstGeom prst="line">
+              <a:avLst/>
+            </a:prstGeom>
+            <a:ln w="38100"/>
+          </p:spPr>
+          <p:style>
+            <a:lnRef idx="1">
+              <a:schemeClr val="accent1"/>
+            </a:lnRef>
+            <a:fillRef idx="0">
+              <a:schemeClr val="accent1"/>
+            </a:fillRef>
+            <a:effectRef idx="0">
+              <a:schemeClr val="accent1"/>
+            </a:effectRef>
+            <a:fontRef idx="minor">
+              <a:schemeClr val="tx1"/>
+            </a:fontRef>
+          </p:style>
+        </p:cxnSp>
+      </p:grpSp>
+      <p:sp>
+        <p:nvSpPr>
+          <p:cNvPr id="12" name="TextBox 11"/>
+          <p:cNvSpPr txBox="1"/>
+          <p:nvPr/>
+        </p:nvSpPr>
+        <p:spPr>
+          <a:xfrm>
+            <a:off x="2587778" y="4653136"/>
+            <a:ext cx="728084" cy="369332"/>
+          </a:xfrm>
+          <a:prstGeom prst="rect">
+            <a:avLst/>
+          </a:prstGeom>
+          <a:noFill/>
+        </p:spPr>
+        <p:txBody>
+          <a:bodyPr wrap="none" rtlCol="0">
+            <a:spAutoFit/>
+          </a:bodyPr>
+          <a:lstStyle/>
+          <a:p>
+            <a:r>
+              <a:rPr lang="en-US" altLang="ko-KR" dirty="0" smtClean="0"/>
+              <a:t>Stack</a:t>
+            </a:r>
+            <a:endParaRPr lang="ko-KR" altLang="en-US" dirty="0"/>
+          </a:p>
+        </p:txBody>
+      </p:sp>
+      <p:sp>
+        <p:nvSpPr>
+          <p:cNvPr id="13" name="직사각형 12"/>
+          <p:cNvSpPr/>
+          <p:nvPr/>
+        </p:nvSpPr>
+        <p:spPr>
+          <a:xfrm>
+            <a:off x="4499992" y="1916832"/>
+            <a:ext cx="4032448" cy="2520280"/>
+          </a:xfrm>
+          <a:prstGeom prst="rect">
+            <a:avLst/>
+          </a:prstGeom>
+          <a:noFill/>
+        </p:spPr>
+        <p:style>
+          <a:lnRef idx="2">
+            <a:schemeClr val="accent1">
+              <a:shade val="50000"/>
+            </a:schemeClr>
+          </a:lnRef>
+          <a:fillRef idx="1">
+            <a:schemeClr val="accent1"/>
+          </a:fillRef>
+          <a:effectRef idx="0">
+            <a:schemeClr val="accent1"/>
+          </a:effectRef>
+          <a:fontRef idx="minor">
+            <a:schemeClr val="lt1"/>
+          </a:fontRef>
+        </p:style>
+        <p:txBody>
+          <a:bodyPr rtlCol="0" anchor="ctr"/>
+          <a:lstStyle/>
+          <a:p>
+            <a:pPr algn="ctr"/>
+            <a:endParaRPr lang="ko-KR" altLang="en-US"/>
+          </a:p>
+        </p:txBody>
+      </p:sp>
+      <p:sp>
+        <p:nvSpPr>
+          <p:cNvPr id="14" name="TextBox 13"/>
+          <p:cNvSpPr txBox="1"/>
+          <p:nvPr/>
+        </p:nvSpPr>
+        <p:spPr>
+          <a:xfrm>
+            <a:off x="5972154" y="4653136"/>
+            <a:ext cx="732893" cy="369332"/>
+          </a:xfrm>
+          <a:prstGeom prst="rect">
+            <a:avLst/>
+          </a:prstGeom>
+          <a:noFill/>
+        </p:spPr>
+        <p:txBody>
+          <a:bodyPr wrap="none" rtlCol="0">
+            <a:spAutoFit/>
+          </a:bodyPr>
+          <a:lstStyle/>
+          <a:p>
+            <a:r>
+              <a:rPr lang="en-US" altLang="ko-KR" dirty="0" smtClean="0"/>
+              <a:t>Heap</a:t>
+            </a:r>
+            <a:endParaRPr lang="ko-KR" altLang="en-US" dirty="0"/>
+          </a:p>
+        </p:txBody>
+      </p:sp>
+      <p:sp>
+        <p:nvSpPr>
+          <p:cNvPr id="40" name="직사각형 39"/>
+          <p:cNvSpPr/>
+          <p:nvPr/>
+        </p:nvSpPr>
+        <p:spPr>
+          <a:xfrm>
+            <a:off x="1979712" y="4042809"/>
+            <a:ext cx="1944216" cy="322295"/>
+          </a:xfrm>
+          <a:prstGeom prst="rect">
+            <a:avLst/>
+          </a:prstGeom>
+          <a:solidFill>
+            <a:schemeClr val="tx2">
+              <a:lumMod val="20000"/>
+              <a:lumOff val="80000"/>
+            </a:schemeClr>
+          </a:solidFill>
+        </p:spPr>
+        <p:style>
+          <a:lnRef idx="2">
+            <a:schemeClr val="accent1">
+              <a:shade val="50000"/>
+            </a:schemeClr>
+          </a:lnRef>
+          <a:fillRef idx="1">
+            <a:schemeClr val="accent1"/>
+          </a:fillRef>
+          <a:effectRef idx="0">
+            <a:schemeClr val="accent1"/>
+          </a:effectRef>
+          <a:fontRef idx="minor">
+            <a:schemeClr val="lt1"/>
+          </a:fontRef>
+        </p:style>
+        <p:txBody>
+          <a:bodyPr rtlCol="0" anchor="ctr"/>
+          <a:lstStyle/>
+          <a:p>
+            <a:pPr algn="ctr"/>
+            <a:r>
+              <a:rPr lang="en-US" altLang="ko-KR" dirty="0" smtClean="0">
+                <a:solidFill>
+                  <a:schemeClr val="tx1"/>
+                </a:solidFill>
+              </a:rPr>
+              <a:t>0x100</a:t>
+            </a:r>
+            <a:endParaRPr lang="ko-KR" altLang="en-US" dirty="0">
+              <a:solidFill>
+                <a:schemeClr val="tx1"/>
+              </a:solidFill>
+            </a:endParaRPr>
+          </a:p>
+        </p:txBody>
+      </p:sp>
+      <p:cxnSp>
+        <p:nvCxnSpPr>
+          <p:cNvPr id="48" name="꺾인 연결선 47"/>
+          <p:cNvCxnSpPr>
+            <a:stCxn id="40" idx="3"/>
+            <a:endCxn id="56" idx="0"/>
+          </p:cNvCxnSpPr>
+          <p:nvPr/>
+        </p:nvCxnSpPr>
+        <p:spPr>
+          <a:xfrm flipV="1">
+            <a:off x="3923928" y="3015412"/>
+            <a:ext cx="1538392" cy="1188545"/>
+          </a:xfrm>
+          <a:prstGeom prst="bentConnector4">
+            <a:avLst>
+              <a:gd name="adj1" fmla="val 33430"/>
+              <a:gd name="adj2" fmla="val 119234"/>
+            </a:avLst>
+          </a:prstGeom>
+          <a:ln w="19050">
+            <a:solidFill>
+              <a:srgbClr val="FF0000"/>
+            </a:solidFill>
+            <a:prstDash val="dash"/>
+            <a:tailEnd type="arrow"/>
+          </a:ln>
+        </p:spPr>
+        <p:style>
+          <a:lnRef idx="1">
+            <a:schemeClr val="accent1"/>
+          </a:lnRef>
+          <a:fillRef idx="0">
+            <a:schemeClr val="accent1"/>
+          </a:fillRef>
+          <a:effectRef idx="0">
+            <a:schemeClr val="accent1"/>
+          </a:effectRef>
+          <a:fontRef idx="minor">
+            <a:schemeClr val="tx1"/>
+          </a:fontRef>
+        </p:style>
+      </p:cxnSp>
+      <p:sp>
+        <p:nvSpPr>
+          <p:cNvPr id="49" name="TextBox 48"/>
+          <p:cNvSpPr txBox="1"/>
+          <p:nvPr/>
+        </p:nvSpPr>
+        <p:spPr>
+          <a:xfrm>
+            <a:off x="4012491" y="868070"/>
+            <a:ext cx="1316386" cy="369332"/>
+          </a:xfrm>
+          <a:prstGeom prst="rect">
+            <a:avLst/>
+          </a:prstGeom>
+          <a:solidFill>
+            <a:schemeClr val="bg1"/>
+          </a:solidFill>
+        </p:spPr>
+        <p:txBody>
+          <a:bodyPr wrap="none" rtlCol="0">
+            <a:spAutoFit/>
+          </a:bodyPr>
+          <a:lstStyle/>
+          <a:p>
+            <a:r>
+              <a:rPr lang="en-US" altLang="ko-KR" dirty="0" smtClean="0"/>
+              <a:t>2</a:t>
+            </a:r>
+            <a:r>
+              <a:rPr lang="ko-KR" altLang="en-US" dirty="0" smtClean="0"/>
+              <a:t>차원 </a:t>
+            </a:r>
+            <a:r>
+              <a:rPr lang="ko-KR" altLang="en-US" dirty="0" smtClean="0"/>
+              <a:t>배열</a:t>
+            </a:r>
+            <a:endParaRPr lang="ko-KR" altLang="en-US" dirty="0"/>
+          </a:p>
+        </p:txBody>
+      </p:sp>
+      <p:sp>
+        <p:nvSpPr>
+          <p:cNvPr id="41" name="TextBox 40"/>
+          <p:cNvSpPr txBox="1"/>
+          <p:nvPr/>
+        </p:nvSpPr>
+        <p:spPr>
+          <a:xfrm>
+            <a:off x="943162" y="1258643"/>
+            <a:ext cx="3340806" cy="369332"/>
+          </a:xfrm>
+          <a:prstGeom prst="rect">
+            <a:avLst/>
+          </a:prstGeom>
+          <a:solidFill>
+            <a:schemeClr val="tx2">
+              <a:lumMod val="20000"/>
+              <a:lumOff val="80000"/>
+            </a:schemeClr>
+          </a:solidFill>
+          <a:ln>
+            <a:solidFill>
+              <a:schemeClr val="tx2">
+                <a:lumMod val="75000"/>
+              </a:schemeClr>
+            </a:solidFill>
+          </a:ln>
+        </p:spPr>
+        <p:txBody>
+          <a:bodyPr wrap="square" rtlCol="0">
+            <a:spAutoFit/>
+          </a:bodyPr>
+          <a:lstStyle/>
+          <a:p>
+            <a:r>
+              <a:rPr lang="en-US" altLang="ko-KR" b="1" dirty="0" err="1" smtClean="0">
+                <a:solidFill>
+                  <a:srgbClr val="FF3399"/>
+                </a:solidFill>
+              </a:rPr>
+              <a:t>int</a:t>
+            </a:r>
+            <a:r>
+              <a:rPr lang="en-US" altLang="ko-KR" dirty="0" smtClean="0"/>
+              <a:t> </a:t>
+            </a:r>
+            <a:r>
+              <a:rPr lang="en-US" altLang="ko-KR" dirty="0" smtClean="0"/>
+              <a:t>[] array </a:t>
+            </a:r>
+            <a:r>
+              <a:rPr lang="en-US" altLang="ko-KR" dirty="0" smtClean="0"/>
+              <a:t>= </a:t>
+            </a:r>
+            <a:r>
+              <a:rPr lang="en-US" altLang="ko-KR" b="1" dirty="0" smtClean="0">
+                <a:solidFill>
+                  <a:srgbClr val="FF0000"/>
+                </a:solidFill>
+              </a:rPr>
+              <a:t>new</a:t>
+            </a:r>
+            <a:r>
+              <a:rPr lang="en-US" altLang="ko-KR" dirty="0" smtClean="0"/>
+              <a:t> </a:t>
+            </a:r>
+            <a:r>
+              <a:rPr lang="en-US" altLang="ko-KR" b="1" dirty="0" err="1" smtClean="0">
+                <a:solidFill>
+                  <a:srgbClr val="FF3399"/>
+                </a:solidFill>
+              </a:rPr>
+              <a:t>int</a:t>
+            </a:r>
+            <a:r>
+              <a:rPr lang="en-US" altLang="ko-KR" dirty="0" smtClean="0"/>
+              <a:t>[2][3];</a:t>
+            </a:r>
+            <a:endParaRPr lang="ko-KR" altLang="en-US" dirty="0"/>
+          </a:p>
+        </p:txBody>
+      </p:sp>
+      <p:sp>
+        <p:nvSpPr>
+          <p:cNvPr id="2" name="TextBox 1"/>
+          <p:cNvSpPr txBox="1"/>
+          <p:nvPr/>
+        </p:nvSpPr>
+        <p:spPr>
+          <a:xfrm>
+            <a:off x="827584" y="3933056"/>
+            <a:ext cx="875561" cy="461665"/>
+          </a:xfrm>
+          <a:prstGeom prst="rect">
+            <a:avLst/>
+          </a:prstGeom>
+          <a:noFill/>
+        </p:spPr>
+        <p:txBody>
+          <a:bodyPr wrap="none" rtlCol="0">
+            <a:spAutoFit/>
+          </a:bodyPr>
+          <a:lstStyle/>
+          <a:p>
+            <a:r>
+              <a:rPr lang="en-US" altLang="ko-KR" sz="2400" dirty="0" smtClean="0"/>
+              <a:t>array</a:t>
+            </a:r>
+            <a:endParaRPr lang="ko-KR" altLang="en-US" sz="2400" dirty="0"/>
+          </a:p>
+        </p:txBody>
+      </p:sp>
+      <p:cxnSp>
+        <p:nvCxnSpPr>
+          <p:cNvPr id="6" name="직선 화살표 연결선 5"/>
+          <p:cNvCxnSpPr/>
+          <p:nvPr/>
+        </p:nvCxnSpPr>
+        <p:spPr>
+          <a:xfrm>
+            <a:off x="1620174" y="4201634"/>
+            <a:ext cx="215522" cy="2323"/>
+          </a:xfrm>
+          <a:prstGeom prst="straightConnector1">
+            <a:avLst/>
+          </a:prstGeom>
+          <a:ln w="25400">
+            <a:solidFill>
+              <a:schemeClr val="accent3">
+                <a:lumMod val="75000"/>
+              </a:schemeClr>
+            </a:solidFill>
+            <a:headEnd type="none"/>
+            <a:tailEnd type="triangle"/>
+          </a:ln>
+        </p:spPr>
+        <p:style>
+          <a:lnRef idx="1">
+            <a:schemeClr val="accent1"/>
+          </a:lnRef>
+          <a:fillRef idx="0">
+            <a:schemeClr val="accent1"/>
+          </a:fillRef>
+          <a:effectRef idx="0">
+            <a:schemeClr val="accent1"/>
+          </a:effectRef>
+          <a:fontRef idx="minor">
+            <a:schemeClr val="tx1"/>
+          </a:fontRef>
+        </p:style>
+      </p:cxnSp>
+      <p:grpSp>
+        <p:nvGrpSpPr>
+          <p:cNvPr id="17" name="그룹 16"/>
+          <p:cNvGrpSpPr/>
+          <p:nvPr/>
+        </p:nvGrpSpPr>
+        <p:grpSpPr>
+          <a:xfrm>
+            <a:off x="6680174" y="2308522"/>
+            <a:ext cx="1780258" cy="683542"/>
+            <a:chOff x="4792068" y="1938318"/>
+            <a:chExt cx="1780258" cy="683542"/>
+          </a:xfrm>
+        </p:grpSpPr>
+        <p:sp>
+          <p:nvSpPr>
+            <p:cNvPr id="39" name="TextBox 38"/>
+            <p:cNvSpPr txBox="1"/>
+            <p:nvPr/>
+          </p:nvSpPr>
+          <p:spPr>
+            <a:xfrm>
+              <a:off x="4792068" y="2204864"/>
+              <a:ext cx="627095" cy="276999"/>
+            </a:xfrm>
+            <a:prstGeom prst="rect">
+              <a:avLst/>
+            </a:prstGeom>
+            <a:noFill/>
+          </p:spPr>
+          <p:txBody>
+            <a:bodyPr wrap="none" rtlCol="0">
+              <a:spAutoFit/>
+            </a:bodyPr>
+            <a:lstStyle/>
+            <a:p>
+              <a:r>
+                <a:rPr lang="en-US" altLang="ko-KR" sz="1200" b="1" dirty="0" smtClean="0"/>
+                <a:t>0x200</a:t>
+              </a:r>
+              <a:endParaRPr lang="ko-KR" altLang="en-US" sz="1200" b="1" dirty="0"/>
+            </a:p>
+          </p:txBody>
+        </p:sp>
+        <p:grpSp>
+          <p:nvGrpSpPr>
+            <p:cNvPr id="16" name="그룹 15"/>
+            <p:cNvGrpSpPr/>
+            <p:nvPr/>
+          </p:nvGrpSpPr>
+          <p:grpSpPr>
+            <a:xfrm>
+              <a:off x="5372622" y="1938318"/>
+              <a:ext cx="423514" cy="683542"/>
+              <a:chOff x="5372622" y="1938318"/>
+              <a:chExt cx="423514" cy="683542"/>
+            </a:xfrm>
+          </p:grpSpPr>
+          <p:sp>
+            <p:nvSpPr>
+              <p:cNvPr id="27" name="직사각형 26"/>
+              <p:cNvSpPr/>
+              <p:nvPr/>
+            </p:nvSpPr>
+            <p:spPr>
+              <a:xfrm>
+                <a:off x="5374973" y="2273341"/>
+                <a:ext cx="395620" cy="348519"/>
+              </a:xfrm>
+              <a:prstGeom prst="rect">
+                <a:avLst/>
+              </a:prstGeom>
+              <a:solidFill>
+                <a:schemeClr val="tx2">
+                  <a:lumMod val="40000"/>
+                  <a:lumOff val="60000"/>
+                </a:schemeClr>
+              </a:solidFill>
+            </p:spPr>
+            <p:style>
+              <a:lnRef idx="2">
+                <a:schemeClr val="accent1">
+                  <a:shade val="50000"/>
+                </a:schemeClr>
+              </a:lnRef>
+              <a:fillRef idx="1">
+                <a:schemeClr val="accent1"/>
+              </a:fillRef>
+              <a:effectRef idx="0">
+                <a:schemeClr val="accent1"/>
+              </a:effectRef>
+              <a:fontRef idx="minor">
+                <a:schemeClr val="lt1"/>
+              </a:fontRef>
+            </p:style>
+            <p:txBody>
+              <a:bodyPr rtlCol="0" anchor="ctr"/>
+              <a:lstStyle/>
+              <a:p>
+                <a:pPr algn="ctr"/>
+                <a:r>
+                  <a:rPr lang="en-US" altLang="ko-KR" dirty="0" smtClean="0">
+                    <a:solidFill>
+                      <a:schemeClr val="tx1"/>
+                    </a:solidFill>
+                  </a:rPr>
+                  <a:t>0</a:t>
+                </a:r>
+                <a:endParaRPr lang="ko-KR" altLang="en-US" dirty="0">
+                  <a:solidFill>
+                    <a:schemeClr val="tx1"/>
+                  </a:solidFill>
+                </a:endParaRPr>
+              </a:p>
+            </p:txBody>
+          </p:sp>
+          <p:sp>
+            <p:nvSpPr>
+              <p:cNvPr id="47" name="TextBox 46"/>
+              <p:cNvSpPr txBox="1"/>
+              <p:nvPr/>
+            </p:nvSpPr>
+            <p:spPr>
+              <a:xfrm>
+                <a:off x="5372622" y="1938318"/>
+                <a:ext cx="423514" cy="338554"/>
+              </a:xfrm>
+              <a:prstGeom prst="rect">
+                <a:avLst/>
+              </a:prstGeom>
+              <a:noFill/>
+            </p:spPr>
+            <p:txBody>
+              <a:bodyPr wrap="none" rtlCol="0">
+                <a:spAutoFit/>
+              </a:bodyPr>
+              <a:lstStyle/>
+              <a:p>
+                <a:r>
+                  <a:rPr lang="en-US" altLang="ko-KR" sz="1600" dirty="0" smtClean="0"/>
+                  <a:t>[0]</a:t>
+                </a:r>
+                <a:endParaRPr lang="ko-KR" altLang="en-US" sz="1600" dirty="0"/>
+              </a:p>
+            </p:txBody>
+          </p:sp>
+        </p:grpSp>
+        <p:grpSp>
+          <p:nvGrpSpPr>
+            <p:cNvPr id="53" name="그룹 52"/>
+            <p:cNvGrpSpPr/>
+            <p:nvPr/>
+          </p:nvGrpSpPr>
+          <p:grpSpPr>
+            <a:xfrm>
+              <a:off x="5760397" y="1938318"/>
+              <a:ext cx="811929" cy="683542"/>
+              <a:chOff x="5372622" y="1938318"/>
+              <a:chExt cx="811929" cy="683542"/>
+            </a:xfrm>
+          </p:grpSpPr>
+          <p:sp>
+            <p:nvSpPr>
+              <p:cNvPr id="54" name="직사각형 53"/>
+              <p:cNvSpPr/>
+              <p:nvPr/>
+            </p:nvSpPr>
+            <p:spPr>
+              <a:xfrm>
+                <a:off x="5374973" y="2273341"/>
+                <a:ext cx="395620" cy="348519"/>
+              </a:xfrm>
+              <a:prstGeom prst="rect">
+                <a:avLst/>
+              </a:prstGeom>
+              <a:solidFill>
+                <a:schemeClr val="tx2">
+                  <a:lumMod val="40000"/>
+                  <a:lumOff val="60000"/>
+                </a:schemeClr>
+              </a:solidFill>
+            </p:spPr>
+            <p:style>
+              <a:lnRef idx="2">
+                <a:schemeClr val="accent1">
+                  <a:shade val="50000"/>
+                </a:schemeClr>
+              </a:lnRef>
+              <a:fillRef idx="1">
+                <a:schemeClr val="accent1"/>
+              </a:fillRef>
+              <a:effectRef idx="0">
+                <a:schemeClr val="accent1"/>
+              </a:effectRef>
+              <a:fontRef idx="minor">
+                <a:schemeClr val="lt1"/>
+              </a:fontRef>
+            </p:style>
+            <p:txBody>
+              <a:bodyPr rtlCol="0" anchor="ctr"/>
+              <a:lstStyle/>
+              <a:p>
+                <a:pPr algn="ctr"/>
+                <a:r>
+                  <a:rPr lang="en-US" altLang="ko-KR" dirty="0" smtClean="0">
+                    <a:solidFill>
+                      <a:schemeClr val="tx1"/>
+                    </a:solidFill>
+                  </a:rPr>
+                  <a:t>0</a:t>
+                </a:r>
+                <a:endParaRPr lang="ko-KR" altLang="en-US" dirty="0">
+                  <a:solidFill>
+                    <a:schemeClr val="tx1"/>
+                  </a:solidFill>
+                </a:endParaRPr>
+              </a:p>
+            </p:txBody>
+          </p:sp>
+          <p:sp>
+            <p:nvSpPr>
+              <p:cNvPr id="55" name="TextBox 54"/>
+              <p:cNvSpPr txBox="1"/>
+              <p:nvPr/>
+            </p:nvSpPr>
+            <p:spPr>
+              <a:xfrm>
+                <a:off x="5372622" y="1938318"/>
+                <a:ext cx="423514" cy="338554"/>
+              </a:xfrm>
+              <a:prstGeom prst="rect">
+                <a:avLst/>
+              </a:prstGeom>
+              <a:noFill/>
+            </p:spPr>
+            <p:txBody>
+              <a:bodyPr wrap="none" rtlCol="0">
+                <a:spAutoFit/>
+              </a:bodyPr>
+              <a:lstStyle/>
+              <a:p>
+                <a:r>
+                  <a:rPr lang="en-US" altLang="ko-KR" sz="1600" dirty="0" smtClean="0"/>
+                  <a:t>[1]</a:t>
+                </a:r>
+                <a:endParaRPr lang="ko-KR" altLang="en-US" sz="1600" dirty="0"/>
+              </a:p>
+            </p:txBody>
+          </p:sp>
+          <p:sp>
+            <p:nvSpPr>
+              <p:cNvPr id="33" name="직사각형 32"/>
+              <p:cNvSpPr/>
+              <p:nvPr/>
+            </p:nvSpPr>
+            <p:spPr>
+              <a:xfrm>
+                <a:off x="5763388" y="2273341"/>
+                <a:ext cx="395620" cy="348519"/>
+              </a:xfrm>
+              <a:prstGeom prst="rect">
+                <a:avLst/>
+              </a:prstGeom>
+              <a:solidFill>
+                <a:schemeClr val="tx2">
+                  <a:lumMod val="40000"/>
+                  <a:lumOff val="60000"/>
+                </a:schemeClr>
+              </a:solidFill>
+            </p:spPr>
+            <p:style>
+              <a:lnRef idx="2">
+                <a:schemeClr val="accent1">
+                  <a:shade val="50000"/>
+                </a:schemeClr>
+              </a:lnRef>
+              <a:fillRef idx="1">
+                <a:schemeClr val="accent1"/>
+              </a:fillRef>
+              <a:effectRef idx="0">
+                <a:schemeClr val="accent1"/>
+              </a:effectRef>
+              <a:fontRef idx="minor">
+                <a:schemeClr val="lt1"/>
+              </a:fontRef>
+            </p:style>
+            <p:txBody>
+              <a:bodyPr rtlCol="0" anchor="ctr"/>
+              <a:lstStyle/>
+              <a:p>
+                <a:pPr algn="ctr"/>
+                <a:r>
+                  <a:rPr lang="en-US" altLang="ko-KR" dirty="0" smtClean="0">
+                    <a:solidFill>
+                      <a:schemeClr val="tx1"/>
+                    </a:solidFill>
+                  </a:rPr>
+                  <a:t>0</a:t>
+                </a:r>
+                <a:endParaRPr lang="ko-KR" altLang="en-US" dirty="0">
+                  <a:solidFill>
+                    <a:schemeClr val="tx1"/>
+                  </a:solidFill>
+                </a:endParaRPr>
+              </a:p>
+            </p:txBody>
+          </p:sp>
+          <p:sp>
+            <p:nvSpPr>
+              <p:cNvPr id="34" name="TextBox 33"/>
+              <p:cNvSpPr txBox="1"/>
+              <p:nvPr/>
+            </p:nvSpPr>
+            <p:spPr>
+              <a:xfrm>
+                <a:off x="5761037" y="1938318"/>
+                <a:ext cx="423514" cy="338554"/>
+              </a:xfrm>
+              <a:prstGeom prst="rect">
+                <a:avLst/>
+              </a:prstGeom>
+              <a:noFill/>
+            </p:spPr>
+            <p:txBody>
+              <a:bodyPr wrap="none" rtlCol="0">
+                <a:spAutoFit/>
+              </a:bodyPr>
+              <a:lstStyle/>
+              <a:p>
+                <a:r>
+                  <a:rPr lang="en-US" altLang="ko-KR" sz="1600" dirty="0" smtClean="0"/>
+                  <a:t>[2]</a:t>
+                </a:r>
+                <a:endParaRPr lang="ko-KR" altLang="en-US" sz="1600" dirty="0"/>
+              </a:p>
+            </p:txBody>
+          </p:sp>
+        </p:grpSp>
+      </p:grpSp>
+      <p:grpSp>
+        <p:nvGrpSpPr>
+          <p:cNvPr id="35" name="그룹 34"/>
+          <p:cNvGrpSpPr/>
+          <p:nvPr/>
+        </p:nvGrpSpPr>
+        <p:grpSpPr>
+          <a:xfrm>
+            <a:off x="6680174" y="3359267"/>
+            <a:ext cx="1780258" cy="683542"/>
+            <a:chOff x="4792068" y="1938318"/>
+            <a:chExt cx="1780258" cy="683542"/>
+          </a:xfrm>
+        </p:grpSpPr>
+        <p:sp>
+          <p:nvSpPr>
+            <p:cNvPr id="36" name="TextBox 35"/>
+            <p:cNvSpPr txBox="1"/>
+            <p:nvPr/>
+          </p:nvSpPr>
+          <p:spPr>
+            <a:xfrm>
+              <a:off x="4792068" y="2204864"/>
+              <a:ext cx="627095" cy="276999"/>
+            </a:xfrm>
+            <a:prstGeom prst="rect">
+              <a:avLst/>
+            </a:prstGeom>
+            <a:noFill/>
+          </p:spPr>
+          <p:txBody>
+            <a:bodyPr wrap="none" rtlCol="0">
+              <a:spAutoFit/>
+            </a:bodyPr>
+            <a:lstStyle/>
+            <a:p>
+              <a:r>
+                <a:rPr lang="en-US" altLang="ko-KR" sz="1200" b="1" dirty="0" smtClean="0"/>
+                <a:t>0x300</a:t>
+              </a:r>
+              <a:endParaRPr lang="ko-KR" altLang="en-US" sz="1200" b="1" dirty="0"/>
+            </a:p>
+          </p:txBody>
+        </p:sp>
+        <p:grpSp>
+          <p:nvGrpSpPr>
+            <p:cNvPr id="37" name="그룹 36"/>
+            <p:cNvGrpSpPr/>
+            <p:nvPr/>
+          </p:nvGrpSpPr>
+          <p:grpSpPr>
+            <a:xfrm>
+              <a:off x="5372622" y="1938318"/>
+              <a:ext cx="423514" cy="683542"/>
+              <a:chOff x="5372622" y="1938318"/>
+              <a:chExt cx="423514" cy="683542"/>
+            </a:xfrm>
+          </p:grpSpPr>
+          <p:sp>
+            <p:nvSpPr>
+              <p:cNvPr id="46" name="직사각형 45"/>
+              <p:cNvSpPr/>
+              <p:nvPr/>
+            </p:nvSpPr>
+            <p:spPr>
+              <a:xfrm>
+                <a:off x="5374973" y="2273341"/>
+                <a:ext cx="395620" cy="348519"/>
+              </a:xfrm>
+              <a:prstGeom prst="rect">
+                <a:avLst/>
+              </a:prstGeom>
+              <a:solidFill>
+                <a:schemeClr val="tx2">
+                  <a:lumMod val="40000"/>
+                  <a:lumOff val="60000"/>
+                </a:schemeClr>
+              </a:solidFill>
+            </p:spPr>
+            <p:style>
+              <a:lnRef idx="2">
+                <a:schemeClr val="accent1">
+                  <a:shade val="50000"/>
+                </a:schemeClr>
+              </a:lnRef>
+              <a:fillRef idx="1">
+                <a:schemeClr val="accent1"/>
+              </a:fillRef>
+              <a:effectRef idx="0">
+                <a:schemeClr val="accent1"/>
+              </a:effectRef>
+              <a:fontRef idx="minor">
+                <a:schemeClr val="lt1"/>
+              </a:fontRef>
+            </p:style>
+            <p:txBody>
+              <a:bodyPr rtlCol="0" anchor="ctr"/>
+              <a:lstStyle/>
+              <a:p>
+                <a:pPr algn="ctr"/>
+                <a:r>
+                  <a:rPr lang="en-US" altLang="ko-KR" dirty="0" smtClean="0">
+                    <a:solidFill>
+                      <a:schemeClr val="tx1"/>
+                    </a:solidFill>
+                  </a:rPr>
+                  <a:t>0</a:t>
+                </a:r>
+                <a:endParaRPr lang="ko-KR" altLang="en-US" dirty="0">
+                  <a:solidFill>
+                    <a:schemeClr val="tx1"/>
+                  </a:solidFill>
+                </a:endParaRPr>
+              </a:p>
+            </p:txBody>
+          </p:sp>
+          <p:sp>
+            <p:nvSpPr>
+              <p:cNvPr id="51" name="TextBox 50"/>
+              <p:cNvSpPr txBox="1"/>
+              <p:nvPr/>
+            </p:nvSpPr>
+            <p:spPr>
+              <a:xfrm>
+                <a:off x="5372622" y="1938318"/>
+                <a:ext cx="423514" cy="338554"/>
+              </a:xfrm>
+              <a:prstGeom prst="rect">
+                <a:avLst/>
+              </a:prstGeom>
+              <a:noFill/>
+            </p:spPr>
+            <p:txBody>
+              <a:bodyPr wrap="none" rtlCol="0">
+                <a:spAutoFit/>
+              </a:bodyPr>
+              <a:lstStyle/>
+              <a:p>
+                <a:r>
+                  <a:rPr lang="en-US" altLang="ko-KR" sz="1600" dirty="0" smtClean="0"/>
+                  <a:t>[0]</a:t>
+                </a:r>
+                <a:endParaRPr lang="ko-KR" altLang="en-US" sz="1600" dirty="0"/>
+              </a:p>
+            </p:txBody>
+          </p:sp>
+        </p:grpSp>
+        <p:grpSp>
+          <p:nvGrpSpPr>
+            <p:cNvPr id="38" name="그룹 37"/>
+            <p:cNvGrpSpPr/>
+            <p:nvPr/>
+          </p:nvGrpSpPr>
+          <p:grpSpPr>
+            <a:xfrm>
+              <a:off x="5760397" y="1938318"/>
+              <a:ext cx="811929" cy="683542"/>
+              <a:chOff x="5372622" y="1938318"/>
+              <a:chExt cx="811929" cy="683542"/>
+            </a:xfrm>
+          </p:grpSpPr>
+          <p:sp>
+            <p:nvSpPr>
+              <p:cNvPr id="42" name="직사각형 41"/>
+              <p:cNvSpPr/>
+              <p:nvPr/>
+            </p:nvSpPr>
+            <p:spPr>
+              <a:xfrm>
+                <a:off x="5374973" y="2273341"/>
+                <a:ext cx="395620" cy="348519"/>
+              </a:xfrm>
+              <a:prstGeom prst="rect">
+                <a:avLst/>
+              </a:prstGeom>
+              <a:solidFill>
+                <a:schemeClr val="tx2">
+                  <a:lumMod val="40000"/>
+                  <a:lumOff val="60000"/>
+                </a:schemeClr>
+              </a:solidFill>
+            </p:spPr>
+            <p:style>
+              <a:lnRef idx="2">
+                <a:schemeClr val="accent1">
+                  <a:shade val="50000"/>
+                </a:schemeClr>
+              </a:lnRef>
+              <a:fillRef idx="1">
+                <a:schemeClr val="accent1"/>
+              </a:fillRef>
+              <a:effectRef idx="0">
+                <a:schemeClr val="accent1"/>
+              </a:effectRef>
+              <a:fontRef idx="minor">
+                <a:schemeClr val="lt1"/>
+              </a:fontRef>
+            </p:style>
+            <p:txBody>
+              <a:bodyPr rtlCol="0" anchor="ctr"/>
+              <a:lstStyle/>
+              <a:p>
+                <a:pPr algn="ctr"/>
+                <a:r>
+                  <a:rPr lang="en-US" altLang="ko-KR" dirty="0" smtClean="0">
+                    <a:solidFill>
+                      <a:schemeClr val="tx1"/>
+                    </a:solidFill>
+                  </a:rPr>
+                  <a:t>0</a:t>
+                </a:r>
+                <a:endParaRPr lang="ko-KR" altLang="en-US" dirty="0">
+                  <a:solidFill>
+                    <a:schemeClr val="tx1"/>
+                  </a:solidFill>
+                </a:endParaRPr>
+              </a:p>
+            </p:txBody>
+          </p:sp>
+          <p:sp>
+            <p:nvSpPr>
+              <p:cNvPr id="43" name="TextBox 42"/>
+              <p:cNvSpPr txBox="1"/>
+              <p:nvPr/>
+            </p:nvSpPr>
+            <p:spPr>
+              <a:xfrm>
+                <a:off x="5372622" y="1938318"/>
+                <a:ext cx="423514" cy="338554"/>
+              </a:xfrm>
+              <a:prstGeom prst="rect">
+                <a:avLst/>
+              </a:prstGeom>
+              <a:noFill/>
+            </p:spPr>
+            <p:txBody>
+              <a:bodyPr wrap="none" rtlCol="0">
+                <a:spAutoFit/>
+              </a:bodyPr>
+              <a:lstStyle/>
+              <a:p>
+                <a:r>
+                  <a:rPr lang="en-US" altLang="ko-KR" sz="1600" dirty="0" smtClean="0"/>
+                  <a:t>[1]</a:t>
+                </a:r>
+                <a:endParaRPr lang="ko-KR" altLang="en-US" sz="1600" dirty="0"/>
+              </a:p>
+            </p:txBody>
+          </p:sp>
+          <p:sp>
+            <p:nvSpPr>
+              <p:cNvPr id="44" name="직사각형 43"/>
+              <p:cNvSpPr/>
+              <p:nvPr/>
+            </p:nvSpPr>
+            <p:spPr>
+              <a:xfrm>
+                <a:off x="5763388" y="2273341"/>
+                <a:ext cx="395620" cy="348519"/>
+              </a:xfrm>
+              <a:prstGeom prst="rect">
+                <a:avLst/>
+              </a:prstGeom>
+              <a:solidFill>
+                <a:schemeClr val="tx2">
+                  <a:lumMod val="40000"/>
+                  <a:lumOff val="60000"/>
+                </a:schemeClr>
+              </a:solidFill>
+            </p:spPr>
+            <p:style>
+              <a:lnRef idx="2">
+                <a:schemeClr val="accent1">
+                  <a:shade val="50000"/>
+                </a:schemeClr>
+              </a:lnRef>
+              <a:fillRef idx="1">
+                <a:schemeClr val="accent1"/>
+              </a:fillRef>
+              <a:effectRef idx="0">
+                <a:schemeClr val="accent1"/>
+              </a:effectRef>
+              <a:fontRef idx="minor">
+                <a:schemeClr val="lt1"/>
+              </a:fontRef>
+            </p:style>
+            <p:txBody>
+              <a:bodyPr rtlCol="0" anchor="ctr"/>
+              <a:lstStyle/>
+              <a:p>
+                <a:pPr algn="ctr"/>
+                <a:r>
+                  <a:rPr lang="en-US" altLang="ko-KR" dirty="0" smtClean="0">
+                    <a:solidFill>
+                      <a:schemeClr val="tx1"/>
+                    </a:solidFill>
+                  </a:rPr>
+                  <a:t>0</a:t>
+                </a:r>
+                <a:endParaRPr lang="ko-KR" altLang="en-US" dirty="0">
+                  <a:solidFill>
+                    <a:schemeClr val="tx1"/>
+                  </a:solidFill>
+                </a:endParaRPr>
+              </a:p>
+            </p:txBody>
+          </p:sp>
+          <p:sp>
+            <p:nvSpPr>
+              <p:cNvPr id="45" name="TextBox 44"/>
+              <p:cNvSpPr txBox="1"/>
+              <p:nvPr/>
+            </p:nvSpPr>
+            <p:spPr>
+              <a:xfrm>
+                <a:off x="5761037" y="1938318"/>
+                <a:ext cx="423514" cy="338554"/>
+              </a:xfrm>
+              <a:prstGeom prst="rect">
+                <a:avLst/>
+              </a:prstGeom>
+              <a:noFill/>
+            </p:spPr>
+            <p:txBody>
+              <a:bodyPr wrap="none" rtlCol="0">
+                <a:spAutoFit/>
+              </a:bodyPr>
+              <a:lstStyle/>
+              <a:p>
+                <a:r>
+                  <a:rPr lang="en-US" altLang="ko-KR" sz="1600" dirty="0" smtClean="0"/>
+                  <a:t>[2]</a:t>
+                </a:r>
+                <a:endParaRPr lang="ko-KR" altLang="en-US" sz="1600" dirty="0"/>
+              </a:p>
+            </p:txBody>
+          </p:sp>
+        </p:grpSp>
+      </p:grpSp>
+      <p:sp>
+        <p:nvSpPr>
+          <p:cNvPr id="52" name="직사각형 51"/>
+          <p:cNvSpPr/>
+          <p:nvPr/>
+        </p:nvSpPr>
+        <p:spPr>
+          <a:xfrm>
+            <a:off x="4952485" y="3351045"/>
+            <a:ext cx="1019669" cy="322295"/>
+          </a:xfrm>
+          <a:prstGeom prst="rect">
+            <a:avLst/>
+          </a:prstGeom>
+          <a:solidFill>
+            <a:schemeClr val="tx2">
+              <a:lumMod val="20000"/>
+              <a:lumOff val="80000"/>
+            </a:schemeClr>
+          </a:solidFill>
+        </p:spPr>
+        <p:style>
+          <a:lnRef idx="2">
+            <a:schemeClr val="accent1">
+              <a:shade val="50000"/>
+            </a:schemeClr>
+          </a:lnRef>
+          <a:fillRef idx="1">
+            <a:schemeClr val="accent1"/>
+          </a:fillRef>
+          <a:effectRef idx="0">
+            <a:schemeClr val="accent1"/>
+          </a:effectRef>
+          <a:fontRef idx="minor">
+            <a:schemeClr val="lt1"/>
+          </a:fontRef>
+        </p:style>
+        <p:txBody>
+          <a:bodyPr rtlCol="0" anchor="ctr"/>
+          <a:lstStyle/>
+          <a:p>
+            <a:pPr algn="ctr"/>
+            <a:r>
+              <a:rPr lang="en-US" altLang="ko-KR" dirty="0" smtClean="0">
+                <a:solidFill>
+                  <a:schemeClr val="tx1"/>
+                </a:solidFill>
+              </a:rPr>
+              <a:t>0x300</a:t>
+            </a:r>
+            <a:endParaRPr lang="ko-KR" altLang="en-US" dirty="0">
+              <a:solidFill>
+                <a:schemeClr val="tx1"/>
+              </a:solidFill>
+            </a:endParaRPr>
+          </a:p>
+        </p:txBody>
+      </p:sp>
+      <p:sp>
+        <p:nvSpPr>
+          <p:cNvPr id="56" name="직사각형 55"/>
+          <p:cNvSpPr/>
+          <p:nvPr/>
+        </p:nvSpPr>
+        <p:spPr>
+          <a:xfrm>
+            <a:off x="4952485" y="3015412"/>
+            <a:ext cx="1019669" cy="322295"/>
+          </a:xfrm>
+          <a:prstGeom prst="rect">
+            <a:avLst/>
+          </a:prstGeom>
+          <a:solidFill>
+            <a:schemeClr val="tx2">
+              <a:lumMod val="20000"/>
+              <a:lumOff val="80000"/>
+            </a:schemeClr>
+          </a:solidFill>
+        </p:spPr>
+        <p:style>
+          <a:lnRef idx="2">
+            <a:schemeClr val="accent1">
+              <a:shade val="50000"/>
+            </a:schemeClr>
+          </a:lnRef>
+          <a:fillRef idx="1">
+            <a:schemeClr val="accent1"/>
+          </a:fillRef>
+          <a:effectRef idx="0">
+            <a:schemeClr val="accent1"/>
+          </a:effectRef>
+          <a:fontRef idx="minor">
+            <a:schemeClr val="lt1"/>
+          </a:fontRef>
+        </p:style>
+        <p:txBody>
+          <a:bodyPr rtlCol="0" anchor="ctr"/>
+          <a:lstStyle/>
+          <a:p>
+            <a:pPr algn="ctr"/>
+            <a:r>
+              <a:rPr lang="en-US" altLang="ko-KR" dirty="0" smtClean="0">
+                <a:solidFill>
+                  <a:schemeClr val="tx1"/>
+                </a:solidFill>
+              </a:rPr>
+              <a:t>0x200</a:t>
+            </a:r>
+            <a:endParaRPr lang="ko-KR" altLang="en-US" dirty="0">
+              <a:solidFill>
+                <a:schemeClr val="tx1"/>
+              </a:solidFill>
+            </a:endParaRPr>
+          </a:p>
+        </p:txBody>
+      </p:sp>
+      <p:sp>
+        <p:nvSpPr>
+          <p:cNvPr id="57" name="TextBox 56"/>
+          <p:cNvSpPr txBox="1"/>
+          <p:nvPr/>
+        </p:nvSpPr>
+        <p:spPr>
+          <a:xfrm>
+            <a:off x="5462319" y="2708920"/>
+            <a:ext cx="627095" cy="276999"/>
+          </a:xfrm>
+          <a:prstGeom prst="rect">
+            <a:avLst/>
+          </a:prstGeom>
+          <a:noFill/>
+        </p:spPr>
+        <p:txBody>
+          <a:bodyPr wrap="none" rtlCol="0">
+            <a:spAutoFit/>
+          </a:bodyPr>
+          <a:lstStyle/>
+          <a:p>
+            <a:r>
+              <a:rPr lang="en-US" altLang="ko-KR" sz="1200" b="1" dirty="0" smtClean="0"/>
+              <a:t>0x100</a:t>
+            </a:r>
+            <a:endParaRPr lang="ko-KR" altLang="en-US" sz="1200" b="1" dirty="0"/>
+          </a:p>
+        </p:txBody>
+      </p:sp>
+      <p:cxnSp>
+        <p:nvCxnSpPr>
+          <p:cNvPr id="58" name="꺾인 연결선 57"/>
+          <p:cNvCxnSpPr>
+            <a:stCxn id="56" idx="3"/>
+            <a:endCxn id="27" idx="1"/>
+          </p:cNvCxnSpPr>
+          <p:nvPr/>
+        </p:nvCxnSpPr>
+        <p:spPr>
+          <a:xfrm flipV="1">
+            <a:off x="5972154" y="2817805"/>
+            <a:ext cx="1290925" cy="358755"/>
+          </a:xfrm>
+          <a:prstGeom prst="bentConnector3">
+            <a:avLst>
+              <a:gd name="adj1" fmla="val 50000"/>
+            </a:avLst>
+          </a:prstGeom>
+          <a:ln w="19050">
+            <a:solidFill>
+              <a:srgbClr val="FF0000"/>
+            </a:solidFill>
+            <a:prstDash val="dash"/>
+            <a:tailEnd type="arrow"/>
+          </a:ln>
+        </p:spPr>
+        <p:style>
+          <a:lnRef idx="1">
+            <a:schemeClr val="accent1"/>
+          </a:lnRef>
+          <a:fillRef idx="0">
+            <a:schemeClr val="accent1"/>
+          </a:fillRef>
+          <a:effectRef idx="0">
+            <a:schemeClr val="accent1"/>
+          </a:effectRef>
+          <a:fontRef idx="minor">
+            <a:schemeClr val="tx1"/>
+          </a:fontRef>
+        </p:style>
+      </p:cxnSp>
+      <p:cxnSp>
+        <p:nvCxnSpPr>
+          <p:cNvPr id="59" name="꺾인 연결선 58"/>
+          <p:cNvCxnSpPr>
+            <a:stCxn id="52" idx="3"/>
+            <a:endCxn id="46" idx="1"/>
+          </p:cNvCxnSpPr>
+          <p:nvPr/>
+        </p:nvCxnSpPr>
+        <p:spPr>
+          <a:xfrm>
+            <a:off x="5972154" y="3512193"/>
+            <a:ext cx="1290925" cy="356357"/>
+          </a:xfrm>
+          <a:prstGeom prst="bentConnector3">
+            <a:avLst>
+              <a:gd name="adj1" fmla="val 50000"/>
+            </a:avLst>
+          </a:prstGeom>
+          <a:ln w="19050">
+            <a:solidFill>
+              <a:srgbClr val="FF0000"/>
+            </a:solidFill>
+            <a:prstDash val="dash"/>
+            <a:tailEnd type="arrow"/>
+          </a:ln>
+        </p:spPr>
+        <p:style>
+          <a:lnRef idx="1">
+            <a:schemeClr val="accent1"/>
+          </a:lnRef>
+          <a:fillRef idx="0">
+            <a:schemeClr val="accent1"/>
+          </a:fillRef>
+          <a:effectRef idx="0">
+            <a:schemeClr val="accent1"/>
+          </a:effectRef>
+          <a:fontRef idx="minor">
+            <a:schemeClr val="tx1"/>
+          </a:fontRef>
+        </p:style>
+      </p:cxnSp>
+      <p:cxnSp>
+        <p:nvCxnSpPr>
+          <p:cNvPr id="61" name="구부러진 연결선 60"/>
+          <p:cNvCxnSpPr/>
+          <p:nvPr/>
+        </p:nvCxnSpPr>
+        <p:spPr>
+          <a:xfrm rot="16200000" flipH="1">
+            <a:off x="1222345" y="2313334"/>
+            <a:ext cx="2414833" cy="1044115"/>
+          </a:xfrm>
+          <a:prstGeom prst="curvedConnector3">
+            <a:avLst>
+              <a:gd name="adj1" fmla="val 50000"/>
+            </a:avLst>
+          </a:prstGeom>
+          <a:ln w="25400">
+            <a:solidFill>
+              <a:srgbClr val="00B050"/>
+            </a:solidFill>
+            <a:prstDash val="sysDot"/>
+            <a:tailEnd type="arrow"/>
+          </a:ln>
+        </p:spPr>
+        <p:style>
+          <a:lnRef idx="1">
+            <a:schemeClr val="accent1"/>
+          </a:lnRef>
+          <a:fillRef idx="0">
+            <a:schemeClr val="accent1"/>
+          </a:fillRef>
+          <a:effectRef idx="0">
+            <a:schemeClr val="accent1"/>
+          </a:effectRef>
+          <a:fontRef idx="minor">
+            <a:schemeClr val="tx1"/>
+          </a:fontRef>
+        </p:style>
+      </p:cxnSp>
+      <p:cxnSp>
+        <p:nvCxnSpPr>
+          <p:cNvPr id="62" name="구부러진 연결선 61"/>
+          <p:cNvCxnSpPr>
+            <a:stCxn id="70" idx="2"/>
+            <a:endCxn id="57" idx="0"/>
+          </p:cNvCxnSpPr>
+          <p:nvPr/>
+        </p:nvCxnSpPr>
+        <p:spPr>
+          <a:xfrm rot="16200000" flipH="1">
+            <a:off x="4063487" y="996540"/>
+            <a:ext cx="1048762" cy="2375998"/>
+          </a:xfrm>
+          <a:prstGeom prst="curvedConnector3">
+            <a:avLst>
+              <a:gd name="adj1" fmla="val 50000"/>
+            </a:avLst>
+          </a:prstGeom>
+          <a:ln w="25400">
+            <a:solidFill>
+              <a:srgbClr val="00B050"/>
+            </a:solidFill>
+            <a:prstDash val="sysDot"/>
+            <a:tailEnd type="arrow"/>
+          </a:ln>
+        </p:spPr>
+        <p:style>
+          <a:lnRef idx="1">
+            <a:schemeClr val="accent1"/>
+          </a:lnRef>
+          <a:fillRef idx="0">
+            <a:schemeClr val="accent1"/>
+          </a:fillRef>
+          <a:effectRef idx="0">
+            <a:schemeClr val="accent1"/>
+          </a:effectRef>
+          <a:fontRef idx="minor">
+            <a:schemeClr val="tx1"/>
+          </a:fontRef>
+        </p:style>
+      </p:cxnSp>
+      <p:sp>
+        <p:nvSpPr>
+          <p:cNvPr id="70" name="직사각형 69"/>
+          <p:cNvSpPr/>
+          <p:nvPr/>
+        </p:nvSpPr>
+        <p:spPr>
+          <a:xfrm>
+            <a:off x="2947818" y="1268760"/>
+            <a:ext cx="904102" cy="391398"/>
+          </a:xfrm>
+          <a:prstGeom prst="rect">
+            <a:avLst/>
+          </a:prstGeom>
+          <a:noFill/>
+          <a:ln>
+            <a:noFill/>
+          </a:ln>
+        </p:spPr>
+        <p:style>
+          <a:lnRef idx="2">
+            <a:schemeClr val="accent1">
+              <a:shade val="50000"/>
+            </a:schemeClr>
+          </a:lnRef>
+          <a:fillRef idx="1">
+            <a:schemeClr val="accent1"/>
+          </a:fillRef>
+          <a:effectRef idx="0">
+            <a:schemeClr val="accent1"/>
+          </a:effectRef>
+          <a:fontRef idx="minor">
+            <a:schemeClr val="lt1"/>
+          </a:fontRef>
+        </p:style>
+        <p:txBody>
+          <a:bodyPr rtlCol="0" anchor="ctr"/>
+          <a:lstStyle/>
+          <a:p>
+            <a:pPr algn="ctr"/>
+            <a:endParaRPr lang="ko-KR" altLang="en-US"/>
+          </a:p>
+        </p:txBody>
+      </p:sp>
+      <p:cxnSp>
+        <p:nvCxnSpPr>
+          <p:cNvPr id="78" name="구부러진 연결선 77"/>
+          <p:cNvCxnSpPr>
+            <a:stCxn id="70" idx="3"/>
+            <a:endCxn id="39" idx="0"/>
+          </p:cNvCxnSpPr>
+          <p:nvPr/>
+        </p:nvCxnSpPr>
+        <p:spPr>
+          <a:xfrm>
+            <a:off x="3851920" y="1464459"/>
+            <a:ext cx="3141802" cy="1110609"/>
+          </a:xfrm>
+          <a:prstGeom prst="curvedConnector2">
+            <a:avLst/>
+          </a:prstGeom>
+          <a:ln w="25400">
+            <a:solidFill>
+              <a:srgbClr val="00B050"/>
+            </a:solidFill>
+            <a:prstDash val="sysDot"/>
+            <a:tailEnd type="arrow"/>
+          </a:ln>
+        </p:spPr>
+        <p:style>
+          <a:lnRef idx="1">
+            <a:schemeClr val="accent1"/>
+          </a:lnRef>
+          <a:fillRef idx="0">
+            <a:schemeClr val="accent1"/>
+          </a:fillRef>
+          <a:effectRef idx="0">
+            <a:schemeClr val="accent1"/>
+          </a:effectRef>
+          <a:fontRef idx="minor">
+            <a:schemeClr val="tx1"/>
+          </a:fontRef>
+        </p:style>
+      </p:cxnSp>
+      <p:cxnSp>
+        <p:nvCxnSpPr>
+          <p:cNvPr id="86" name="구부러진 연결선 85"/>
+          <p:cNvCxnSpPr>
+            <a:stCxn id="70" idx="3"/>
+            <a:endCxn id="36" idx="0"/>
+          </p:cNvCxnSpPr>
+          <p:nvPr/>
+        </p:nvCxnSpPr>
+        <p:spPr>
+          <a:xfrm>
+            <a:off x="3851920" y="1464459"/>
+            <a:ext cx="3141802" cy="2161354"/>
+          </a:xfrm>
+          <a:prstGeom prst="curvedConnector2">
+            <a:avLst/>
+          </a:prstGeom>
+          <a:ln w="25400">
+            <a:solidFill>
+              <a:srgbClr val="00B050"/>
+            </a:solidFill>
+            <a:prstDash val="sysDot"/>
+            <a:tailEnd type="arrow"/>
+          </a:ln>
+        </p:spPr>
+        <p:style>
+          <a:lnRef idx="1">
+            <a:schemeClr val="accent1"/>
+          </a:lnRef>
+          <a:fillRef idx="0">
+            <a:schemeClr val="accent1"/>
+          </a:fillRef>
+          <a:effectRef idx="0">
+            <a:schemeClr val="accent1"/>
+          </a:effectRef>
+          <a:fontRef idx="minor">
+            <a:schemeClr val="tx1"/>
+          </a:fontRef>
+        </p:style>
+      </p:cxnSp>
+    </p:spTree>
+    <p:extLst>
+      <p:ext uri="{BB962C8B-B14F-4D97-AF65-F5344CB8AC3E}">
+        <p14:creationId xmlns:p14="http://schemas.microsoft.com/office/powerpoint/2010/main" val="2509802146"/>
+      </p:ext>
+    </p:extLst>
+  </p:cSld>
+  <p:clrMapOvr>
+    <a:masterClrMapping/>
+  </p:clrMapOvr>
+</p:sld>
+</file>
+
+<file path=ppt/slides/slide6.xml><?xml version="1.0" encoding="utf-8"?>
+<p:sld xmlns:a="http://schemas.openxmlformats.org/drawingml/2006/main" xmlns:r="http://schemas.openxmlformats.org/officeDocument/2006/relationships" xmlns:p="http://schemas.openxmlformats.org/presentationml/2006/main">
+  <p:cSld>
+    <p:spTree>
+      <p:nvGrpSpPr>
+        <p:cNvPr id="1" name=""/>
+        <p:cNvGrpSpPr/>
+        <p:nvPr/>
+      </p:nvGrpSpPr>
+      <p:grpSpPr>
+        <a:xfrm>
+          <a:off x="0" y="0"/>
+          <a:ext cx="0" cy="0"/>
+          <a:chOff x="0" y="0"/>
+          <a:chExt cx="0" cy="0"/>
+        </a:xfrm>
+      </p:grpSpPr>
+      <p:sp>
+        <p:nvSpPr>
+          <p:cNvPr id="3" name="직사각형 2"/>
+          <p:cNvSpPr/>
+          <p:nvPr/>
+        </p:nvSpPr>
+        <p:spPr>
+          <a:xfrm>
+            <a:off x="4670684" y="2956305"/>
+            <a:ext cx="1357217" cy="808008"/>
+          </a:xfrm>
+          <a:prstGeom prst="rect">
+            <a:avLst/>
+          </a:prstGeom>
+        </p:spPr>
+        <p:style>
+          <a:lnRef idx="2">
+            <a:schemeClr val="accent1">
+              <a:shade val="50000"/>
+            </a:schemeClr>
+          </a:lnRef>
+          <a:fillRef idx="1">
+            <a:schemeClr val="accent1"/>
+          </a:fillRef>
+          <a:effectRef idx="0">
+            <a:schemeClr val="accent1"/>
+          </a:effectRef>
+          <a:fontRef idx="minor">
+            <a:schemeClr val="lt1"/>
+          </a:fontRef>
+        </p:style>
+        <p:txBody>
+          <a:bodyPr rtlCol="0" anchor="ctr"/>
+          <a:lstStyle/>
+          <a:p>
+            <a:pPr algn="ctr"/>
+            <a:endParaRPr lang="ko-KR" altLang="en-US"/>
+          </a:p>
+        </p:txBody>
+      </p:sp>
+      <p:sp>
+        <p:nvSpPr>
+          <p:cNvPr id="50" name="직사각형 49"/>
+          <p:cNvSpPr/>
+          <p:nvPr/>
+        </p:nvSpPr>
+        <p:spPr>
+          <a:xfrm>
+            <a:off x="734148" y="1052736"/>
+            <a:ext cx="8136904" cy="4495854"/>
+          </a:xfrm>
+          <a:prstGeom prst="rect">
+            <a:avLst/>
+          </a:prstGeom>
+          <a:noFill/>
+          <a:ln w="12700">
+            <a:solidFill>
+              <a:schemeClr val="tx1"/>
+            </a:solidFill>
+          </a:ln>
+        </p:spPr>
+        <p:style>
+          <a:lnRef idx="2">
+            <a:schemeClr val="accent1">
+              <a:shade val="50000"/>
+            </a:schemeClr>
+          </a:lnRef>
+          <a:fillRef idx="1">
+            <a:schemeClr val="accent1"/>
+          </a:fillRef>
+          <a:effectRef idx="0">
+            <a:schemeClr val="accent1"/>
+          </a:effectRef>
+          <a:fontRef idx="minor">
+            <a:schemeClr val="lt1"/>
+          </a:fontRef>
+        </p:style>
+        <p:txBody>
+          <a:bodyPr rtlCol="0" anchor="ctr"/>
+          <a:lstStyle/>
+          <a:p>
+            <a:pPr algn="ctr"/>
+            <a:endParaRPr lang="ko-KR" altLang="en-US"/>
+          </a:p>
+        </p:txBody>
+      </p:sp>
+      <p:sp>
+        <p:nvSpPr>
+          <p:cNvPr id="13" name="직사각형 12"/>
+          <p:cNvSpPr/>
+          <p:nvPr/>
+        </p:nvSpPr>
+        <p:spPr>
+          <a:xfrm>
+            <a:off x="4499992" y="1916832"/>
+            <a:ext cx="4032448" cy="2520280"/>
+          </a:xfrm>
+          <a:prstGeom prst="rect">
+            <a:avLst/>
+          </a:prstGeom>
+          <a:noFill/>
+        </p:spPr>
+        <p:style>
+          <a:lnRef idx="2">
+            <a:schemeClr val="accent1">
+              <a:shade val="50000"/>
+            </a:schemeClr>
+          </a:lnRef>
+          <a:fillRef idx="1">
+            <a:schemeClr val="accent1"/>
+          </a:fillRef>
+          <a:effectRef idx="0">
+            <a:schemeClr val="accent1"/>
+          </a:effectRef>
+          <a:fontRef idx="minor">
+            <a:schemeClr val="lt1"/>
+          </a:fontRef>
+        </p:style>
+        <p:txBody>
+          <a:bodyPr rtlCol="0" anchor="ctr"/>
+          <a:lstStyle/>
+          <a:p>
+            <a:pPr algn="ctr"/>
+            <a:endParaRPr lang="ko-KR" altLang="en-US"/>
+          </a:p>
+        </p:txBody>
+      </p:sp>
+      <p:sp>
+        <p:nvSpPr>
+          <p:cNvPr id="14" name="TextBox 13"/>
+          <p:cNvSpPr txBox="1"/>
+          <p:nvPr/>
+        </p:nvSpPr>
+        <p:spPr>
+          <a:xfrm>
+            <a:off x="5999347" y="4653136"/>
+            <a:ext cx="732893" cy="369332"/>
+          </a:xfrm>
+          <a:prstGeom prst="rect">
+            <a:avLst/>
+          </a:prstGeom>
+          <a:noFill/>
+        </p:spPr>
+        <p:txBody>
+          <a:bodyPr wrap="none" rtlCol="0">
+            <a:spAutoFit/>
+          </a:bodyPr>
+          <a:lstStyle/>
+          <a:p>
+            <a:r>
+              <a:rPr lang="en-US" altLang="ko-KR" dirty="0" smtClean="0"/>
+              <a:t>Heap</a:t>
+            </a:r>
+            <a:endParaRPr lang="ko-KR" altLang="en-US" dirty="0"/>
+          </a:p>
+        </p:txBody>
+      </p:sp>
+      <p:sp>
+        <p:nvSpPr>
+          <p:cNvPr id="49" name="TextBox 48"/>
+          <p:cNvSpPr txBox="1"/>
+          <p:nvPr/>
+        </p:nvSpPr>
+        <p:spPr>
+          <a:xfrm>
+            <a:off x="4012491" y="868070"/>
+            <a:ext cx="1316386" cy="369332"/>
+          </a:xfrm>
+          <a:prstGeom prst="rect">
+            <a:avLst/>
+          </a:prstGeom>
+          <a:solidFill>
+            <a:schemeClr val="bg1"/>
+          </a:solidFill>
+        </p:spPr>
+        <p:txBody>
+          <a:bodyPr wrap="none" rtlCol="0">
+            <a:spAutoFit/>
+          </a:bodyPr>
+          <a:lstStyle/>
+          <a:p>
+            <a:r>
+              <a:rPr lang="en-US" altLang="ko-KR" dirty="0" smtClean="0"/>
+              <a:t>2</a:t>
+            </a:r>
+            <a:r>
+              <a:rPr lang="ko-KR" altLang="en-US" dirty="0" smtClean="0"/>
+              <a:t>차원 </a:t>
+            </a:r>
+            <a:r>
+              <a:rPr lang="ko-KR" altLang="en-US" dirty="0" smtClean="0"/>
+              <a:t>배열</a:t>
+            </a:r>
+            <a:endParaRPr lang="ko-KR" altLang="en-US" dirty="0"/>
+          </a:p>
+        </p:txBody>
+      </p:sp>
+      <p:sp>
+        <p:nvSpPr>
+          <p:cNvPr id="41" name="TextBox 40"/>
+          <p:cNvSpPr txBox="1"/>
+          <p:nvPr/>
+        </p:nvSpPr>
+        <p:spPr>
+          <a:xfrm>
+            <a:off x="943162" y="2771639"/>
+            <a:ext cx="3340806" cy="369332"/>
+          </a:xfrm>
+          <a:prstGeom prst="rect">
+            <a:avLst/>
+          </a:prstGeom>
+          <a:solidFill>
+            <a:schemeClr val="tx2">
+              <a:lumMod val="20000"/>
+              <a:lumOff val="80000"/>
+            </a:schemeClr>
+          </a:solidFill>
+          <a:ln>
+            <a:solidFill>
+              <a:schemeClr val="tx2">
+                <a:lumMod val="75000"/>
+              </a:schemeClr>
+            </a:solidFill>
+          </a:ln>
+        </p:spPr>
+        <p:txBody>
+          <a:bodyPr wrap="square" rtlCol="0">
+            <a:spAutoFit/>
+          </a:bodyPr>
+          <a:lstStyle/>
+          <a:p>
+            <a:r>
+              <a:rPr lang="en-US" altLang="ko-KR" b="1" dirty="0" err="1" smtClean="0">
+                <a:solidFill>
+                  <a:srgbClr val="FF3399"/>
+                </a:solidFill>
+              </a:rPr>
+              <a:t>int</a:t>
+            </a:r>
+            <a:r>
+              <a:rPr lang="en-US" altLang="ko-KR" dirty="0" smtClean="0"/>
+              <a:t> </a:t>
+            </a:r>
+            <a:r>
+              <a:rPr lang="en-US" altLang="ko-KR" dirty="0" smtClean="0"/>
+              <a:t>[] array </a:t>
+            </a:r>
+            <a:r>
+              <a:rPr lang="en-US" altLang="ko-KR" dirty="0" smtClean="0"/>
+              <a:t>= </a:t>
+            </a:r>
+            <a:r>
+              <a:rPr lang="en-US" altLang="ko-KR" b="1" dirty="0" smtClean="0">
+                <a:solidFill>
+                  <a:srgbClr val="FF0000"/>
+                </a:solidFill>
+              </a:rPr>
+              <a:t>new</a:t>
+            </a:r>
+            <a:r>
+              <a:rPr lang="en-US" altLang="ko-KR" dirty="0" smtClean="0"/>
+              <a:t> </a:t>
+            </a:r>
+            <a:r>
+              <a:rPr lang="en-US" altLang="ko-KR" b="1" dirty="0" err="1" smtClean="0">
+                <a:solidFill>
+                  <a:srgbClr val="FF3399"/>
+                </a:solidFill>
+              </a:rPr>
+              <a:t>int</a:t>
+            </a:r>
+            <a:r>
+              <a:rPr lang="en-US" altLang="ko-KR" dirty="0" smtClean="0"/>
+              <a:t>[2][3];</a:t>
+            </a:r>
+            <a:endParaRPr lang="ko-KR" altLang="en-US" dirty="0"/>
+          </a:p>
+        </p:txBody>
+      </p:sp>
+      <p:grpSp>
+        <p:nvGrpSpPr>
+          <p:cNvPr id="17" name="그룹 16"/>
+          <p:cNvGrpSpPr/>
+          <p:nvPr/>
+        </p:nvGrpSpPr>
+        <p:grpSpPr>
+          <a:xfrm>
+            <a:off x="6680174" y="2308522"/>
+            <a:ext cx="1780258" cy="683542"/>
+            <a:chOff x="4792068" y="1938318"/>
+            <a:chExt cx="1780258" cy="683542"/>
+          </a:xfrm>
+        </p:grpSpPr>
+        <p:sp>
+          <p:nvSpPr>
+            <p:cNvPr id="39" name="TextBox 38"/>
+            <p:cNvSpPr txBox="1"/>
+            <p:nvPr/>
+          </p:nvSpPr>
+          <p:spPr>
+            <a:xfrm>
+              <a:off x="4792068" y="2204864"/>
+              <a:ext cx="627095" cy="276999"/>
+            </a:xfrm>
+            <a:prstGeom prst="rect">
+              <a:avLst/>
+            </a:prstGeom>
+            <a:noFill/>
+          </p:spPr>
+          <p:txBody>
+            <a:bodyPr wrap="none" rtlCol="0">
+              <a:spAutoFit/>
+            </a:bodyPr>
+            <a:lstStyle/>
+            <a:p>
+              <a:r>
+                <a:rPr lang="en-US" altLang="ko-KR" sz="1200" b="1" dirty="0" smtClean="0"/>
+                <a:t>0x200</a:t>
+              </a:r>
+              <a:endParaRPr lang="ko-KR" altLang="en-US" sz="1200" b="1" dirty="0"/>
+            </a:p>
+          </p:txBody>
+        </p:sp>
+        <p:grpSp>
+          <p:nvGrpSpPr>
+            <p:cNvPr id="16" name="그룹 15"/>
+            <p:cNvGrpSpPr/>
+            <p:nvPr/>
+          </p:nvGrpSpPr>
+          <p:grpSpPr>
+            <a:xfrm>
+              <a:off x="5372622" y="1938318"/>
+              <a:ext cx="423514" cy="683542"/>
+              <a:chOff x="5372622" y="1938318"/>
+              <a:chExt cx="423514" cy="683542"/>
+            </a:xfrm>
+          </p:grpSpPr>
+          <p:sp>
+            <p:nvSpPr>
+              <p:cNvPr id="27" name="직사각형 26"/>
+              <p:cNvSpPr/>
+              <p:nvPr/>
+            </p:nvSpPr>
+            <p:spPr>
+              <a:xfrm>
+                <a:off x="5374973" y="2273341"/>
+                <a:ext cx="395620" cy="348519"/>
+              </a:xfrm>
+              <a:prstGeom prst="rect">
+                <a:avLst/>
+              </a:prstGeom>
+              <a:solidFill>
+                <a:schemeClr val="tx2">
+                  <a:lumMod val="40000"/>
+                  <a:lumOff val="60000"/>
+                </a:schemeClr>
+              </a:solidFill>
+            </p:spPr>
+            <p:style>
+              <a:lnRef idx="2">
+                <a:schemeClr val="accent1">
+                  <a:shade val="50000"/>
+                </a:schemeClr>
+              </a:lnRef>
+              <a:fillRef idx="1">
+                <a:schemeClr val="accent1"/>
+              </a:fillRef>
+              <a:effectRef idx="0">
+                <a:schemeClr val="accent1"/>
+              </a:effectRef>
+              <a:fontRef idx="minor">
+                <a:schemeClr val="lt1"/>
+              </a:fontRef>
+            </p:style>
+            <p:txBody>
+              <a:bodyPr rtlCol="0" anchor="ctr"/>
+              <a:lstStyle/>
+              <a:p>
+                <a:pPr algn="ctr"/>
+                <a:r>
+                  <a:rPr lang="en-US" altLang="ko-KR" dirty="0" smtClean="0">
+                    <a:solidFill>
+                      <a:schemeClr val="tx1"/>
+                    </a:solidFill>
+                  </a:rPr>
+                  <a:t>0</a:t>
+                </a:r>
+                <a:endParaRPr lang="ko-KR" altLang="en-US" dirty="0">
+                  <a:solidFill>
+                    <a:schemeClr val="tx1"/>
+                  </a:solidFill>
+                </a:endParaRPr>
+              </a:p>
+            </p:txBody>
+          </p:sp>
+          <p:sp>
+            <p:nvSpPr>
+              <p:cNvPr id="47" name="TextBox 46"/>
+              <p:cNvSpPr txBox="1"/>
+              <p:nvPr/>
+            </p:nvSpPr>
+            <p:spPr>
+              <a:xfrm>
+                <a:off x="5372622" y="1938318"/>
+                <a:ext cx="423514" cy="338554"/>
+              </a:xfrm>
+              <a:prstGeom prst="rect">
+                <a:avLst/>
+              </a:prstGeom>
+              <a:noFill/>
+            </p:spPr>
+            <p:txBody>
+              <a:bodyPr wrap="none" rtlCol="0">
+                <a:spAutoFit/>
+              </a:bodyPr>
+              <a:lstStyle/>
+              <a:p>
+                <a:r>
+                  <a:rPr lang="en-US" altLang="ko-KR" sz="1600" dirty="0" smtClean="0"/>
+                  <a:t>[0]</a:t>
+                </a:r>
+                <a:endParaRPr lang="ko-KR" altLang="en-US" sz="1600" dirty="0"/>
+              </a:p>
+            </p:txBody>
+          </p:sp>
+        </p:grpSp>
+        <p:grpSp>
+          <p:nvGrpSpPr>
+            <p:cNvPr id="53" name="그룹 52"/>
+            <p:cNvGrpSpPr/>
+            <p:nvPr/>
+          </p:nvGrpSpPr>
+          <p:grpSpPr>
+            <a:xfrm>
+              <a:off x="5760397" y="1938318"/>
+              <a:ext cx="811929" cy="683542"/>
+              <a:chOff x="5372622" y="1938318"/>
+              <a:chExt cx="811929" cy="683542"/>
+            </a:xfrm>
+          </p:grpSpPr>
+          <p:sp>
+            <p:nvSpPr>
+              <p:cNvPr id="54" name="직사각형 53"/>
+              <p:cNvSpPr/>
+              <p:nvPr/>
+            </p:nvSpPr>
+            <p:spPr>
+              <a:xfrm>
+                <a:off x="5374973" y="2273341"/>
+                <a:ext cx="395620" cy="348519"/>
+              </a:xfrm>
+              <a:prstGeom prst="rect">
+                <a:avLst/>
+              </a:prstGeom>
+              <a:solidFill>
+                <a:schemeClr val="tx2">
+                  <a:lumMod val="40000"/>
+                  <a:lumOff val="60000"/>
+                </a:schemeClr>
+              </a:solidFill>
+            </p:spPr>
+            <p:style>
+              <a:lnRef idx="2">
+                <a:schemeClr val="accent1">
+                  <a:shade val="50000"/>
+                </a:schemeClr>
+              </a:lnRef>
+              <a:fillRef idx="1">
+                <a:schemeClr val="accent1"/>
+              </a:fillRef>
+              <a:effectRef idx="0">
+                <a:schemeClr val="accent1"/>
+              </a:effectRef>
+              <a:fontRef idx="minor">
+                <a:schemeClr val="lt1"/>
+              </a:fontRef>
+            </p:style>
+            <p:txBody>
+              <a:bodyPr rtlCol="0" anchor="ctr"/>
+              <a:lstStyle/>
+              <a:p>
+                <a:pPr algn="ctr"/>
+                <a:r>
+                  <a:rPr lang="en-US" altLang="ko-KR" dirty="0" smtClean="0">
+                    <a:solidFill>
+                      <a:schemeClr val="tx1"/>
+                    </a:solidFill>
+                  </a:rPr>
+                  <a:t>0</a:t>
+                </a:r>
+                <a:endParaRPr lang="ko-KR" altLang="en-US" dirty="0">
+                  <a:solidFill>
+                    <a:schemeClr val="tx1"/>
+                  </a:solidFill>
+                </a:endParaRPr>
+              </a:p>
+            </p:txBody>
+          </p:sp>
+          <p:sp>
+            <p:nvSpPr>
+              <p:cNvPr id="55" name="TextBox 54"/>
+              <p:cNvSpPr txBox="1"/>
+              <p:nvPr/>
+            </p:nvSpPr>
+            <p:spPr>
+              <a:xfrm>
+                <a:off x="5372622" y="1938318"/>
+                <a:ext cx="423514" cy="338554"/>
+              </a:xfrm>
+              <a:prstGeom prst="rect">
+                <a:avLst/>
+              </a:prstGeom>
+              <a:noFill/>
+            </p:spPr>
+            <p:txBody>
+              <a:bodyPr wrap="none" rtlCol="0">
+                <a:spAutoFit/>
+              </a:bodyPr>
+              <a:lstStyle/>
+              <a:p>
+                <a:r>
+                  <a:rPr lang="en-US" altLang="ko-KR" sz="1600" dirty="0" smtClean="0"/>
+                  <a:t>[1]</a:t>
+                </a:r>
+                <a:endParaRPr lang="ko-KR" altLang="en-US" sz="1600" dirty="0"/>
+              </a:p>
+            </p:txBody>
+          </p:sp>
+          <p:sp>
+            <p:nvSpPr>
+              <p:cNvPr id="33" name="직사각형 32"/>
+              <p:cNvSpPr/>
+              <p:nvPr/>
+            </p:nvSpPr>
+            <p:spPr>
+              <a:xfrm>
+                <a:off x="5763388" y="2273341"/>
+                <a:ext cx="395620" cy="348519"/>
+              </a:xfrm>
+              <a:prstGeom prst="rect">
+                <a:avLst/>
+              </a:prstGeom>
+              <a:solidFill>
+                <a:schemeClr val="tx2">
+                  <a:lumMod val="40000"/>
+                  <a:lumOff val="60000"/>
+                </a:schemeClr>
+              </a:solidFill>
+            </p:spPr>
+            <p:style>
+              <a:lnRef idx="2">
+                <a:schemeClr val="accent1">
+                  <a:shade val="50000"/>
+                </a:schemeClr>
+              </a:lnRef>
+              <a:fillRef idx="1">
+                <a:schemeClr val="accent1"/>
+              </a:fillRef>
+              <a:effectRef idx="0">
+                <a:schemeClr val="accent1"/>
+              </a:effectRef>
+              <a:fontRef idx="minor">
+                <a:schemeClr val="lt1"/>
+              </a:fontRef>
+            </p:style>
+            <p:txBody>
+              <a:bodyPr rtlCol="0" anchor="ctr"/>
+              <a:lstStyle/>
+              <a:p>
+                <a:pPr algn="ctr"/>
+                <a:r>
+                  <a:rPr lang="en-US" altLang="ko-KR" dirty="0" smtClean="0">
+                    <a:solidFill>
+                      <a:schemeClr val="tx1"/>
+                    </a:solidFill>
+                  </a:rPr>
+                  <a:t>0</a:t>
+                </a:r>
+                <a:endParaRPr lang="ko-KR" altLang="en-US" dirty="0">
+                  <a:solidFill>
+                    <a:schemeClr val="tx1"/>
+                  </a:solidFill>
+                </a:endParaRPr>
+              </a:p>
+            </p:txBody>
+          </p:sp>
+          <p:sp>
+            <p:nvSpPr>
+              <p:cNvPr id="34" name="TextBox 33"/>
+              <p:cNvSpPr txBox="1"/>
+              <p:nvPr/>
+            </p:nvSpPr>
+            <p:spPr>
+              <a:xfrm>
+                <a:off x="5761037" y="1938318"/>
+                <a:ext cx="423514" cy="338554"/>
+              </a:xfrm>
+              <a:prstGeom prst="rect">
+                <a:avLst/>
+              </a:prstGeom>
+              <a:noFill/>
+            </p:spPr>
+            <p:txBody>
+              <a:bodyPr wrap="none" rtlCol="0">
+                <a:spAutoFit/>
+              </a:bodyPr>
+              <a:lstStyle/>
+              <a:p>
+                <a:r>
+                  <a:rPr lang="en-US" altLang="ko-KR" sz="1600" dirty="0" smtClean="0"/>
+                  <a:t>[2]</a:t>
+                </a:r>
+                <a:endParaRPr lang="ko-KR" altLang="en-US" sz="1600" dirty="0"/>
+              </a:p>
+            </p:txBody>
+          </p:sp>
+        </p:grpSp>
+      </p:grpSp>
+      <p:grpSp>
+        <p:nvGrpSpPr>
+          <p:cNvPr id="35" name="그룹 34"/>
+          <p:cNvGrpSpPr/>
+          <p:nvPr/>
+        </p:nvGrpSpPr>
+        <p:grpSpPr>
+          <a:xfrm>
+            <a:off x="6680174" y="3359267"/>
+            <a:ext cx="1780258" cy="683542"/>
+            <a:chOff x="4792068" y="1938318"/>
+            <a:chExt cx="1780258" cy="683542"/>
+          </a:xfrm>
+        </p:grpSpPr>
+        <p:sp>
+          <p:nvSpPr>
+            <p:cNvPr id="36" name="TextBox 35"/>
+            <p:cNvSpPr txBox="1"/>
+            <p:nvPr/>
+          </p:nvSpPr>
+          <p:spPr>
+            <a:xfrm>
+              <a:off x="4792068" y="2204864"/>
+              <a:ext cx="627095" cy="276999"/>
+            </a:xfrm>
+            <a:prstGeom prst="rect">
+              <a:avLst/>
+            </a:prstGeom>
+            <a:noFill/>
+          </p:spPr>
+          <p:txBody>
+            <a:bodyPr wrap="none" rtlCol="0">
+              <a:spAutoFit/>
+            </a:bodyPr>
+            <a:lstStyle/>
+            <a:p>
+              <a:r>
+                <a:rPr lang="en-US" altLang="ko-KR" sz="1200" b="1" dirty="0" smtClean="0"/>
+                <a:t>0x300</a:t>
+              </a:r>
+              <a:endParaRPr lang="ko-KR" altLang="en-US" sz="1200" b="1" dirty="0"/>
+            </a:p>
+          </p:txBody>
+        </p:sp>
+        <p:grpSp>
+          <p:nvGrpSpPr>
+            <p:cNvPr id="37" name="그룹 36"/>
+            <p:cNvGrpSpPr/>
+            <p:nvPr/>
+          </p:nvGrpSpPr>
+          <p:grpSpPr>
+            <a:xfrm>
+              <a:off x="5372622" y="1938318"/>
+              <a:ext cx="423514" cy="683542"/>
+              <a:chOff x="5372622" y="1938318"/>
+              <a:chExt cx="423514" cy="683542"/>
+            </a:xfrm>
+          </p:grpSpPr>
+          <p:sp>
+            <p:nvSpPr>
+              <p:cNvPr id="46" name="직사각형 45"/>
+              <p:cNvSpPr/>
+              <p:nvPr/>
+            </p:nvSpPr>
+            <p:spPr>
+              <a:xfrm>
+                <a:off x="5374973" y="2273341"/>
+                <a:ext cx="395620" cy="348519"/>
+              </a:xfrm>
+              <a:prstGeom prst="rect">
+                <a:avLst/>
+              </a:prstGeom>
+              <a:solidFill>
+                <a:schemeClr val="tx2">
+                  <a:lumMod val="40000"/>
+                  <a:lumOff val="60000"/>
+                </a:schemeClr>
+              </a:solidFill>
+            </p:spPr>
+            <p:style>
+              <a:lnRef idx="2">
+                <a:schemeClr val="accent1">
+                  <a:shade val="50000"/>
+                </a:schemeClr>
+              </a:lnRef>
+              <a:fillRef idx="1">
+                <a:schemeClr val="accent1"/>
+              </a:fillRef>
+              <a:effectRef idx="0">
+                <a:schemeClr val="accent1"/>
+              </a:effectRef>
+              <a:fontRef idx="minor">
+                <a:schemeClr val="lt1"/>
+              </a:fontRef>
+            </p:style>
+            <p:txBody>
+              <a:bodyPr rtlCol="0" anchor="ctr"/>
+              <a:lstStyle/>
+              <a:p>
+                <a:pPr algn="ctr"/>
+                <a:r>
+                  <a:rPr lang="en-US" altLang="ko-KR" dirty="0" smtClean="0">
+                    <a:solidFill>
+                      <a:schemeClr val="tx1"/>
+                    </a:solidFill>
+                  </a:rPr>
+                  <a:t>0</a:t>
+                </a:r>
+                <a:endParaRPr lang="ko-KR" altLang="en-US" dirty="0">
+                  <a:solidFill>
+                    <a:schemeClr val="tx1"/>
+                  </a:solidFill>
+                </a:endParaRPr>
+              </a:p>
+            </p:txBody>
+          </p:sp>
+          <p:sp>
+            <p:nvSpPr>
+              <p:cNvPr id="51" name="TextBox 50"/>
+              <p:cNvSpPr txBox="1"/>
+              <p:nvPr/>
+            </p:nvSpPr>
+            <p:spPr>
+              <a:xfrm>
+                <a:off x="5372622" y="1938318"/>
+                <a:ext cx="423514" cy="338554"/>
+              </a:xfrm>
+              <a:prstGeom prst="rect">
+                <a:avLst/>
+              </a:prstGeom>
+              <a:noFill/>
+            </p:spPr>
+            <p:txBody>
+              <a:bodyPr wrap="none" rtlCol="0">
+                <a:spAutoFit/>
+              </a:bodyPr>
+              <a:lstStyle/>
+              <a:p>
+                <a:r>
+                  <a:rPr lang="en-US" altLang="ko-KR" sz="1600" dirty="0" smtClean="0"/>
+                  <a:t>[0]</a:t>
+                </a:r>
+                <a:endParaRPr lang="ko-KR" altLang="en-US" sz="1600" dirty="0"/>
+              </a:p>
+            </p:txBody>
+          </p:sp>
+        </p:grpSp>
+        <p:grpSp>
+          <p:nvGrpSpPr>
+            <p:cNvPr id="38" name="그룹 37"/>
+            <p:cNvGrpSpPr/>
+            <p:nvPr/>
+          </p:nvGrpSpPr>
+          <p:grpSpPr>
+            <a:xfrm>
+              <a:off x="5760397" y="1938318"/>
+              <a:ext cx="811929" cy="683542"/>
+              <a:chOff x="5372622" y="1938318"/>
+              <a:chExt cx="811929" cy="683542"/>
+            </a:xfrm>
+          </p:grpSpPr>
+          <p:sp>
+            <p:nvSpPr>
+              <p:cNvPr id="42" name="직사각형 41"/>
+              <p:cNvSpPr/>
+              <p:nvPr/>
+            </p:nvSpPr>
+            <p:spPr>
+              <a:xfrm>
+                <a:off x="5374973" y="2273341"/>
+                <a:ext cx="395620" cy="348519"/>
+              </a:xfrm>
+              <a:prstGeom prst="rect">
+                <a:avLst/>
+              </a:prstGeom>
+              <a:solidFill>
+                <a:schemeClr val="tx2">
+                  <a:lumMod val="40000"/>
+                  <a:lumOff val="60000"/>
+                </a:schemeClr>
+              </a:solidFill>
+            </p:spPr>
+            <p:style>
+              <a:lnRef idx="2">
+                <a:schemeClr val="accent1">
+                  <a:shade val="50000"/>
+                </a:schemeClr>
+              </a:lnRef>
+              <a:fillRef idx="1">
+                <a:schemeClr val="accent1"/>
+              </a:fillRef>
+              <a:effectRef idx="0">
+                <a:schemeClr val="accent1"/>
+              </a:effectRef>
+              <a:fontRef idx="minor">
+                <a:schemeClr val="lt1"/>
+              </a:fontRef>
+            </p:style>
+            <p:txBody>
+              <a:bodyPr rtlCol="0" anchor="ctr"/>
+              <a:lstStyle/>
+              <a:p>
+                <a:pPr algn="ctr"/>
+                <a:r>
+                  <a:rPr lang="en-US" altLang="ko-KR" dirty="0" smtClean="0">
+                    <a:solidFill>
+                      <a:schemeClr val="tx1"/>
+                    </a:solidFill>
+                  </a:rPr>
+                  <a:t>0</a:t>
+                </a:r>
+                <a:endParaRPr lang="ko-KR" altLang="en-US" dirty="0">
+                  <a:solidFill>
+                    <a:schemeClr val="tx1"/>
+                  </a:solidFill>
+                </a:endParaRPr>
+              </a:p>
+            </p:txBody>
+          </p:sp>
+          <p:sp>
+            <p:nvSpPr>
+              <p:cNvPr id="43" name="TextBox 42"/>
+              <p:cNvSpPr txBox="1"/>
+              <p:nvPr/>
+            </p:nvSpPr>
+            <p:spPr>
+              <a:xfrm>
+                <a:off x="5372622" y="1938318"/>
+                <a:ext cx="423514" cy="338554"/>
+              </a:xfrm>
+              <a:prstGeom prst="rect">
+                <a:avLst/>
+              </a:prstGeom>
+              <a:noFill/>
+            </p:spPr>
+            <p:txBody>
+              <a:bodyPr wrap="none" rtlCol="0">
+                <a:spAutoFit/>
+              </a:bodyPr>
+              <a:lstStyle/>
+              <a:p>
+                <a:r>
+                  <a:rPr lang="en-US" altLang="ko-KR" sz="1600" dirty="0" smtClean="0"/>
+                  <a:t>[1]</a:t>
+                </a:r>
+                <a:endParaRPr lang="ko-KR" altLang="en-US" sz="1600" dirty="0"/>
+              </a:p>
+            </p:txBody>
+          </p:sp>
+          <p:sp>
+            <p:nvSpPr>
+              <p:cNvPr id="44" name="직사각형 43"/>
+              <p:cNvSpPr/>
+              <p:nvPr/>
+            </p:nvSpPr>
+            <p:spPr>
+              <a:xfrm>
+                <a:off x="5763388" y="2273341"/>
+                <a:ext cx="395620" cy="348519"/>
+              </a:xfrm>
+              <a:prstGeom prst="rect">
+                <a:avLst/>
+              </a:prstGeom>
+              <a:solidFill>
+                <a:schemeClr val="tx2">
+                  <a:lumMod val="40000"/>
+                  <a:lumOff val="60000"/>
+                </a:schemeClr>
+              </a:solidFill>
+            </p:spPr>
+            <p:style>
+              <a:lnRef idx="2">
+                <a:schemeClr val="accent1">
+                  <a:shade val="50000"/>
+                </a:schemeClr>
+              </a:lnRef>
+              <a:fillRef idx="1">
+                <a:schemeClr val="accent1"/>
+              </a:fillRef>
+              <a:effectRef idx="0">
+                <a:schemeClr val="accent1"/>
+              </a:effectRef>
+              <a:fontRef idx="minor">
+                <a:schemeClr val="lt1"/>
+              </a:fontRef>
+            </p:style>
+            <p:txBody>
+              <a:bodyPr rtlCol="0" anchor="ctr"/>
+              <a:lstStyle/>
+              <a:p>
+                <a:pPr algn="ctr"/>
+                <a:r>
+                  <a:rPr lang="en-US" altLang="ko-KR" dirty="0" smtClean="0">
+                    <a:solidFill>
+                      <a:schemeClr val="tx1"/>
+                    </a:solidFill>
+                  </a:rPr>
+                  <a:t>0</a:t>
+                </a:r>
+                <a:endParaRPr lang="ko-KR" altLang="en-US" dirty="0">
+                  <a:solidFill>
+                    <a:schemeClr val="tx1"/>
+                  </a:solidFill>
+                </a:endParaRPr>
+              </a:p>
+            </p:txBody>
+          </p:sp>
+          <p:sp>
+            <p:nvSpPr>
+              <p:cNvPr id="45" name="TextBox 44"/>
+              <p:cNvSpPr txBox="1"/>
+              <p:nvPr/>
+            </p:nvSpPr>
+            <p:spPr>
+              <a:xfrm>
+                <a:off x="5761037" y="1938318"/>
+                <a:ext cx="423514" cy="338554"/>
+              </a:xfrm>
+              <a:prstGeom prst="rect">
+                <a:avLst/>
+              </a:prstGeom>
+              <a:noFill/>
+            </p:spPr>
+            <p:txBody>
+              <a:bodyPr wrap="none" rtlCol="0">
+                <a:spAutoFit/>
+              </a:bodyPr>
+              <a:lstStyle/>
+              <a:p>
+                <a:r>
+                  <a:rPr lang="en-US" altLang="ko-KR" sz="1600" dirty="0" smtClean="0"/>
+                  <a:t>[2]</a:t>
+                </a:r>
+                <a:endParaRPr lang="ko-KR" altLang="en-US" sz="1600" dirty="0"/>
+              </a:p>
+            </p:txBody>
+          </p:sp>
+        </p:grpSp>
+      </p:grpSp>
+      <p:sp>
+        <p:nvSpPr>
+          <p:cNvPr id="52" name="직사각형 51"/>
+          <p:cNvSpPr/>
+          <p:nvPr/>
+        </p:nvSpPr>
+        <p:spPr>
+          <a:xfrm>
+            <a:off x="4952485" y="3351045"/>
+            <a:ext cx="1019669" cy="322295"/>
+          </a:xfrm>
+          <a:prstGeom prst="rect">
+            <a:avLst/>
+          </a:prstGeom>
+          <a:solidFill>
+            <a:schemeClr val="tx2">
+              <a:lumMod val="20000"/>
+              <a:lumOff val="80000"/>
+            </a:schemeClr>
+          </a:solidFill>
+        </p:spPr>
+        <p:style>
+          <a:lnRef idx="2">
+            <a:schemeClr val="accent1">
+              <a:shade val="50000"/>
+            </a:schemeClr>
+          </a:lnRef>
+          <a:fillRef idx="1">
+            <a:schemeClr val="accent1"/>
+          </a:fillRef>
+          <a:effectRef idx="0">
+            <a:schemeClr val="accent1"/>
+          </a:effectRef>
+          <a:fontRef idx="minor">
+            <a:schemeClr val="lt1"/>
+          </a:fontRef>
+        </p:style>
+        <p:txBody>
+          <a:bodyPr rtlCol="0" anchor="ctr"/>
+          <a:lstStyle/>
+          <a:p>
+            <a:pPr algn="ctr"/>
+            <a:r>
+              <a:rPr lang="en-US" altLang="ko-KR" dirty="0" smtClean="0">
+                <a:solidFill>
+                  <a:schemeClr val="tx1"/>
+                </a:solidFill>
+              </a:rPr>
+              <a:t>0x300</a:t>
+            </a:r>
+            <a:endParaRPr lang="ko-KR" altLang="en-US" dirty="0">
+              <a:solidFill>
+                <a:schemeClr val="tx1"/>
+              </a:solidFill>
+            </a:endParaRPr>
+          </a:p>
+        </p:txBody>
+      </p:sp>
+      <p:sp>
+        <p:nvSpPr>
+          <p:cNvPr id="56" name="직사각형 55"/>
+          <p:cNvSpPr/>
+          <p:nvPr/>
+        </p:nvSpPr>
+        <p:spPr>
+          <a:xfrm>
+            <a:off x="4952485" y="3015412"/>
+            <a:ext cx="1019669" cy="322295"/>
+          </a:xfrm>
+          <a:prstGeom prst="rect">
+            <a:avLst/>
+          </a:prstGeom>
+          <a:solidFill>
+            <a:schemeClr val="tx2">
+              <a:lumMod val="20000"/>
+              <a:lumOff val="80000"/>
+            </a:schemeClr>
+          </a:solidFill>
+        </p:spPr>
+        <p:style>
+          <a:lnRef idx="2">
+            <a:schemeClr val="accent1">
+              <a:shade val="50000"/>
+            </a:schemeClr>
+          </a:lnRef>
+          <a:fillRef idx="1">
+            <a:schemeClr val="accent1"/>
+          </a:fillRef>
+          <a:effectRef idx="0">
+            <a:schemeClr val="accent1"/>
+          </a:effectRef>
+          <a:fontRef idx="minor">
+            <a:schemeClr val="lt1"/>
+          </a:fontRef>
+        </p:style>
+        <p:txBody>
+          <a:bodyPr rtlCol="0" anchor="ctr"/>
+          <a:lstStyle/>
+          <a:p>
+            <a:pPr algn="ctr"/>
+            <a:r>
+              <a:rPr lang="en-US" altLang="ko-KR" dirty="0" smtClean="0">
+                <a:solidFill>
+                  <a:schemeClr val="tx1"/>
+                </a:solidFill>
+              </a:rPr>
+              <a:t>0x200</a:t>
+            </a:r>
+            <a:endParaRPr lang="ko-KR" altLang="en-US" dirty="0">
+              <a:solidFill>
+                <a:schemeClr val="tx1"/>
+              </a:solidFill>
+            </a:endParaRPr>
+          </a:p>
+        </p:txBody>
+      </p:sp>
+      <p:cxnSp>
+        <p:nvCxnSpPr>
+          <p:cNvPr id="58" name="꺾인 연결선 57"/>
+          <p:cNvCxnSpPr>
+            <a:stCxn id="56" idx="3"/>
+            <a:endCxn id="27" idx="1"/>
+          </p:cNvCxnSpPr>
+          <p:nvPr/>
+        </p:nvCxnSpPr>
+        <p:spPr>
+          <a:xfrm flipV="1">
+            <a:off x="5972154" y="2817805"/>
+            <a:ext cx="1290925" cy="358755"/>
+          </a:xfrm>
+          <a:prstGeom prst="bentConnector3">
+            <a:avLst>
+              <a:gd name="adj1" fmla="val 50000"/>
+            </a:avLst>
+          </a:prstGeom>
+          <a:ln w="19050">
+            <a:solidFill>
+              <a:srgbClr val="FF0000"/>
+            </a:solidFill>
+            <a:prstDash val="dash"/>
+            <a:tailEnd type="arrow"/>
+          </a:ln>
+        </p:spPr>
+        <p:style>
+          <a:lnRef idx="1">
+            <a:schemeClr val="accent1"/>
+          </a:lnRef>
+          <a:fillRef idx="0">
+            <a:schemeClr val="accent1"/>
+          </a:fillRef>
+          <a:effectRef idx="0">
+            <a:schemeClr val="accent1"/>
+          </a:effectRef>
+          <a:fontRef idx="minor">
+            <a:schemeClr val="tx1"/>
+          </a:fontRef>
+        </p:style>
+      </p:cxnSp>
+      <p:cxnSp>
+        <p:nvCxnSpPr>
+          <p:cNvPr id="59" name="꺾인 연결선 58"/>
+          <p:cNvCxnSpPr>
+            <a:stCxn id="52" idx="3"/>
+            <a:endCxn id="46" idx="1"/>
+          </p:cNvCxnSpPr>
+          <p:nvPr/>
+        </p:nvCxnSpPr>
+        <p:spPr>
+          <a:xfrm>
+            <a:off x="5972154" y="3512193"/>
+            <a:ext cx="1290925" cy="356357"/>
+          </a:xfrm>
+          <a:prstGeom prst="bentConnector3">
+            <a:avLst>
+              <a:gd name="adj1" fmla="val 50000"/>
+            </a:avLst>
+          </a:prstGeom>
+          <a:ln w="19050">
+            <a:solidFill>
+              <a:srgbClr val="FF0000"/>
+            </a:solidFill>
+            <a:prstDash val="dash"/>
+            <a:tailEnd type="arrow"/>
+          </a:ln>
+        </p:spPr>
+        <p:style>
+          <a:lnRef idx="1">
+            <a:schemeClr val="accent1"/>
+          </a:lnRef>
+          <a:fillRef idx="0">
+            <a:schemeClr val="accent1"/>
+          </a:fillRef>
+          <a:effectRef idx="0">
+            <a:schemeClr val="accent1"/>
+          </a:effectRef>
+          <a:fontRef idx="minor">
+            <a:schemeClr val="tx1"/>
+          </a:fontRef>
+        </p:style>
+      </p:cxnSp>
+      <p:sp>
+        <p:nvSpPr>
+          <p:cNvPr id="70" name="직사각형 69"/>
+          <p:cNvSpPr/>
+          <p:nvPr/>
+        </p:nvSpPr>
+        <p:spPr>
+          <a:xfrm>
+            <a:off x="2947818" y="1268760"/>
+            <a:ext cx="904102" cy="391398"/>
+          </a:xfrm>
+          <a:prstGeom prst="rect">
+            <a:avLst/>
+          </a:prstGeom>
+          <a:noFill/>
+          <a:ln>
+            <a:noFill/>
+          </a:ln>
+        </p:spPr>
+        <p:style>
+          <a:lnRef idx="2">
+            <a:schemeClr val="accent1">
+              <a:shade val="50000"/>
+            </a:schemeClr>
+          </a:lnRef>
+          <a:fillRef idx="1">
+            <a:schemeClr val="accent1"/>
+          </a:fillRef>
+          <a:effectRef idx="0">
+            <a:schemeClr val="accent1"/>
+          </a:effectRef>
+          <a:fontRef idx="minor">
+            <a:schemeClr val="lt1"/>
+          </a:fontRef>
+        </p:style>
+        <p:txBody>
+          <a:bodyPr rtlCol="0" anchor="ctr"/>
+          <a:lstStyle/>
+          <a:p>
+            <a:pPr algn="ctr"/>
+            <a:endParaRPr lang="ko-KR" altLang="en-US"/>
+          </a:p>
+        </p:txBody>
+      </p:sp>
+      <p:sp>
+        <p:nvSpPr>
+          <p:cNvPr id="60" name="TextBox 59"/>
+          <p:cNvSpPr txBox="1"/>
+          <p:nvPr/>
+        </p:nvSpPr>
+        <p:spPr>
+          <a:xfrm>
+            <a:off x="4590843" y="3007282"/>
+            <a:ext cx="423514" cy="338554"/>
+          </a:xfrm>
+          <a:prstGeom prst="rect">
+            <a:avLst/>
+          </a:prstGeom>
+          <a:noFill/>
+        </p:spPr>
+        <p:txBody>
+          <a:bodyPr wrap="none" rtlCol="0">
+            <a:spAutoFit/>
+          </a:bodyPr>
+          <a:lstStyle/>
+          <a:p>
+            <a:r>
+              <a:rPr lang="en-US" altLang="ko-KR" sz="1600" dirty="0" smtClean="0"/>
+              <a:t>[0]</a:t>
+            </a:r>
+            <a:endParaRPr lang="ko-KR" altLang="en-US" sz="1600" dirty="0"/>
+          </a:p>
+        </p:txBody>
+      </p:sp>
+      <p:sp>
+        <p:nvSpPr>
+          <p:cNvPr id="63" name="TextBox 62"/>
+          <p:cNvSpPr txBox="1"/>
+          <p:nvPr/>
+        </p:nvSpPr>
+        <p:spPr>
+          <a:xfrm>
+            <a:off x="4590843" y="3333449"/>
+            <a:ext cx="423514" cy="338554"/>
+          </a:xfrm>
+          <a:prstGeom prst="rect">
+            <a:avLst/>
+          </a:prstGeom>
+          <a:noFill/>
+        </p:spPr>
+        <p:txBody>
+          <a:bodyPr wrap="none" rtlCol="0">
+            <a:spAutoFit/>
+          </a:bodyPr>
+          <a:lstStyle/>
+          <a:p>
+            <a:r>
+              <a:rPr lang="en-US" altLang="ko-KR" sz="1600" dirty="0" smtClean="0"/>
+              <a:t>[1]</a:t>
+            </a:r>
+            <a:endParaRPr lang="ko-KR" altLang="en-US" sz="1600" dirty="0"/>
+          </a:p>
+        </p:txBody>
+      </p:sp>
+    </p:spTree>
+    <p:extLst>
+      <p:ext uri="{BB962C8B-B14F-4D97-AF65-F5344CB8AC3E}">
+        <p14:creationId xmlns:p14="http://schemas.microsoft.com/office/powerpoint/2010/main" val="2360628021"/>
+      </p:ext>
+    </p:extLst>
+  </p:cSld>
+  <p:clrMapOvr>
+    <a:masterClrMapping/>
+  </p:clrMapOvr>
+</p:sld>
+</file>
+
+<file path=ppt/slides/slide7.xml><?xml version="1.0" encoding="utf-8"?>
+<p:sld xmlns:a="http://schemas.openxmlformats.org/drawingml/2006/main" xmlns:r="http://schemas.openxmlformats.org/officeDocument/2006/relationships" xmlns:p="http://schemas.openxmlformats.org/presentationml/2006/main">
+  <p:cSld>
+    <p:spTree>
+      <p:nvGrpSpPr>
+        <p:cNvPr id="1" name=""/>
+        <p:cNvGrpSpPr/>
+        <p:nvPr/>
+      </p:nvGrpSpPr>
+      <p:grpSpPr>
+        <a:xfrm>
+          <a:off x="0" y="0"/>
+          <a:ext cx="0" cy="0"/>
+          <a:chOff x="0" y="0"/>
+          <a:chExt cx="0" cy="0"/>
+        </a:xfrm>
+      </p:grpSpPr>
+      <p:sp>
+        <p:nvSpPr>
+          <p:cNvPr id="77" name="직사각형 76"/>
+          <p:cNvSpPr/>
+          <p:nvPr/>
+        </p:nvSpPr>
+        <p:spPr>
+          <a:xfrm>
+            <a:off x="4438919" y="2708920"/>
+            <a:ext cx="1357217" cy="1170372"/>
+          </a:xfrm>
+          <a:prstGeom prst="rect">
+            <a:avLst/>
+          </a:prstGeom>
+        </p:spPr>
+        <p:style>
+          <a:lnRef idx="2">
+            <a:schemeClr val="accent1">
+              <a:shade val="50000"/>
+            </a:schemeClr>
+          </a:lnRef>
+          <a:fillRef idx="1">
+            <a:schemeClr val="accent1"/>
+          </a:fillRef>
+          <a:effectRef idx="0">
+            <a:schemeClr val="accent1"/>
+          </a:effectRef>
+          <a:fontRef idx="minor">
+            <a:schemeClr val="lt1"/>
+          </a:fontRef>
+        </p:style>
+        <p:txBody>
+          <a:bodyPr rtlCol="0" anchor="ctr"/>
+          <a:lstStyle/>
+          <a:p>
+            <a:pPr algn="ctr"/>
+            <a:endParaRPr lang="ko-KR" altLang="en-US"/>
+          </a:p>
+        </p:txBody>
+      </p:sp>
+      <p:sp>
+        <p:nvSpPr>
+          <p:cNvPr id="78" name="TextBox 77"/>
+          <p:cNvSpPr txBox="1"/>
+          <p:nvPr/>
+        </p:nvSpPr>
+        <p:spPr>
+          <a:xfrm>
+            <a:off x="4359078" y="2759897"/>
+            <a:ext cx="423514" cy="338554"/>
+          </a:xfrm>
+          <a:prstGeom prst="rect">
+            <a:avLst/>
+          </a:prstGeom>
+          <a:noFill/>
+        </p:spPr>
+        <p:txBody>
+          <a:bodyPr wrap="none" rtlCol="0">
+            <a:spAutoFit/>
+          </a:bodyPr>
+          <a:lstStyle/>
+          <a:p>
+            <a:r>
+              <a:rPr lang="en-US" altLang="ko-KR" sz="1600" dirty="0" smtClean="0"/>
+              <a:t>[0]</a:t>
+            </a:r>
+            <a:endParaRPr lang="ko-KR" altLang="en-US" sz="1600" dirty="0"/>
+          </a:p>
+        </p:txBody>
+      </p:sp>
+      <p:sp>
+        <p:nvSpPr>
+          <p:cNvPr id="79" name="TextBox 78"/>
+          <p:cNvSpPr txBox="1"/>
+          <p:nvPr/>
+        </p:nvSpPr>
+        <p:spPr>
+          <a:xfrm>
+            <a:off x="4359078" y="3086064"/>
+            <a:ext cx="423514" cy="338554"/>
+          </a:xfrm>
+          <a:prstGeom prst="rect">
+            <a:avLst/>
+          </a:prstGeom>
+          <a:noFill/>
+        </p:spPr>
+        <p:txBody>
+          <a:bodyPr wrap="none" rtlCol="0">
+            <a:spAutoFit/>
+          </a:bodyPr>
+          <a:lstStyle/>
+          <a:p>
+            <a:r>
+              <a:rPr lang="en-US" altLang="ko-KR" sz="1600" dirty="0" smtClean="0"/>
+              <a:t>[1]</a:t>
+            </a:r>
+            <a:endParaRPr lang="ko-KR" altLang="en-US" sz="1600" dirty="0"/>
+          </a:p>
+        </p:txBody>
+      </p:sp>
+      <p:sp>
+        <p:nvSpPr>
+          <p:cNvPr id="50" name="직사각형 49"/>
+          <p:cNvSpPr/>
+          <p:nvPr/>
+        </p:nvSpPr>
+        <p:spPr>
+          <a:xfrm>
+            <a:off x="734148" y="1052736"/>
+            <a:ext cx="8136904" cy="4495854"/>
+          </a:xfrm>
+          <a:prstGeom prst="rect">
+            <a:avLst/>
+          </a:prstGeom>
+          <a:noFill/>
+          <a:ln w="12700">
+            <a:solidFill>
+              <a:schemeClr val="tx1"/>
+            </a:solidFill>
+          </a:ln>
+        </p:spPr>
+        <p:style>
+          <a:lnRef idx="2">
+            <a:schemeClr val="accent1">
+              <a:shade val="50000"/>
+            </a:schemeClr>
+          </a:lnRef>
+          <a:fillRef idx="1">
+            <a:schemeClr val="accent1"/>
+          </a:fillRef>
+          <a:effectRef idx="0">
+            <a:schemeClr val="accent1"/>
+          </a:effectRef>
+          <a:fontRef idx="minor">
+            <a:schemeClr val="lt1"/>
+          </a:fontRef>
+        </p:style>
+        <p:txBody>
+          <a:bodyPr rtlCol="0" anchor="ctr"/>
+          <a:lstStyle/>
+          <a:p>
+            <a:pPr algn="ctr"/>
+            <a:endParaRPr lang="ko-KR" altLang="en-US"/>
+          </a:p>
+        </p:txBody>
+      </p:sp>
+      <p:grpSp>
+        <p:nvGrpSpPr>
+          <p:cNvPr id="11" name="그룹 10"/>
+          <p:cNvGrpSpPr/>
+          <p:nvPr/>
+        </p:nvGrpSpPr>
+        <p:grpSpPr>
+          <a:xfrm>
+            <a:off x="1763688" y="2958830"/>
+            <a:ext cx="2088232" cy="1829029"/>
+            <a:chOff x="2627784" y="2204864"/>
+            <a:chExt cx="2088232" cy="2520280"/>
+          </a:xfrm>
+        </p:grpSpPr>
+        <p:cxnSp>
+          <p:nvCxnSpPr>
+            <p:cNvPr id="7" name="직선 연결선 6"/>
+            <p:cNvCxnSpPr/>
+            <p:nvPr/>
+          </p:nvCxnSpPr>
+          <p:spPr>
+            <a:xfrm>
+              <a:off x="2627784" y="2204864"/>
+              <a:ext cx="0" cy="2520280"/>
+            </a:xfrm>
+            <a:prstGeom prst="line">
+              <a:avLst/>
+            </a:prstGeom>
+            <a:ln w="38100"/>
+          </p:spPr>
+          <p:style>
+            <a:lnRef idx="1">
+              <a:schemeClr val="accent1"/>
+            </a:lnRef>
+            <a:fillRef idx="0">
+              <a:schemeClr val="accent1"/>
+            </a:fillRef>
+            <a:effectRef idx="0">
+              <a:schemeClr val="accent1"/>
+            </a:effectRef>
+            <a:fontRef idx="minor">
+              <a:schemeClr val="tx1"/>
+            </a:fontRef>
+          </p:style>
+        </p:cxnSp>
+        <p:cxnSp>
+          <p:nvCxnSpPr>
+            <p:cNvPr id="8" name="직선 연결선 7"/>
+            <p:cNvCxnSpPr/>
+            <p:nvPr/>
+          </p:nvCxnSpPr>
+          <p:spPr>
+            <a:xfrm>
+              <a:off x="4716016" y="2204864"/>
+              <a:ext cx="0" cy="2520280"/>
+            </a:xfrm>
+            <a:prstGeom prst="line">
+              <a:avLst/>
+            </a:prstGeom>
+            <a:ln w="38100"/>
+          </p:spPr>
+          <p:style>
+            <a:lnRef idx="1">
+              <a:schemeClr val="accent1"/>
+            </a:lnRef>
+            <a:fillRef idx="0">
+              <a:schemeClr val="accent1"/>
+            </a:fillRef>
+            <a:effectRef idx="0">
+              <a:schemeClr val="accent1"/>
+            </a:effectRef>
+            <a:fontRef idx="minor">
+              <a:schemeClr val="tx1"/>
+            </a:fontRef>
+          </p:style>
+        </p:cxnSp>
+        <p:cxnSp>
+          <p:nvCxnSpPr>
+            <p:cNvPr id="10" name="직선 연결선 9"/>
+            <p:cNvCxnSpPr/>
+            <p:nvPr/>
+          </p:nvCxnSpPr>
+          <p:spPr>
+            <a:xfrm>
+              <a:off x="2627784" y="4725144"/>
+              <a:ext cx="2088232" cy="0"/>
+            </a:xfrm>
+            <a:prstGeom prst="line">
+              <a:avLst/>
+            </a:prstGeom>
+            <a:ln w="38100"/>
+          </p:spPr>
+          <p:style>
+            <a:lnRef idx="1">
+              <a:schemeClr val="accent1"/>
+            </a:lnRef>
+            <a:fillRef idx="0">
+              <a:schemeClr val="accent1"/>
+            </a:fillRef>
+            <a:effectRef idx="0">
+              <a:schemeClr val="accent1"/>
+            </a:effectRef>
+            <a:fontRef idx="minor">
+              <a:schemeClr val="tx1"/>
+            </a:fontRef>
+          </p:style>
+        </p:cxnSp>
+      </p:grpSp>
+      <p:sp>
+        <p:nvSpPr>
+          <p:cNvPr id="12" name="TextBox 11"/>
+          <p:cNvSpPr txBox="1"/>
+          <p:nvPr/>
+        </p:nvSpPr>
+        <p:spPr>
+          <a:xfrm>
+            <a:off x="2443762" y="5003884"/>
+            <a:ext cx="728084" cy="369332"/>
+          </a:xfrm>
+          <a:prstGeom prst="rect">
+            <a:avLst/>
+          </a:prstGeom>
+          <a:noFill/>
+        </p:spPr>
+        <p:txBody>
+          <a:bodyPr wrap="none" rtlCol="0">
+            <a:spAutoFit/>
+          </a:bodyPr>
+          <a:lstStyle/>
+          <a:p>
+            <a:r>
+              <a:rPr lang="en-US" altLang="ko-KR" dirty="0" smtClean="0"/>
+              <a:t>Stack</a:t>
+            </a:r>
+            <a:endParaRPr lang="ko-KR" altLang="en-US" dirty="0"/>
+          </a:p>
+        </p:txBody>
+      </p:sp>
+      <p:sp>
+        <p:nvSpPr>
+          <p:cNvPr id="13" name="직사각형 12"/>
+          <p:cNvSpPr/>
+          <p:nvPr/>
+        </p:nvSpPr>
+        <p:spPr>
+          <a:xfrm>
+            <a:off x="4139952" y="1619508"/>
+            <a:ext cx="4392488" cy="3168352"/>
+          </a:xfrm>
+          <a:prstGeom prst="rect">
+            <a:avLst/>
+          </a:prstGeom>
+          <a:noFill/>
+        </p:spPr>
+        <p:style>
+          <a:lnRef idx="2">
+            <a:schemeClr val="accent1">
+              <a:shade val="50000"/>
+            </a:schemeClr>
+          </a:lnRef>
+          <a:fillRef idx="1">
+            <a:schemeClr val="accent1"/>
+          </a:fillRef>
+          <a:effectRef idx="0">
+            <a:schemeClr val="accent1"/>
+          </a:effectRef>
+          <a:fontRef idx="minor">
+            <a:schemeClr val="lt1"/>
+          </a:fontRef>
+        </p:style>
+        <p:txBody>
+          <a:bodyPr rtlCol="0" anchor="ctr"/>
+          <a:lstStyle/>
+          <a:p>
+            <a:pPr algn="ctr"/>
+            <a:endParaRPr lang="ko-KR" altLang="en-US"/>
+          </a:p>
+        </p:txBody>
+      </p:sp>
+      <p:sp>
+        <p:nvSpPr>
+          <p:cNvPr id="14" name="TextBox 13"/>
+          <p:cNvSpPr txBox="1"/>
+          <p:nvPr/>
+        </p:nvSpPr>
+        <p:spPr>
+          <a:xfrm>
+            <a:off x="5972154" y="5003884"/>
+            <a:ext cx="732893" cy="369332"/>
+          </a:xfrm>
+          <a:prstGeom prst="rect">
+            <a:avLst/>
+          </a:prstGeom>
+          <a:noFill/>
+        </p:spPr>
+        <p:txBody>
+          <a:bodyPr wrap="none" rtlCol="0">
+            <a:spAutoFit/>
+          </a:bodyPr>
+          <a:lstStyle/>
+          <a:p>
+            <a:r>
+              <a:rPr lang="en-US" altLang="ko-KR" dirty="0" smtClean="0"/>
+              <a:t>Heap</a:t>
+            </a:r>
+            <a:endParaRPr lang="ko-KR" altLang="en-US" dirty="0"/>
+          </a:p>
+        </p:txBody>
+      </p:sp>
+      <p:sp>
+        <p:nvSpPr>
+          <p:cNvPr id="40" name="직사각형 39"/>
+          <p:cNvSpPr/>
+          <p:nvPr/>
+        </p:nvSpPr>
+        <p:spPr>
+          <a:xfrm>
+            <a:off x="1835696" y="4393557"/>
+            <a:ext cx="1944216" cy="322295"/>
+          </a:xfrm>
+          <a:prstGeom prst="rect">
+            <a:avLst/>
+          </a:prstGeom>
+          <a:solidFill>
+            <a:schemeClr val="tx2">
+              <a:lumMod val="20000"/>
+              <a:lumOff val="80000"/>
+            </a:schemeClr>
+          </a:solidFill>
+        </p:spPr>
+        <p:style>
+          <a:lnRef idx="2">
+            <a:schemeClr val="accent1">
+              <a:shade val="50000"/>
+            </a:schemeClr>
+          </a:lnRef>
+          <a:fillRef idx="1">
+            <a:schemeClr val="accent1"/>
+          </a:fillRef>
+          <a:effectRef idx="0">
+            <a:schemeClr val="accent1"/>
+          </a:effectRef>
+          <a:fontRef idx="minor">
+            <a:schemeClr val="lt1"/>
+          </a:fontRef>
+        </p:style>
+        <p:txBody>
+          <a:bodyPr rtlCol="0" anchor="ctr"/>
+          <a:lstStyle/>
+          <a:p>
+            <a:pPr algn="ctr"/>
+            <a:r>
+              <a:rPr lang="en-US" altLang="ko-KR" dirty="0" smtClean="0">
+                <a:solidFill>
+                  <a:schemeClr val="tx1"/>
+                </a:solidFill>
+              </a:rPr>
+              <a:t>0x100</a:t>
+            </a:r>
+            <a:endParaRPr lang="ko-KR" altLang="en-US" dirty="0">
+              <a:solidFill>
+                <a:schemeClr val="tx1"/>
+              </a:solidFill>
+            </a:endParaRPr>
+          </a:p>
+        </p:txBody>
+      </p:sp>
+      <p:cxnSp>
+        <p:nvCxnSpPr>
+          <p:cNvPr id="48" name="꺾인 연결선 47"/>
+          <p:cNvCxnSpPr>
+            <a:stCxn id="40" idx="3"/>
+            <a:endCxn id="77" idx="0"/>
+          </p:cNvCxnSpPr>
+          <p:nvPr/>
+        </p:nvCxnSpPr>
+        <p:spPr>
+          <a:xfrm flipV="1">
+            <a:off x="3779912" y="2708920"/>
+            <a:ext cx="1337616" cy="1845785"/>
+          </a:xfrm>
+          <a:prstGeom prst="bentConnector4">
+            <a:avLst>
+              <a:gd name="adj1" fmla="val 38876"/>
+              <a:gd name="adj2" fmla="val 112385"/>
+            </a:avLst>
+          </a:prstGeom>
+          <a:ln w="19050">
+            <a:solidFill>
+              <a:srgbClr val="FF0000"/>
+            </a:solidFill>
+            <a:prstDash val="dash"/>
+            <a:tailEnd type="arrow"/>
+          </a:ln>
+        </p:spPr>
+        <p:style>
+          <a:lnRef idx="1">
+            <a:schemeClr val="accent1"/>
+          </a:lnRef>
+          <a:fillRef idx="0">
+            <a:schemeClr val="accent1"/>
+          </a:fillRef>
+          <a:effectRef idx="0">
+            <a:schemeClr val="accent1"/>
+          </a:effectRef>
+          <a:fontRef idx="minor">
+            <a:schemeClr val="tx1"/>
+          </a:fontRef>
+        </p:style>
+      </p:cxnSp>
+      <p:sp>
+        <p:nvSpPr>
+          <p:cNvPr id="49" name="TextBox 48"/>
+          <p:cNvSpPr txBox="1"/>
+          <p:nvPr/>
+        </p:nvSpPr>
+        <p:spPr>
+          <a:xfrm>
+            <a:off x="3491880" y="868070"/>
+            <a:ext cx="2321469" cy="369332"/>
+          </a:xfrm>
+          <a:prstGeom prst="rect">
+            <a:avLst/>
+          </a:prstGeom>
+          <a:solidFill>
+            <a:schemeClr val="bg1"/>
+          </a:solidFill>
+        </p:spPr>
+        <p:txBody>
+          <a:bodyPr wrap="none" rtlCol="0">
+            <a:spAutoFit/>
+          </a:bodyPr>
+          <a:lstStyle/>
+          <a:p>
+            <a:r>
+              <a:rPr lang="en-US" altLang="ko-KR" dirty="0" smtClean="0"/>
+              <a:t>2</a:t>
+            </a:r>
+            <a:r>
+              <a:rPr lang="ko-KR" altLang="en-US" dirty="0" smtClean="0"/>
+              <a:t>차원 </a:t>
+            </a:r>
+            <a:r>
+              <a:rPr lang="ko-KR" altLang="en-US" dirty="0" smtClean="0"/>
+              <a:t>비정방형</a:t>
+            </a:r>
+            <a:r>
+              <a:rPr lang="ko-KR" altLang="en-US" dirty="0" smtClean="0"/>
+              <a:t>배열</a:t>
+            </a:r>
+            <a:endParaRPr lang="ko-KR" altLang="en-US" dirty="0"/>
+          </a:p>
+        </p:txBody>
+      </p:sp>
+      <p:sp>
+        <p:nvSpPr>
+          <p:cNvPr id="41" name="TextBox 40"/>
+          <p:cNvSpPr txBox="1"/>
+          <p:nvPr/>
+        </p:nvSpPr>
+        <p:spPr>
+          <a:xfrm>
+            <a:off x="943162" y="1436583"/>
+            <a:ext cx="2836750" cy="1200329"/>
+          </a:xfrm>
+          <a:prstGeom prst="rect">
+            <a:avLst/>
+          </a:prstGeom>
+          <a:solidFill>
+            <a:schemeClr val="tx2">
+              <a:lumMod val="20000"/>
+              <a:lumOff val="80000"/>
+            </a:schemeClr>
+          </a:solidFill>
+          <a:ln>
+            <a:solidFill>
+              <a:schemeClr val="tx2">
+                <a:lumMod val="75000"/>
+              </a:schemeClr>
+            </a:solidFill>
+          </a:ln>
+        </p:spPr>
+        <p:txBody>
+          <a:bodyPr wrap="square" rtlCol="0">
+            <a:spAutoFit/>
+          </a:bodyPr>
+          <a:lstStyle/>
+          <a:p>
+            <a:r>
+              <a:rPr lang="en-US" altLang="ko-KR" b="1" dirty="0" err="1" smtClean="0">
+                <a:solidFill>
+                  <a:srgbClr val="FF3399"/>
+                </a:solidFill>
+              </a:rPr>
+              <a:t>int</a:t>
+            </a:r>
+            <a:r>
+              <a:rPr lang="en-US" altLang="ko-KR" dirty="0" smtClean="0"/>
+              <a:t> </a:t>
+            </a:r>
+            <a:r>
+              <a:rPr lang="en-US" altLang="ko-KR" dirty="0" smtClean="0"/>
+              <a:t>[] array </a:t>
+            </a:r>
+            <a:r>
+              <a:rPr lang="en-US" altLang="ko-KR" dirty="0" smtClean="0"/>
+              <a:t>= </a:t>
+            </a:r>
+            <a:r>
+              <a:rPr lang="en-US" altLang="ko-KR" b="1" dirty="0" smtClean="0">
+                <a:solidFill>
+                  <a:srgbClr val="FF0000"/>
+                </a:solidFill>
+              </a:rPr>
+              <a:t>new</a:t>
+            </a:r>
+            <a:r>
+              <a:rPr lang="en-US" altLang="ko-KR" dirty="0" smtClean="0"/>
+              <a:t> </a:t>
+            </a:r>
+            <a:r>
+              <a:rPr lang="en-US" altLang="ko-KR" b="1" dirty="0" err="1" smtClean="0">
+                <a:solidFill>
+                  <a:srgbClr val="FF3399"/>
+                </a:solidFill>
+              </a:rPr>
+              <a:t>int</a:t>
+            </a:r>
+            <a:r>
+              <a:rPr lang="en-US" altLang="ko-KR" dirty="0" smtClean="0"/>
+              <a:t>[3][];</a:t>
+            </a:r>
+          </a:p>
+          <a:p>
+            <a:r>
+              <a:rPr lang="en-US" altLang="ko-KR" dirty="0" smtClean="0"/>
+              <a:t>array[0] </a:t>
+            </a:r>
+            <a:r>
+              <a:rPr lang="en-US" altLang="ko-KR" dirty="0"/>
+              <a:t>= </a:t>
+            </a:r>
+            <a:r>
+              <a:rPr lang="en-US" altLang="ko-KR" b="1" dirty="0">
+                <a:solidFill>
+                  <a:srgbClr val="FF0000"/>
+                </a:solidFill>
+              </a:rPr>
+              <a:t>new</a:t>
+            </a:r>
+            <a:r>
+              <a:rPr lang="en-US" altLang="ko-KR" dirty="0"/>
+              <a:t> </a:t>
+            </a:r>
+            <a:r>
+              <a:rPr lang="en-US" altLang="ko-KR" b="1" dirty="0" err="1" smtClean="0">
+                <a:solidFill>
+                  <a:srgbClr val="FF3399"/>
+                </a:solidFill>
+              </a:rPr>
+              <a:t>int</a:t>
+            </a:r>
+            <a:r>
+              <a:rPr lang="en-US" altLang="ko-KR" dirty="0" smtClean="0"/>
+              <a:t>[2];</a:t>
+            </a:r>
+            <a:endParaRPr lang="ko-KR" altLang="en-US" dirty="0"/>
+          </a:p>
+          <a:p>
+            <a:r>
+              <a:rPr lang="en-US" altLang="ko-KR" dirty="0"/>
+              <a:t>a</a:t>
+            </a:r>
+            <a:r>
+              <a:rPr lang="en-US" altLang="ko-KR" dirty="0" smtClean="0"/>
+              <a:t>rray[1] </a:t>
+            </a:r>
+            <a:r>
+              <a:rPr lang="en-US" altLang="ko-KR" dirty="0"/>
+              <a:t>= </a:t>
+            </a:r>
+            <a:r>
+              <a:rPr lang="en-US" altLang="ko-KR" b="1" dirty="0">
+                <a:solidFill>
+                  <a:srgbClr val="FF0000"/>
+                </a:solidFill>
+              </a:rPr>
+              <a:t>new</a:t>
+            </a:r>
+            <a:r>
+              <a:rPr lang="en-US" altLang="ko-KR" dirty="0"/>
+              <a:t> </a:t>
+            </a:r>
+            <a:r>
+              <a:rPr lang="en-US" altLang="ko-KR" b="1" dirty="0" err="1" smtClean="0">
+                <a:solidFill>
+                  <a:srgbClr val="FF3399"/>
+                </a:solidFill>
+              </a:rPr>
+              <a:t>int</a:t>
+            </a:r>
+            <a:r>
+              <a:rPr lang="en-US" altLang="ko-KR" dirty="0" smtClean="0"/>
+              <a:t>[4];</a:t>
+            </a:r>
+            <a:endParaRPr lang="ko-KR" altLang="en-US" dirty="0"/>
+          </a:p>
+          <a:p>
+            <a:r>
+              <a:rPr lang="en-US" altLang="ko-KR" dirty="0"/>
+              <a:t>a</a:t>
+            </a:r>
+            <a:r>
+              <a:rPr lang="en-US" altLang="ko-KR" dirty="0" smtClean="0"/>
+              <a:t>rray[2] </a:t>
+            </a:r>
+            <a:r>
+              <a:rPr lang="en-US" altLang="ko-KR" dirty="0"/>
+              <a:t>= </a:t>
+            </a:r>
+            <a:r>
+              <a:rPr lang="en-US" altLang="ko-KR" b="1" dirty="0">
+                <a:solidFill>
+                  <a:srgbClr val="FF0000"/>
+                </a:solidFill>
+              </a:rPr>
+              <a:t>new</a:t>
+            </a:r>
+            <a:r>
+              <a:rPr lang="en-US" altLang="ko-KR" dirty="0"/>
+              <a:t> </a:t>
+            </a:r>
+            <a:r>
+              <a:rPr lang="en-US" altLang="ko-KR" b="1" dirty="0" err="1" smtClean="0">
+                <a:solidFill>
+                  <a:srgbClr val="FF3399"/>
+                </a:solidFill>
+              </a:rPr>
+              <a:t>int</a:t>
+            </a:r>
+            <a:r>
+              <a:rPr lang="en-US" altLang="ko-KR" dirty="0" smtClean="0"/>
+              <a:t>[3];</a:t>
+            </a:r>
+            <a:endParaRPr lang="ko-KR" altLang="en-US" dirty="0"/>
+          </a:p>
+        </p:txBody>
+      </p:sp>
+      <p:sp>
+        <p:nvSpPr>
+          <p:cNvPr id="2" name="TextBox 1"/>
+          <p:cNvSpPr txBox="1"/>
+          <p:nvPr/>
+        </p:nvSpPr>
+        <p:spPr>
+          <a:xfrm>
+            <a:off x="683568" y="4283804"/>
+            <a:ext cx="875561" cy="461665"/>
+          </a:xfrm>
+          <a:prstGeom prst="rect">
+            <a:avLst/>
+          </a:prstGeom>
+          <a:noFill/>
+        </p:spPr>
+        <p:txBody>
+          <a:bodyPr wrap="none" rtlCol="0">
+            <a:spAutoFit/>
+          </a:bodyPr>
+          <a:lstStyle/>
+          <a:p>
+            <a:r>
+              <a:rPr lang="en-US" altLang="ko-KR" sz="2400" dirty="0" smtClean="0"/>
+              <a:t>array</a:t>
+            </a:r>
+            <a:endParaRPr lang="ko-KR" altLang="en-US" sz="2400" dirty="0"/>
+          </a:p>
+        </p:txBody>
+      </p:sp>
+      <p:cxnSp>
+        <p:nvCxnSpPr>
+          <p:cNvPr id="6" name="직선 화살표 연결선 5"/>
+          <p:cNvCxnSpPr/>
+          <p:nvPr/>
+        </p:nvCxnSpPr>
+        <p:spPr>
+          <a:xfrm>
+            <a:off x="1476158" y="4552382"/>
+            <a:ext cx="215522" cy="2323"/>
+          </a:xfrm>
+          <a:prstGeom prst="straightConnector1">
+            <a:avLst/>
+          </a:prstGeom>
+          <a:ln w="25400">
+            <a:solidFill>
+              <a:schemeClr val="accent3">
+                <a:lumMod val="75000"/>
+              </a:schemeClr>
+            </a:solidFill>
+            <a:headEnd type="none"/>
+            <a:tailEnd type="triangle"/>
+          </a:ln>
+        </p:spPr>
+        <p:style>
+          <a:lnRef idx="1">
+            <a:schemeClr val="accent1"/>
+          </a:lnRef>
+          <a:fillRef idx="0">
+            <a:schemeClr val="accent1"/>
+          </a:fillRef>
+          <a:effectRef idx="0">
+            <a:schemeClr val="accent1"/>
+          </a:effectRef>
+          <a:fontRef idx="minor">
+            <a:schemeClr val="tx1"/>
+          </a:fontRef>
+        </p:style>
+      </p:cxnSp>
+      <p:grpSp>
+        <p:nvGrpSpPr>
+          <p:cNvPr id="17" name="그룹 16"/>
+          <p:cNvGrpSpPr/>
+          <p:nvPr/>
+        </p:nvGrpSpPr>
+        <p:grpSpPr>
+          <a:xfrm>
+            <a:off x="6228184" y="2789554"/>
+            <a:ext cx="2175878" cy="683542"/>
+            <a:chOff x="4792068" y="1938318"/>
+            <a:chExt cx="2175878" cy="683542"/>
+          </a:xfrm>
+        </p:grpSpPr>
+        <p:sp>
+          <p:nvSpPr>
+            <p:cNvPr id="39" name="TextBox 38"/>
+            <p:cNvSpPr txBox="1"/>
+            <p:nvPr/>
+          </p:nvSpPr>
+          <p:spPr>
+            <a:xfrm>
+              <a:off x="4792068" y="2204864"/>
+              <a:ext cx="627095" cy="276999"/>
+            </a:xfrm>
+            <a:prstGeom prst="rect">
+              <a:avLst/>
+            </a:prstGeom>
+            <a:noFill/>
+          </p:spPr>
+          <p:txBody>
+            <a:bodyPr wrap="none" rtlCol="0">
+              <a:spAutoFit/>
+            </a:bodyPr>
+            <a:lstStyle/>
+            <a:p>
+              <a:r>
+                <a:rPr lang="en-US" altLang="ko-KR" sz="1200" b="1" dirty="0" smtClean="0"/>
+                <a:t>0x300</a:t>
+              </a:r>
+              <a:endParaRPr lang="ko-KR" altLang="en-US" sz="1200" b="1" dirty="0"/>
+            </a:p>
+          </p:txBody>
+        </p:sp>
+        <p:grpSp>
+          <p:nvGrpSpPr>
+            <p:cNvPr id="16" name="그룹 15"/>
+            <p:cNvGrpSpPr/>
+            <p:nvPr/>
+          </p:nvGrpSpPr>
+          <p:grpSpPr>
+            <a:xfrm>
+              <a:off x="5372622" y="1938318"/>
+              <a:ext cx="423514" cy="683542"/>
+              <a:chOff x="5372622" y="1938318"/>
+              <a:chExt cx="423514" cy="683542"/>
+            </a:xfrm>
+          </p:grpSpPr>
+          <p:sp>
+            <p:nvSpPr>
+              <p:cNvPr id="27" name="직사각형 26"/>
+              <p:cNvSpPr/>
+              <p:nvPr/>
+            </p:nvSpPr>
+            <p:spPr>
+              <a:xfrm>
+                <a:off x="5374973" y="2273341"/>
+                <a:ext cx="395620" cy="348519"/>
+              </a:xfrm>
+              <a:prstGeom prst="rect">
+                <a:avLst/>
+              </a:prstGeom>
+              <a:solidFill>
+                <a:schemeClr val="tx2">
+                  <a:lumMod val="40000"/>
+                  <a:lumOff val="60000"/>
+                </a:schemeClr>
+              </a:solidFill>
+            </p:spPr>
+            <p:style>
+              <a:lnRef idx="2">
+                <a:schemeClr val="accent1">
+                  <a:shade val="50000"/>
+                </a:schemeClr>
+              </a:lnRef>
+              <a:fillRef idx="1">
+                <a:schemeClr val="accent1"/>
+              </a:fillRef>
+              <a:effectRef idx="0">
+                <a:schemeClr val="accent1"/>
+              </a:effectRef>
+              <a:fontRef idx="minor">
+                <a:schemeClr val="lt1"/>
+              </a:fontRef>
+            </p:style>
+            <p:txBody>
+              <a:bodyPr rtlCol="0" anchor="ctr"/>
+              <a:lstStyle/>
+              <a:p>
+                <a:pPr algn="ctr"/>
+                <a:r>
+                  <a:rPr lang="en-US" altLang="ko-KR" dirty="0" smtClean="0">
+                    <a:solidFill>
+                      <a:schemeClr val="tx1"/>
+                    </a:solidFill>
+                  </a:rPr>
+                  <a:t>0</a:t>
+                </a:r>
+                <a:endParaRPr lang="ko-KR" altLang="en-US" dirty="0">
+                  <a:solidFill>
+                    <a:schemeClr val="tx1"/>
+                  </a:solidFill>
+                </a:endParaRPr>
+              </a:p>
+            </p:txBody>
+          </p:sp>
+          <p:sp>
+            <p:nvSpPr>
+              <p:cNvPr id="47" name="TextBox 46"/>
+              <p:cNvSpPr txBox="1"/>
+              <p:nvPr/>
+            </p:nvSpPr>
+            <p:spPr>
+              <a:xfrm>
+                <a:off x="5372622" y="1938318"/>
+                <a:ext cx="423514" cy="338554"/>
+              </a:xfrm>
+              <a:prstGeom prst="rect">
+                <a:avLst/>
+              </a:prstGeom>
+              <a:noFill/>
+            </p:spPr>
+            <p:txBody>
+              <a:bodyPr wrap="none" rtlCol="0">
+                <a:spAutoFit/>
+              </a:bodyPr>
+              <a:lstStyle/>
+              <a:p>
+                <a:r>
+                  <a:rPr lang="en-US" altLang="ko-KR" sz="1600" dirty="0" smtClean="0"/>
+                  <a:t>[0]</a:t>
+                </a:r>
+                <a:endParaRPr lang="ko-KR" altLang="en-US" sz="1600" dirty="0"/>
+              </a:p>
+            </p:txBody>
+          </p:sp>
+        </p:grpSp>
+        <p:grpSp>
+          <p:nvGrpSpPr>
+            <p:cNvPr id="53" name="그룹 52"/>
+            <p:cNvGrpSpPr/>
+            <p:nvPr/>
+          </p:nvGrpSpPr>
+          <p:grpSpPr>
+            <a:xfrm>
+              <a:off x="5760397" y="1938318"/>
+              <a:ext cx="1207549" cy="683542"/>
+              <a:chOff x="5372622" y="1938318"/>
+              <a:chExt cx="1207549" cy="683542"/>
+            </a:xfrm>
+          </p:grpSpPr>
+          <p:sp>
+            <p:nvSpPr>
+              <p:cNvPr id="54" name="직사각형 53"/>
+              <p:cNvSpPr/>
+              <p:nvPr/>
+            </p:nvSpPr>
+            <p:spPr>
+              <a:xfrm>
+                <a:off x="5374973" y="2273341"/>
+                <a:ext cx="395620" cy="348519"/>
+              </a:xfrm>
+              <a:prstGeom prst="rect">
+                <a:avLst/>
+              </a:prstGeom>
+              <a:solidFill>
+                <a:schemeClr val="tx2">
+                  <a:lumMod val="40000"/>
+                  <a:lumOff val="60000"/>
+                </a:schemeClr>
+              </a:solidFill>
+            </p:spPr>
+            <p:style>
+              <a:lnRef idx="2">
+                <a:schemeClr val="accent1">
+                  <a:shade val="50000"/>
+                </a:schemeClr>
+              </a:lnRef>
+              <a:fillRef idx="1">
+                <a:schemeClr val="accent1"/>
+              </a:fillRef>
+              <a:effectRef idx="0">
+                <a:schemeClr val="accent1"/>
+              </a:effectRef>
+              <a:fontRef idx="minor">
+                <a:schemeClr val="lt1"/>
+              </a:fontRef>
+            </p:style>
+            <p:txBody>
+              <a:bodyPr rtlCol="0" anchor="ctr"/>
+              <a:lstStyle/>
+              <a:p>
+                <a:pPr algn="ctr"/>
+                <a:r>
+                  <a:rPr lang="en-US" altLang="ko-KR" dirty="0" smtClean="0">
+                    <a:solidFill>
+                      <a:schemeClr val="tx1"/>
+                    </a:solidFill>
+                  </a:rPr>
+                  <a:t>0</a:t>
+                </a:r>
+                <a:endParaRPr lang="ko-KR" altLang="en-US" dirty="0">
+                  <a:solidFill>
+                    <a:schemeClr val="tx1"/>
+                  </a:solidFill>
+                </a:endParaRPr>
+              </a:p>
+            </p:txBody>
+          </p:sp>
+          <p:sp>
+            <p:nvSpPr>
+              <p:cNvPr id="55" name="TextBox 54"/>
+              <p:cNvSpPr txBox="1"/>
+              <p:nvPr/>
+            </p:nvSpPr>
+            <p:spPr>
+              <a:xfrm>
+                <a:off x="5372622" y="1938318"/>
+                <a:ext cx="423514" cy="338554"/>
+              </a:xfrm>
+              <a:prstGeom prst="rect">
+                <a:avLst/>
+              </a:prstGeom>
+              <a:noFill/>
+            </p:spPr>
+            <p:txBody>
+              <a:bodyPr wrap="none" rtlCol="0">
+                <a:spAutoFit/>
+              </a:bodyPr>
+              <a:lstStyle/>
+              <a:p>
+                <a:r>
+                  <a:rPr lang="en-US" altLang="ko-KR" sz="1600" dirty="0" smtClean="0"/>
+                  <a:t>[1]</a:t>
+                </a:r>
+                <a:endParaRPr lang="ko-KR" altLang="en-US" sz="1600" dirty="0"/>
+              </a:p>
+            </p:txBody>
+          </p:sp>
+          <p:sp>
+            <p:nvSpPr>
+              <p:cNvPr id="33" name="직사각형 32"/>
+              <p:cNvSpPr/>
+              <p:nvPr/>
+            </p:nvSpPr>
+            <p:spPr>
+              <a:xfrm>
+                <a:off x="5763388" y="2273341"/>
+                <a:ext cx="395620" cy="348519"/>
+              </a:xfrm>
+              <a:prstGeom prst="rect">
+                <a:avLst/>
+              </a:prstGeom>
+              <a:solidFill>
+                <a:schemeClr val="tx2">
+                  <a:lumMod val="40000"/>
+                  <a:lumOff val="60000"/>
+                </a:schemeClr>
+              </a:solidFill>
+            </p:spPr>
+            <p:style>
+              <a:lnRef idx="2">
+                <a:schemeClr val="accent1">
+                  <a:shade val="50000"/>
+                </a:schemeClr>
+              </a:lnRef>
+              <a:fillRef idx="1">
+                <a:schemeClr val="accent1"/>
+              </a:fillRef>
+              <a:effectRef idx="0">
+                <a:schemeClr val="accent1"/>
+              </a:effectRef>
+              <a:fontRef idx="minor">
+                <a:schemeClr val="lt1"/>
+              </a:fontRef>
+            </p:style>
+            <p:txBody>
+              <a:bodyPr rtlCol="0" anchor="ctr"/>
+              <a:lstStyle/>
+              <a:p>
+                <a:pPr algn="ctr"/>
+                <a:r>
+                  <a:rPr lang="en-US" altLang="ko-KR" dirty="0" smtClean="0">
+                    <a:solidFill>
+                      <a:schemeClr val="tx1"/>
+                    </a:solidFill>
+                  </a:rPr>
+                  <a:t>0</a:t>
+                </a:r>
+                <a:endParaRPr lang="ko-KR" altLang="en-US" dirty="0">
+                  <a:solidFill>
+                    <a:schemeClr val="tx1"/>
+                  </a:solidFill>
+                </a:endParaRPr>
+              </a:p>
+            </p:txBody>
+          </p:sp>
+          <p:sp>
+            <p:nvSpPr>
+              <p:cNvPr id="34" name="TextBox 33"/>
+              <p:cNvSpPr txBox="1"/>
+              <p:nvPr/>
+            </p:nvSpPr>
+            <p:spPr>
+              <a:xfrm>
+                <a:off x="5761037" y="1938318"/>
+                <a:ext cx="423514" cy="338554"/>
+              </a:xfrm>
+              <a:prstGeom prst="rect">
+                <a:avLst/>
+              </a:prstGeom>
+              <a:noFill/>
+            </p:spPr>
+            <p:txBody>
+              <a:bodyPr wrap="none" rtlCol="0">
+                <a:spAutoFit/>
+              </a:bodyPr>
+              <a:lstStyle/>
+              <a:p>
+                <a:r>
+                  <a:rPr lang="en-US" altLang="ko-KR" sz="1600" dirty="0" smtClean="0"/>
+                  <a:t>[2]</a:t>
+                </a:r>
+                <a:endParaRPr lang="ko-KR" altLang="en-US" sz="1600" dirty="0"/>
+              </a:p>
+            </p:txBody>
+          </p:sp>
+          <p:sp>
+            <p:nvSpPr>
+              <p:cNvPr id="72" name="직사각형 71"/>
+              <p:cNvSpPr/>
+              <p:nvPr/>
+            </p:nvSpPr>
+            <p:spPr>
+              <a:xfrm>
+                <a:off x="6159008" y="2273341"/>
+                <a:ext cx="395620" cy="348519"/>
+              </a:xfrm>
+              <a:prstGeom prst="rect">
+                <a:avLst/>
+              </a:prstGeom>
+              <a:solidFill>
+                <a:schemeClr val="tx2">
+                  <a:lumMod val="40000"/>
+                  <a:lumOff val="60000"/>
+                </a:schemeClr>
+              </a:solidFill>
+            </p:spPr>
+            <p:style>
+              <a:lnRef idx="2">
+                <a:schemeClr val="accent1">
+                  <a:shade val="50000"/>
+                </a:schemeClr>
+              </a:lnRef>
+              <a:fillRef idx="1">
+                <a:schemeClr val="accent1"/>
+              </a:fillRef>
+              <a:effectRef idx="0">
+                <a:schemeClr val="accent1"/>
+              </a:effectRef>
+              <a:fontRef idx="minor">
+                <a:schemeClr val="lt1"/>
+              </a:fontRef>
+            </p:style>
+            <p:txBody>
+              <a:bodyPr rtlCol="0" anchor="ctr"/>
+              <a:lstStyle/>
+              <a:p>
+                <a:pPr algn="ctr"/>
+                <a:r>
+                  <a:rPr lang="en-US" altLang="ko-KR" dirty="0" smtClean="0">
+                    <a:solidFill>
+                      <a:schemeClr val="tx1"/>
+                    </a:solidFill>
+                  </a:rPr>
+                  <a:t>0</a:t>
+                </a:r>
+                <a:endParaRPr lang="ko-KR" altLang="en-US" dirty="0">
+                  <a:solidFill>
+                    <a:schemeClr val="tx1"/>
+                  </a:solidFill>
+                </a:endParaRPr>
+              </a:p>
+            </p:txBody>
+          </p:sp>
+          <p:sp>
+            <p:nvSpPr>
+              <p:cNvPr id="73" name="TextBox 72"/>
+              <p:cNvSpPr txBox="1"/>
+              <p:nvPr/>
+            </p:nvSpPr>
+            <p:spPr>
+              <a:xfrm>
+                <a:off x="6156657" y="1938318"/>
+                <a:ext cx="423514" cy="338554"/>
+              </a:xfrm>
+              <a:prstGeom prst="rect">
+                <a:avLst/>
+              </a:prstGeom>
+              <a:noFill/>
+            </p:spPr>
+            <p:txBody>
+              <a:bodyPr wrap="none" rtlCol="0">
+                <a:spAutoFit/>
+              </a:bodyPr>
+              <a:lstStyle/>
+              <a:p>
+                <a:r>
+                  <a:rPr lang="en-US" altLang="ko-KR" sz="1600" dirty="0" smtClean="0"/>
+                  <a:t>[3]</a:t>
+                </a:r>
+                <a:endParaRPr lang="ko-KR" altLang="en-US" sz="1600" dirty="0"/>
+              </a:p>
+            </p:txBody>
+          </p:sp>
+        </p:grpSp>
+      </p:grpSp>
+      <p:grpSp>
+        <p:nvGrpSpPr>
+          <p:cNvPr id="35" name="그룹 34"/>
+          <p:cNvGrpSpPr/>
+          <p:nvPr/>
+        </p:nvGrpSpPr>
+        <p:grpSpPr>
+          <a:xfrm>
+            <a:off x="6228184" y="3710015"/>
+            <a:ext cx="1780258" cy="683542"/>
+            <a:chOff x="4792068" y="1938318"/>
+            <a:chExt cx="1780258" cy="683542"/>
+          </a:xfrm>
+        </p:grpSpPr>
+        <p:sp>
+          <p:nvSpPr>
+            <p:cNvPr id="36" name="TextBox 35"/>
+            <p:cNvSpPr txBox="1"/>
+            <p:nvPr/>
+          </p:nvSpPr>
+          <p:spPr>
+            <a:xfrm>
+              <a:off x="4792068" y="2204864"/>
+              <a:ext cx="627095" cy="276999"/>
+            </a:xfrm>
+            <a:prstGeom prst="rect">
+              <a:avLst/>
+            </a:prstGeom>
+            <a:noFill/>
+          </p:spPr>
+          <p:txBody>
+            <a:bodyPr wrap="none" rtlCol="0">
+              <a:spAutoFit/>
+            </a:bodyPr>
+            <a:lstStyle/>
+            <a:p>
+              <a:r>
+                <a:rPr lang="en-US" altLang="ko-KR" sz="1200" b="1" dirty="0" smtClean="0"/>
+                <a:t>0x400</a:t>
+              </a:r>
+              <a:endParaRPr lang="ko-KR" altLang="en-US" sz="1200" b="1" dirty="0"/>
+            </a:p>
+          </p:txBody>
+        </p:sp>
+        <p:grpSp>
+          <p:nvGrpSpPr>
+            <p:cNvPr id="37" name="그룹 36"/>
+            <p:cNvGrpSpPr/>
+            <p:nvPr/>
+          </p:nvGrpSpPr>
+          <p:grpSpPr>
+            <a:xfrm>
+              <a:off x="5372622" y="1938318"/>
+              <a:ext cx="423514" cy="683542"/>
+              <a:chOff x="5372622" y="1938318"/>
+              <a:chExt cx="423514" cy="683542"/>
+            </a:xfrm>
+          </p:grpSpPr>
+          <p:sp>
+            <p:nvSpPr>
+              <p:cNvPr id="46" name="직사각형 45"/>
+              <p:cNvSpPr/>
+              <p:nvPr/>
+            </p:nvSpPr>
+            <p:spPr>
+              <a:xfrm>
+                <a:off x="5374973" y="2273341"/>
+                <a:ext cx="395620" cy="348519"/>
+              </a:xfrm>
+              <a:prstGeom prst="rect">
+                <a:avLst/>
+              </a:prstGeom>
+              <a:solidFill>
+                <a:schemeClr val="tx2">
+                  <a:lumMod val="40000"/>
+                  <a:lumOff val="60000"/>
+                </a:schemeClr>
+              </a:solidFill>
+            </p:spPr>
+            <p:style>
+              <a:lnRef idx="2">
+                <a:schemeClr val="accent1">
+                  <a:shade val="50000"/>
+                </a:schemeClr>
+              </a:lnRef>
+              <a:fillRef idx="1">
+                <a:schemeClr val="accent1"/>
+              </a:fillRef>
+              <a:effectRef idx="0">
+                <a:schemeClr val="accent1"/>
+              </a:effectRef>
+              <a:fontRef idx="minor">
+                <a:schemeClr val="lt1"/>
+              </a:fontRef>
+            </p:style>
+            <p:txBody>
+              <a:bodyPr rtlCol="0" anchor="ctr"/>
+              <a:lstStyle/>
+              <a:p>
+                <a:pPr algn="ctr"/>
+                <a:r>
+                  <a:rPr lang="en-US" altLang="ko-KR" dirty="0" smtClean="0">
+                    <a:solidFill>
+                      <a:schemeClr val="tx1"/>
+                    </a:solidFill>
+                  </a:rPr>
+                  <a:t>0</a:t>
+                </a:r>
+                <a:endParaRPr lang="ko-KR" altLang="en-US" dirty="0">
+                  <a:solidFill>
+                    <a:schemeClr val="tx1"/>
+                  </a:solidFill>
+                </a:endParaRPr>
+              </a:p>
+            </p:txBody>
+          </p:sp>
+          <p:sp>
+            <p:nvSpPr>
+              <p:cNvPr id="51" name="TextBox 50"/>
+              <p:cNvSpPr txBox="1"/>
+              <p:nvPr/>
+            </p:nvSpPr>
+            <p:spPr>
+              <a:xfrm>
+                <a:off x="5372622" y="1938318"/>
+                <a:ext cx="423514" cy="338554"/>
+              </a:xfrm>
+              <a:prstGeom prst="rect">
+                <a:avLst/>
+              </a:prstGeom>
+              <a:noFill/>
+            </p:spPr>
+            <p:txBody>
+              <a:bodyPr wrap="none" rtlCol="0">
+                <a:spAutoFit/>
+              </a:bodyPr>
+              <a:lstStyle/>
+              <a:p>
+                <a:r>
+                  <a:rPr lang="en-US" altLang="ko-KR" sz="1600" dirty="0" smtClean="0"/>
+                  <a:t>[0]</a:t>
+                </a:r>
+                <a:endParaRPr lang="ko-KR" altLang="en-US" sz="1600" dirty="0"/>
+              </a:p>
+            </p:txBody>
+          </p:sp>
+        </p:grpSp>
+        <p:grpSp>
+          <p:nvGrpSpPr>
+            <p:cNvPr id="38" name="그룹 37"/>
+            <p:cNvGrpSpPr/>
+            <p:nvPr/>
+          </p:nvGrpSpPr>
+          <p:grpSpPr>
+            <a:xfrm>
+              <a:off x="5760397" y="1938318"/>
+              <a:ext cx="811929" cy="683542"/>
+              <a:chOff x="5372622" y="1938318"/>
+              <a:chExt cx="811929" cy="683542"/>
+            </a:xfrm>
+          </p:grpSpPr>
+          <p:sp>
+            <p:nvSpPr>
+              <p:cNvPr id="42" name="직사각형 41"/>
+              <p:cNvSpPr/>
+              <p:nvPr/>
+            </p:nvSpPr>
+            <p:spPr>
+              <a:xfrm>
+                <a:off x="5374973" y="2273341"/>
+                <a:ext cx="395620" cy="348519"/>
+              </a:xfrm>
+              <a:prstGeom prst="rect">
+                <a:avLst/>
+              </a:prstGeom>
+              <a:solidFill>
+                <a:schemeClr val="tx2">
+                  <a:lumMod val="40000"/>
+                  <a:lumOff val="60000"/>
+                </a:schemeClr>
+              </a:solidFill>
+            </p:spPr>
+            <p:style>
+              <a:lnRef idx="2">
+                <a:schemeClr val="accent1">
+                  <a:shade val="50000"/>
+                </a:schemeClr>
+              </a:lnRef>
+              <a:fillRef idx="1">
+                <a:schemeClr val="accent1"/>
+              </a:fillRef>
+              <a:effectRef idx="0">
+                <a:schemeClr val="accent1"/>
+              </a:effectRef>
+              <a:fontRef idx="minor">
+                <a:schemeClr val="lt1"/>
+              </a:fontRef>
+            </p:style>
+            <p:txBody>
+              <a:bodyPr rtlCol="0" anchor="ctr"/>
+              <a:lstStyle/>
+              <a:p>
+                <a:pPr algn="ctr"/>
+                <a:r>
+                  <a:rPr lang="en-US" altLang="ko-KR" dirty="0" smtClean="0">
+                    <a:solidFill>
+                      <a:schemeClr val="tx1"/>
+                    </a:solidFill>
+                  </a:rPr>
+                  <a:t>0</a:t>
+                </a:r>
+                <a:endParaRPr lang="ko-KR" altLang="en-US" dirty="0">
+                  <a:solidFill>
+                    <a:schemeClr val="tx1"/>
+                  </a:solidFill>
+                </a:endParaRPr>
+              </a:p>
+            </p:txBody>
+          </p:sp>
+          <p:sp>
+            <p:nvSpPr>
+              <p:cNvPr id="43" name="TextBox 42"/>
+              <p:cNvSpPr txBox="1"/>
+              <p:nvPr/>
+            </p:nvSpPr>
+            <p:spPr>
+              <a:xfrm>
+                <a:off x="5372622" y="1938318"/>
+                <a:ext cx="423514" cy="338554"/>
+              </a:xfrm>
+              <a:prstGeom prst="rect">
+                <a:avLst/>
+              </a:prstGeom>
+              <a:noFill/>
+            </p:spPr>
+            <p:txBody>
+              <a:bodyPr wrap="none" rtlCol="0">
+                <a:spAutoFit/>
+              </a:bodyPr>
+              <a:lstStyle/>
+              <a:p>
+                <a:r>
+                  <a:rPr lang="en-US" altLang="ko-KR" sz="1600" dirty="0" smtClean="0"/>
+                  <a:t>[1]</a:t>
+                </a:r>
+                <a:endParaRPr lang="ko-KR" altLang="en-US" sz="1600" dirty="0"/>
+              </a:p>
+            </p:txBody>
+          </p:sp>
+          <p:sp>
+            <p:nvSpPr>
+              <p:cNvPr id="44" name="직사각형 43"/>
+              <p:cNvSpPr/>
+              <p:nvPr/>
+            </p:nvSpPr>
+            <p:spPr>
+              <a:xfrm>
+                <a:off x="5763388" y="2273341"/>
+                <a:ext cx="395620" cy="348519"/>
+              </a:xfrm>
+              <a:prstGeom prst="rect">
+                <a:avLst/>
+              </a:prstGeom>
+              <a:solidFill>
+                <a:schemeClr val="tx2">
+                  <a:lumMod val="40000"/>
+                  <a:lumOff val="60000"/>
+                </a:schemeClr>
+              </a:solidFill>
+            </p:spPr>
+            <p:style>
+              <a:lnRef idx="2">
+                <a:schemeClr val="accent1">
+                  <a:shade val="50000"/>
+                </a:schemeClr>
+              </a:lnRef>
+              <a:fillRef idx="1">
+                <a:schemeClr val="accent1"/>
+              </a:fillRef>
+              <a:effectRef idx="0">
+                <a:schemeClr val="accent1"/>
+              </a:effectRef>
+              <a:fontRef idx="minor">
+                <a:schemeClr val="lt1"/>
+              </a:fontRef>
+            </p:style>
+            <p:txBody>
+              <a:bodyPr rtlCol="0" anchor="ctr"/>
+              <a:lstStyle/>
+              <a:p>
+                <a:pPr algn="ctr"/>
+                <a:r>
+                  <a:rPr lang="en-US" altLang="ko-KR" dirty="0" smtClean="0">
+                    <a:solidFill>
+                      <a:schemeClr val="tx1"/>
+                    </a:solidFill>
+                  </a:rPr>
+                  <a:t>0</a:t>
+                </a:r>
+                <a:endParaRPr lang="ko-KR" altLang="en-US" dirty="0">
+                  <a:solidFill>
+                    <a:schemeClr val="tx1"/>
+                  </a:solidFill>
+                </a:endParaRPr>
+              </a:p>
+            </p:txBody>
+          </p:sp>
+          <p:sp>
+            <p:nvSpPr>
+              <p:cNvPr id="45" name="TextBox 44"/>
+              <p:cNvSpPr txBox="1"/>
+              <p:nvPr/>
+            </p:nvSpPr>
+            <p:spPr>
+              <a:xfrm>
+                <a:off x="5761037" y="1938318"/>
+                <a:ext cx="423514" cy="338554"/>
+              </a:xfrm>
+              <a:prstGeom prst="rect">
+                <a:avLst/>
+              </a:prstGeom>
+              <a:noFill/>
+            </p:spPr>
+            <p:txBody>
+              <a:bodyPr wrap="none" rtlCol="0">
+                <a:spAutoFit/>
+              </a:bodyPr>
+              <a:lstStyle/>
+              <a:p>
+                <a:r>
+                  <a:rPr lang="en-US" altLang="ko-KR" sz="1600" dirty="0" smtClean="0"/>
+                  <a:t>[2]</a:t>
+                </a:r>
+                <a:endParaRPr lang="ko-KR" altLang="en-US" sz="1600" dirty="0"/>
+              </a:p>
+            </p:txBody>
+          </p:sp>
+        </p:grpSp>
+      </p:grpSp>
+      <p:sp>
+        <p:nvSpPr>
+          <p:cNvPr id="52" name="직사각형 51"/>
+          <p:cNvSpPr/>
+          <p:nvPr/>
+        </p:nvSpPr>
+        <p:spPr>
+          <a:xfrm>
+            <a:off x="4716016" y="3135021"/>
+            <a:ext cx="1019669" cy="322295"/>
+          </a:xfrm>
+          <a:prstGeom prst="rect">
+            <a:avLst/>
+          </a:prstGeom>
+          <a:solidFill>
+            <a:schemeClr val="tx2">
+              <a:lumMod val="20000"/>
+              <a:lumOff val="80000"/>
+            </a:schemeClr>
+          </a:solidFill>
+        </p:spPr>
+        <p:style>
+          <a:lnRef idx="2">
+            <a:schemeClr val="accent1">
+              <a:shade val="50000"/>
+            </a:schemeClr>
+          </a:lnRef>
+          <a:fillRef idx="1">
+            <a:schemeClr val="accent1"/>
+          </a:fillRef>
+          <a:effectRef idx="0">
+            <a:schemeClr val="accent1"/>
+          </a:effectRef>
+          <a:fontRef idx="minor">
+            <a:schemeClr val="lt1"/>
+          </a:fontRef>
+        </p:style>
+        <p:txBody>
+          <a:bodyPr rtlCol="0" anchor="ctr"/>
+          <a:lstStyle/>
+          <a:p>
+            <a:pPr algn="ctr"/>
+            <a:r>
+              <a:rPr lang="en-US" altLang="ko-KR" dirty="0" smtClean="0">
+                <a:solidFill>
+                  <a:schemeClr val="tx1"/>
+                </a:solidFill>
+              </a:rPr>
+              <a:t>0x300</a:t>
+            </a:r>
+            <a:endParaRPr lang="ko-KR" altLang="en-US" dirty="0">
+              <a:solidFill>
+                <a:schemeClr val="tx1"/>
+              </a:solidFill>
+            </a:endParaRPr>
+          </a:p>
+        </p:txBody>
+      </p:sp>
+      <p:sp>
+        <p:nvSpPr>
+          <p:cNvPr id="56" name="직사각형 55"/>
+          <p:cNvSpPr/>
+          <p:nvPr/>
+        </p:nvSpPr>
+        <p:spPr>
+          <a:xfrm>
+            <a:off x="4716016" y="2799388"/>
+            <a:ext cx="1019669" cy="322295"/>
+          </a:xfrm>
+          <a:prstGeom prst="rect">
+            <a:avLst/>
+          </a:prstGeom>
+          <a:solidFill>
+            <a:schemeClr val="tx2">
+              <a:lumMod val="20000"/>
+              <a:lumOff val="80000"/>
+            </a:schemeClr>
+          </a:solidFill>
+        </p:spPr>
+        <p:style>
+          <a:lnRef idx="2">
+            <a:schemeClr val="accent1">
+              <a:shade val="50000"/>
+            </a:schemeClr>
+          </a:lnRef>
+          <a:fillRef idx="1">
+            <a:schemeClr val="accent1"/>
+          </a:fillRef>
+          <a:effectRef idx="0">
+            <a:schemeClr val="accent1"/>
+          </a:effectRef>
+          <a:fontRef idx="minor">
+            <a:schemeClr val="lt1"/>
+          </a:fontRef>
+        </p:style>
+        <p:txBody>
+          <a:bodyPr rtlCol="0" anchor="ctr"/>
+          <a:lstStyle/>
+          <a:p>
+            <a:pPr algn="ctr"/>
+            <a:r>
+              <a:rPr lang="en-US" altLang="ko-KR" dirty="0" smtClean="0">
+                <a:solidFill>
+                  <a:schemeClr val="tx1"/>
+                </a:solidFill>
+              </a:rPr>
+              <a:t>0x200</a:t>
+            </a:r>
+            <a:endParaRPr lang="ko-KR" altLang="en-US" dirty="0">
+              <a:solidFill>
+                <a:schemeClr val="tx1"/>
+              </a:solidFill>
+            </a:endParaRPr>
+          </a:p>
+        </p:txBody>
+      </p:sp>
+      <p:sp>
+        <p:nvSpPr>
+          <p:cNvPr id="57" name="TextBox 56"/>
+          <p:cNvSpPr txBox="1"/>
+          <p:nvPr/>
+        </p:nvSpPr>
+        <p:spPr>
+          <a:xfrm>
+            <a:off x="5220072" y="2420888"/>
+            <a:ext cx="627095" cy="276999"/>
+          </a:xfrm>
+          <a:prstGeom prst="rect">
+            <a:avLst/>
+          </a:prstGeom>
+          <a:noFill/>
+        </p:spPr>
+        <p:txBody>
+          <a:bodyPr wrap="none" rtlCol="0">
+            <a:spAutoFit/>
+          </a:bodyPr>
+          <a:lstStyle/>
+          <a:p>
+            <a:r>
+              <a:rPr lang="en-US" altLang="ko-KR" sz="1200" b="1" dirty="0" smtClean="0"/>
+              <a:t>0x100</a:t>
+            </a:r>
+            <a:endParaRPr lang="ko-KR" altLang="en-US" sz="1200" b="1" dirty="0"/>
+          </a:p>
+        </p:txBody>
+      </p:sp>
+      <p:cxnSp>
+        <p:nvCxnSpPr>
+          <p:cNvPr id="58" name="꺾인 연결선 57"/>
+          <p:cNvCxnSpPr>
+            <a:stCxn id="56" idx="3"/>
+            <a:endCxn id="69" idx="1"/>
+          </p:cNvCxnSpPr>
+          <p:nvPr/>
+        </p:nvCxnSpPr>
+        <p:spPr>
+          <a:xfrm flipV="1">
+            <a:off x="5735685" y="2354107"/>
+            <a:ext cx="1075404" cy="606429"/>
+          </a:xfrm>
+          <a:prstGeom prst="bentConnector3">
+            <a:avLst>
+              <a:gd name="adj1" fmla="val 50000"/>
+            </a:avLst>
+          </a:prstGeom>
+          <a:ln w="19050">
+            <a:solidFill>
+              <a:srgbClr val="FF0000"/>
+            </a:solidFill>
+            <a:prstDash val="dash"/>
+            <a:tailEnd type="arrow"/>
+          </a:ln>
+        </p:spPr>
+        <p:style>
+          <a:lnRef idx="1">
+            <a:schemeClr val="accent1"/>
+          </a:lnRef>
+          <a:fillRef idx="0">
+            <a:schemeClr val="accent1"/>
+          </a:fillRef>
+          <a:effectRef idx="0">
+            <a:schemeClr val="accent1"/>
+          </a:effectRef>
+          <a:fontRef idx="minor">
+            <a:schemeClr val="tx1"/>
+          </a:fontRef>
+        </p:style>
+      </p:cxnSp>
+      <p:cxnSp>
+        <p:nvCxnSpPr>
+          <p:cNvPr id="59" name="꺾인 연결선 58"/>
+          <p:cNvCxnSpPr>
+            <a:stCxn id="52" idx="3"/>
+            <a:endCxn id="27" idx="1"/>
+          </p:cNvCxnSpPr>
+          <p:nvPr/>
+        </p:nvCxnSpPr>
+        <p:spPr>
+          <a:xfrm>
+            <a:off x="5735685" y="3296169"/>
+            <a:ext cx="1075404" cy="2668"/>
+          </a:xfrm>
+          <a:prstGeom prst="bentConnector3">
+            <a:avLst>
+              <a:gd name="adj1" fmla="val 50000"/>
+            </a:avLst>
+          </a:prstGeom>
+          <a:ln w="19050">
+            <a:solidFill>
+              <a:srgbClr val="FF0000"/>
+            </a:solidFill>
+            <a:prstDash val="dash"/>
+            <a:tailEnd type="arrow"/>
+          </a:ln>
+        </p:spPr>
+        <p:style>
+          <a:lnRef idx="1">
+            <a:schemeClr val="accent1"/>
+          </a:lnRef>
+          <a:fillRef idx="0">
+            <a:schemeClr val="accent1"/>
+          </a:fillRef>
+          <a:effectRef idx="0">
+            <a:schemeClr val="accent1"/>
+          </a:effectRef>
+          <a:fontRef idx="minor">
+            <a:schemeClr val="tx1"/>
+          </a:fontRef>
+        </p:style>
+      </p:cxnSp>
+      <p:sp>
+        <p:nvSpPr>
+          <p:cNvPr id="60" name="직사각형 59"/>
+          <p:cNvSpPr/>
+          <p:nvPr/>
+        </p:nvSpPr>
+        <p:spPr>
+          <a:xfrm>
+            <a:off x="4716016" y="3464208"/>
+            <a:ext cx="1019669" cy="322295"/>
+          </a:xfrm>
+          <a:prstGeom prst="rect">
+            <a:avLst/>
+          </a:prstGeom>
+          <a:solidFill>
+            <a:schemeClr val="tx2">
+              <a:lumMod val="20000"/>
+              <a:lumOff val="80000"/>
+            </a:schemeClr>
+          </a:solidFill>
+        </p:spPr>
+        <p:style>
+          <a:lnRef idx="2">
+            <a:schemeClr val="accent1">
+              <a:shade val="50000"/>
+            </a:schemeClr>
+          </a:lnRef>
+          <a:fillRef idx="1">
+            <a:schemeClr val="accent1"/>
+          </a:fillRef>
+          <a:effectRef idx="0">
+            <a:schemeClr val="accent1"/>
+          </a:effectRef>
+          <a:fontRef idx="minor">
+            <a:schemeClr val="lt1"/>
+          </a:fontRef>
+        </p:style>
+        <p:txBody>
+          <a:bodyPr rtlCol="0" anchor="ctr"/>
+          <a:lstStyle/>
+          <a:p>
+            <a:pPr algn="ctr"/>
+            <a:r>
+              <a:rPr lang="en-US" altLang="ko-KR" dirty="0" smtClean="0">
+                <a:solidFill>
+                  <a:schemeClr val="tx1"/>
+                </a:solidFill>
+              </a:rPr>
+              <a:t>0x400</a:t>
+            </a:r>
+            <a:endParaRPr lang="ko-KR" altLang="en-US" dirty="0">
+              <a:solidFill>
+                <a:schemeClr val="tx1"/>
+              </a:solidFill>
+            </a:endParaRPr>
+          </a:p>
+        </p:txBody>
+      </p:sp>
+      <p:grpSp>
+        <p:nvGrpSpPr>
+          <p:cNvPr id="61" name="그룹 60"/>
+          <p:cNvGrpSpPr/>
+          <p:nvPr/>
+        </p:nvGrpSpPr>
+        <p:grpSpPr>
+          <a:xfrm>
+            <a:off x="6228184" y="1844824"/>
+            <a:ext cx="1391843" cy="683542"/>
+            <a:chOff x="4792068" y="1938318"/>
+            <a:chExt cx="1391843" cy="683542"/>
+          </a:xfrm>
+        </p:grpSpPr>
+        <p:sp>
+          <p:nvSpPr>
+            <p:cNvPr id="62" name="TextBox 61"/>
+            <p:cNvSpPr txBox="1"/>
+            <p:nvPr/>
+          </p:nvSpPr>
+          <p:spPr>
+            <a:xfrm>
+              <a:off x="4792068" y="2204864"/>
+              <a:ext cx="627095" cy="276999"/>
+            </a:xfrm>
+            <a:prstGeom prst="rect">
+              <a:avLst/>
+            </a:prstGeom>
+            <a:noFill/>
+          </p:spPr>
+          <p:txBody>
+            <a:bodyPr wrap="none" rtlCol="0">
+              <a:spAutoFit/>
+            </a:bodyPr>
+            <a:lstStyle/>
+            <a:p>
+              <a:r>
+                <a:rPr lang="en-US" altLang="ko-KR" sz="1200" b="1" dirty="0" smtClean="0"/>
+                <a:t>0x200</a:t>
+              </a:r>
+              <a:endParaRPr lang="ko-KR" altLang="en-US" sz="1200" b="1" dirty="0"/>
+            </a:p>
+          </p:txBody>
+        </p:sp>
+        <p:grpSp>
+          <p:nvGrpSpPr>
+            <p:cNvPr id="63" name="그룹 62"/>
+            <p:cNvGrpSpPr/>
+            <p:nvPr/>
+          </p:nvGrpSpPr>
+          <p:grpSpPr>
+            <a:xfrm>
+              <a:off x="5372622" y="1938318"/>
+              <a:ext cx="423514" cy="683542"/>
+              <a:chOff x="5372622" y="1938318"/>
+              <a:chExt cx="423514" cy="683542"/>
+            </a:xfrm>
+          </p:grpSpPr>
+          <p:sp>
+            <p:nvSpPr>
+              <p:cNvPr id="69" name="직사각형 68"/>
+              <p:cNvSpPr/>
+              <p:nvPr/>
+            </p:nvSpPr>
+            <p:spPr>
+              <a:xfrm>
+                <a:off x="5374973" y="2273341"/>
+                <a:ext cx="395620" cy="348519"/>
+              </a:xfrm>
+              <a:prstGeom prst="rect">
+                <a:avLst/>
+              </a:prstGeom>
+              <a:solidFill>
+                <a:schemeClr val="tx2">
+                  <a:lumMod val="40000"/>
+                  <a:lumOff val="60000"/>
+                </a:schemeClr>
+              </a:solidFill>
+            </p:spPr>
+            <p:style>
+              <a:lnRef idx="2">
+                <a:schemeClr val="accent1">
+                  <a:shade val="50000"/>
+                </a:schemeClr>
+              </a:lnRef>
+              <a:fillRef idx="1">
+                <a:schemeClr val="accent1"/>
+              </a:fillRef>
+              <a:effectRef idx="0">
+                <a:schemeClr val="accent1"/>
+              </a:effectRef>
+              <a:fontRef idx="minor">
+                <a:schemeClr val="lt1"/>
+              </a:fontRef>
+            </p:style>
+            <p:txBody>
+              <a:bodyPr rtlCol="0" anchor="ctr"/>
+              <a:lstStyle/>
+              <a:p>
+                <a:pPr algn="ctr"/>
+                <a:r>
+                  <a:rPr lang="en-US" altLang="ko-KR" dirty="0" smtClean="0">
+                    <a:solidFill>
+                      <a:schemeClr val="tx1"/>
+                    </a:solidFill>
+                  </a:rPr>
+                  <a:t>0</a:t>
+                </a:r>
+                <a:endParaRPr lang="ko-KR" altLang="en-US" dirty="0">
+                  <a:solidFill>
+                    <a:schemeClr val="tx1"/>
+                  </a:solidFill>
+                </a:endParaRPr>
+              </a:p>
+            </p:txBody>
+          </p:sp>
+          <p:sp>
+            <p:nvSpPr>
+              <p:cNvPr id="70" name="TextBox 69"/>
+              <p:cNvSpPr txBox="1"/>
+              <p:nvPr/>
+            </p:nvSpPr>
+            <p:spPr>
+              <a:xfrm>
+                <a:off x="5372622" y="1938318"/>
+                <a:ext cx="423514" cy="338554"/>
+              </a:xfrm>
+              <a:prstGeom prst="rect">
+                <a:avLst/>
+              </a:prstGeom>
+              <a:noFill/>
+            </p:spPr>
+            <p:txBody>
+              <a:bodyPr wrap="none" rtlCol="0">
+                <a:spAutoFit/>
+              </a:bodyPr>
+              <a:lstStyle/>
+              <a:p>
+                <a:r>
+                  <a:rPr lang="en-US" altLang="ko-KR" sz="1600" dirty="0" smtClean="0"/>
+                  <a:t>[0]</a:t>
+                </a:r>
+                <a:endParaRPr lang="ko-KR" altLang="en-US" sz="1600" dirty="0"/>
+              </a:p>
+            </p:txBody>
+          </p:sp>
+        </p:grpSp>
+        <p:grpSp>
+          <p:nvGrpSpPr>
+            <p:cNvPr id="64" name="그룹 63"/>
+            <p:cNvGrpSpPr/>
+            <p:nvPr/>
+          </p:nvGrpSpPr>
+          <p:grpSpPr>
+            <a:xfrm>
+              <a:off x="5760397" y="1938318"/>
+              <a:ext cx="423514" cy="683542"/>
+              <a:chOff x="5372622" y="1938318"/>
+              <a:chExt cx="423514" cy="683542"/>
+            </a:xfrm>
+          </p:grpSpPr>
+          <p:sp>
+            <p:nvSpPr>
+              <p:cNvPr id="65" name="직사각형 64"/>
+              <p:cNvSpPr/>
+              <p:nvPr/>
+            </p:nvSpPr>
+            <p:spPr>
+              <a:xfrm>
+                <a:off x="5374973" y="2273341"/>
+                <a:ext cx="395620" cy="348519"/>
+              </a:xfrm>
+              <a:prstGeom prst="rect">
+                <a:avLst/>
+              </a:prstGeom>
+              <a:solidFill>
+                <a:schemeClr val="tx2">
+                  <a:lumMod val="40000"/>
+                  <a:lumOff val="60000"/>
+                </a:schemeClr>
+              </a:solidFill>
+            </p:spPr>
+            <p:style>
+              <a:lnRef idx="2">
+                <a:schemeClr val="accent1">
+                  <a:shade val="50000"/>
+                </a:schemeClr>
+              </a:lnRef>
+              <a:fillRef idx="1">
+                <a:schemeClr val="accent1"/>
+              </a:fillRef>
+              <a:effectRef idx="0">
+                <a:schemeClr val="accent1"/>
+              </a:effectRef>
+              <a:fontRef idx="minor">
+                <a:schemeClr val="lt1"/>
+              </a:fontRef>
+            </p:style>
+            <p:txBody>
+              <a:bodyPr rtlCol="0" anchor="ctr"/>
+              <a:lstStyle/>
+              <a:p>
+                <a:pPr algn="ctr"/>
+                <a:r>
+                  <a:rPr lang="en-US" altLang="ko-KR" dirty="0" smtClean="0">
+                    <a:solidFill>
+                      <a:schemeClr val="tx1"/>
+                    </a:solidFill>
+                  </a:rPr>
+                  <a:t>0</a:t>
+                </a:r>
+                <a:endParaRPr lang="ko-KR" altLang="en-US" dirty="0">
+                  <a:solidFill>
+                    <a:schemeClr val="tx1"/>
+                  </a:solidFill>
+                </a:endParaRPr>
+              </a:p>
+            </p:txBody>
+          </p:sp>
+          <p:sp>
+            <p:nvSpPr>
+              <p:cNvPr id="66" name="TextBox 65"/>
+              <p:cNvSpPr txBox="1"/>
+              <p:nvPr/>
+            </p:nvSpPr>
+            <p:spPr>
+              <a:xfrm>
+                <a:off x="5372622" y="1938318"/>
+                <a:ext cx="423514" cy="338554"/>
+              </a:xfrm>
+              <a:prstGeom prst="rect">
+                <a:avLst/>
+              </a:prstGeom>
+              <a:noFill/>
+            </p:spPr>
+            <p:txBody>
+              <a:bodyPr wrap="none" rtlCol="0">
+                <a:spAutoFit/>
+              </a:bodyPr>
+              <a:lstStyle/>
+              <a:p>
+                <a:r>
+                  <a:rPr lang="en-US" altLang="ko-KR" sz="1600" dirty="0" smtClean="0"/>
+                  <a:t>[1]</a:t>
+                </a:r>
+                <a:endParaRPr lang="ko-KR" altLang="en-US" sz="1600" dirty="0"/>
+              </a:p>
+            </p:txBody>
+          </p:sp>
+        </p:grpSp>
+      </p:grpSp>
+      <p:cxnSp>
+        <p:nvCxnSpPr>
+          <p:cNvPr id="71" name="꺾인 연결선 70"/>
+          <p:cNvCxnSpPr>
+            <a:stCxn id="60" idx="3"/>
+            <a:endCxn id="46" idx="1"/>
+          </p:cNvCxnSpPr>
+          <p:nvPr/>
+        </p:nvCxnSpPr>
+        <p:spPr>
+          <a:xfrm>
+            <a:off x="5735685" y="3625356"/>
+            <a:ext cx="1075404" cy="593942"/>
+          </a:xfrm>
+          <a:prstGeom prst="bentConnector3">
+            <a:avLst>
+              <a:gd name="adj1" fmla="val 50000"/>
+            </a:avLst>
+          </a:prstGeom>
+          <a:ln w="19050">
+            <a:solidFill>
+              <a:srgbClr val="FF0000"/>
+            </a:solidFill>
+            <a:prstDash val="dash"/>
+            <a:tailEnd type="arrow"/>
+          </a:ln>
+        </p:spPr>
+        <p:style>
+          <a:lnRef idx="1">
+            <a:schemeClr val="accent1"/>
+          </a:lnRef>
+          <a:fillRef idx="0">
+            <a:schemeClr val="accent1"/>
+          </a:fillRef>
+          <a:effectRef idx="0">
+            <a:schemeClr val="accent1"/>
+          </a:effectRef>
+          <a:fontRef idx="minor">
+            <a:schemeClr val="tx1"/>
+          </a:fontRef>
+        </p:style>
+      </p:cxnSp>
+      <p:cxnSp>
+        <p:nvCxnSpPr>
+          <p:cNvPr id="21" name="구부러진 연결선 20"/>
+          <p:cNvCxnSpPr>
+            <a:endCxn id="57" idx="0"/>
+          </p:cNvCxnSpPr>
+          <p:nvPr/>
+        </p:nvCxnSpPr>
+        <p:spPr>
+          <a:xfrm>
+            <a:off x="3779912" y="1536467"/>
+            <a:ext cx="1753708" cy="884421"/>
+          </a:xfrm>
+          <a:prstGeom prst="curvedConnector2">
+            <a:avLst/>
+          </a:prstGeom>
+          <a:ln w="25400">
+            <a:solidFill>
+              <a:srgbClr val="00B050"/>
+            </a:solidFill>
+            <a:prstDash val="sysDot"/>
+            <a:tailEnd type="arrow"/>
+          </a:ln>
+        </p:spPr>
+        <p:style>
+          <a:lnRef idx="1">
+            <a:schemeClr val="accent1"/>
+          </a:lnRef>
+          <a:fillRef idx="0">
+            <a:schemeClr val="accent1"/>
+          </a:fillRef>
+          <a:effectRef idx="0">
+            <a:schemeClr val="accent1"/>
+          </a:effectRef>
+          <a:fontRef idx="minor">
+            <a:schemeClr val="tx1"/>
+          </a:fontRef>
+        </p:style>
+      </p:cxnSp>
+      <p:cxnSp>
+        <p:nvCxnSpPr>
+          <p:cNvPr id="74" name="구부러진 연결선 73"/>
+          <p:cNvCxnSpPr>
+            <a:endCxn id="62" idx="0"/>
+          </p:cNvCxnSpPr>
+          <p:nvPr/>
+        </p:nvCxnSpPr>
+        <p:spPr>
+          <a:xfrm>
+            <a:off x="3347864" y="2014101"/>
+            <a:ext cx="3193868" cy="97269"/>
+          </a:xfrm>
+          <a:prstGeom prst="curvedConnector2">
+            <a:avLst/>
+          </a:prstGeom>
+          <a:ln w="19050">
+            <a:solidFill>
+              <a:srgbClr val="00B050"/>
+            </a:solidFill>
+            <a:prstDash val="sysDot"/>
+            <a:tailEnd type="arrow"/>
+          </a:ln>
+        </p:spPr>
+        <p:style>
+          <a:lnRef idx="1">
+            <a:schemeClr val="accent1"/>
+          </a:lnRef>
+          <a:fillRef idx="0">
+            <a:schemeClr val="accent1"/>
+          </a:fillRef>
+          <a:effectRef idx="0">
+            <a:schemeClr val="accent1"/>
+          </a:effectRef>
+          <a:fontRef idx="minor">
+            <a:schemeClr val="tx1"/>
+          </a:fontRef>
+        </p:style>
+      </p:cxnSp>
+      <p:cxnSp>
+        <p:nvCxnSpPr>
+          <p:cNvPr id="75" name="구부러진 연결선 74"/>
+          <p:cNvCxnSpPr>
+            <a:endCxn id="39" idx="0"/>
+          </p:cNvCxnSpPr>
+          <p:nvPr/>
+        </p:nvCxnSpPr>
+        <p:spPr>
+          <a:xfrm>
+            <a:off x="3419500" y="2242504"/>
+            <a:ext cx="3122232" cy="813596"/>
+          </a:xfrm>
+          <a:prstGeom prst="curvedConnector2">
+            <a:avLst/>
+          </a:prstGeom>
+          <a:ln w="19050">
+            <a:solidFill>
+              <a:srgbClr val="00B050"/>
+            </a:solidFill>
+            <a:prstDash val="sysDot"/>
+            <a:tailEnd type="arrow"/>
+          </a:ln>
+        </p:spPr>
+        <p:style>
+          <a:lnRef idx="1">
+            <a:schemeClr val="accent1"/>
+          </a:lnRef>
+          <a:fillRef idx="0">
+            <a:schemeClr val="accent1"/>
+          </a:fillRef>
+          <a:effectRef idx="0">
+            <a:schemeClr val="accent1"/>
+          </a:effectRef>
+          <a:fontRef idx="minor">
+            <a:schemeClr val="tx1"/>
+          </a:fontRef>
+        </p:style>
+      </p:cxnSp>
+      <p:cxnSp>
+        <p:nvCxnSpPr>
+          <p:cNvPr id="76" name="구부러진 연결선 75"/>
+          <p:cNvCxnSpPr>
+            <a:endCxn id="36" idx="0"/>
+          </p:cNvCxnSpPr>
+          <p:nvPr/>
+        </p:nvCxnSpPr>
+        <p:spPr>
+          <a:xfrm>
+            <a:off x="3419499" y="2482572"/>
+            <a:ext cx="3122233" cy="1493989"/>
+          </a:xfrm>
+          <a:prstGeom prst="curvedConnector2">
+            <a:avLst/>
+          </a:prstGeom>
+          <a:ln w="19050">
+            <a:solidFill>
+              <a:srgbClr val="00B050"/>
+            </a:solidFill>
+            <a:prstDash val="sysDot"/>
+            <a:tailEnd type="arrow"/>
+          </a:ln>
+        </p:spPr>
+        <p:style>
+          <a:lnRef idx="1">
+            <a:schemeClr val="accent1"/>
+          </a:lnRef>
+          <a:fillRef idx="0">
+            <a:schemeClr val="accent1"/>
+          </a:fillRef>
+          <a:effectRef idx="0">
+            <a:schemeClr val="accent1"/>
+          </a:effectRef>
+          <a:fontRef idx="minor">
+            <a:schemeClr val="tx1"/>
+          </a:fontRef>
+        </p:style>
+      </p:cxnSp>
+      <p:sp>
+        <p:nvSpPr>
+          <p:cNvPr id="80" name="TextBox 79"/>
+          <p:cNvSpPr txBox="1"/>
+          <p:nvPr/>
+        </p:nvSpPr>
+        <p:spPr>
+          <a:xfrm>
+            <a:off x="4359078" y="3424618"/>
+            <a:ext cx="423514" cy="338554"/>
+          </a:xfrm>
+          <a:prstGeom prst="rect">
+            <a:avLst/>
+          </a:prstGeom>
+          <a:noFill/>
+        </p:spPr>
+        <p:txBody>
+          <a:bodyPr wrap="none" rtlCol="0">
+            <a:spAutoFit/>
+          </a:bodyPr>
+          <a:lstStyle/>
+          <a:p>
+            <a:r>
+              <a:rPr lang="en-US" altLang="ko-KR" sz="1600" dirty="0" smtClean="0"/>
+              <a:t>[2]</a:t>
+            </a:r>
+            <a:endParaRPr lang="ko-KR" altLang="en-US" sz="1600" dirty="0"/>
+          </a:p>
+        </p:txBody>
+      </p:sp>
+    </p:spTree>
+    <p:extLst>
+      <p:ext uri="{BB962C8B-B14F-4D97-AF65-F5344CB8AC3E}">
+        <p14:creationId xmlns:p14="http://schemas.microsoft.com/office/powerpoint/2010/main" val="3037313630"/>
       </p:ext>
     </p:extLst>
   </p:cSld>
